--- a/PARITY GENERATOR.pptx
+++ b/PARITY GENERATOR.pptx
@@ -2,16 +2,33 @@
 <file path=ppt/presentation.xml><?xml version="1.0" encoding="utf-8"?>
 <p:presentation xmlns:a="http://schemas.openxmlformats.org/drawingml/2006/main" xmlns:r="http://schemas.openxmlformats.org/officeDocument/2006/relationships" xmlns:p="http://schemas.openxmlformats.org/presentationml/2006/main" saveSubsetFonts="1">
   <p:sldMasterIdLst>
-    <p:sldMasterId id="2147483648" r:id="rId1"/>
+    <p:sldMasterId id="2147483728" r:id="rId1"/>
   </p:sldMasterIdLst>
   <p:sldIdLst>
     <p:sldId id="256" r:id="rId2"/>
     <p:sldId id="259" r:id="rId3"/>
     <p:sldId id="258" r:id="rId4"/>
-    <p:sldId id="257" r:id="rId5"/>
-    <p:sldId id="260" r:id="rId6"/>
-    <p:sldId id="261" r:id="rId7"/>
-    <p:sldId id="262" r:id="rId8"/>
+    <p:sldId id="275" r:id="rId5"/>
+    <p:sldId id="276" r:id="rId6"/>
+    <p:sldId id="277" r:id="rId7"/>
+    <p:sldId id="281" r:id="rId8"/>
+    <p:sldId id="270" r:id="rId9"/>
+    <p:sldId id="266" r:id="rId10"/>
+    <p:sldId id="261" r:id="rId11"/>
+    <p:sldId id="262" r:id="rId12"/>
+    <p:sldId id="263" r:id="rId13"/>
+    <p:sldId id="278" r:id="rId14"/>
+    <p:sldId id="268" r:id="rId15"/>
+    <p:sldId id="267" r:id="rId16"/>
+    <p:sldId id="264" r:id="rId17"/>
+    <p:sldId id="279" r:id="rId18"/>
+    <p:sldId id="280" r:id="rId19"/>
+    <p:sldId id="282" r:id="rId20"/>
+    <p:sldId id="257" r:id="rId21"/>
+    <p:sldId id="271" r:id="rId22"/>
+    <p:sldId id="273" r:id="rId23"/>
+    <p:sldId id="274" r:id="rId24"/>
+    <p:sldId id="269" r:id="rId25"/>
   </p:sldIdLst>
   <p:sldSz cx="12192000" cy="6858000"/>
   <p:notesSz cx="6858000" cy="9144000"/>
@@ -19,7 +36,7 @@
     <a:defPPr>
       <a:defRPr lang="en-US"/>
     </a:defPPr>
-    <a:lvl1pPr marL="0" algn="l" defTabSz="914400" rtl="0" eaLnBrk="1" latinLnBrk="0" hangingPunct="1">
+    <a:lvl1pPr marL="0" algn="l" defTabSz="457200" rtl="0" eaLnBrk="1" latinLnBrk="0" hangingPunct="1">
       <a:defRPr sz="1800" kern="1200">
         <a:solidFill>
           <a:schemeClr val="tx1"/>
@@ -29,7 +46,7 @@
         <a:cs typeface="+mn-cs"/>
       </a:defRPr>
     </a:lvl1pPr>
-    <a:lvl2pPr marL="457200" algn="l" defTabSz="914400" rtl="0" eaLnBrk="1" latinLnBrk="0" hangingPunct="1">
+    <a:lvl2pPr marL="457200" algn="l" defTabSz="457200" rtl="0" eaLnBrk="1" latinLnBrk="0" hangingPunct="1">
       <a:defRPr sz="1800" kern="1200">
         <a:solidFill>
           <a:schemeClr val="tx1"/>
@@ -39,7 +56,7 @@
         <a:cs typeface="+mn-cs"/>
       </a:defRPr>
     </a:lvl2pPr>
-    <a:lvl3pPr marL="914400" algn="l" defTabSz="914400" rtl="0" eaLnBrk="1" latinLnBrk="0" hangingPunct="1">
+    <a:lvl3pPr marL="914400" algn="l" defTabSz="457200" rtl="0" eaLnBrk="1" latinLnBrk="0" hangingPunct="1">
       <a:defRPr sz="1800" kern="1200">
         <a:solidFill>
           <a:schemeClr val="tx1"/>
@@ -49,7 +66,7 @@
         <a:cs typeface="+mn-cs"/>
       </a:defRPr>
     </a:lvl3pPr>
-    <a:lvl4pPr marL="1371600" algn="l" defTabSz="914400" rtl="0" eaLnBrk="1" latinLnBrk="0" hangingPunct="1">
+    <a:lvl4pPr marL="1371600" algn="l" defTabSz="457200" rtl="0" eaLnBrk="1" latinLnBrk="0" hangingPunct="1">
       <a:defRPr sz="1800" kern="1200">
         <a:solidFill>
           <a:schemeClr val="tx1"/>
@@ -59,7 +76,7 @@
         <a:cs typeface="+mn-cs"/>
       </a:defRPr>
     </a:lvl4pPr>
-    <a:lvl5pPr marL="1828800" algn="l" defTabSz="914400" rtl="0" eaLnBrk="1" latinLnBrk="0" hangingPunct="1">
+    <a:lvl5pPr marL="1828800" algn="l" defTabSz="457200" rtl="0" eaLnBrk="1" latinLnBrk="0" hangingPunct="1">
       <a:defRPr sz="1800" kern="1200">
         <a:solidFill>
           <a:schemeClr val="tx1"/>
@@ -69,7 +86,7 @@
         <a:cs typeface="+mn-cs"/>
       </a:defRPr>
     </a:lvl5pPr>
-    <a:lvl6pPr marL="2286000" algn="l" defTabSz="914400" rtl="0" eaLnBrk="1" latinLnBrk="0" hangingPunct="1">
+    <a:lvl6pPr marL="2286000" algn="l" defTabSz="457200" rtl="0" eaLnBrk="1" latinLnBrk="0" hangingPunct="1">
       <a:defRPr sz="1800" kern="1200">
         <a:solidFill>
           <a:schemeClr val="tx1"/>
@@ -79,7 +96,7 @@
         <a:cs typeface="+mn-cs"/>
       </a:defRPr>
     </a:lvl6pPr>
-    <a:lvl7pPr marL="2743200" algn="l" defTabSz="914400" rtl="0" eaLnBrk="1" latinLnBrk="0" hangingPunct="1">
+    <a:lvl7pPr marL="2743200" algn="l" defTabSz="457200" rtl="0" eaLnBrk="1" latinLnBrk="0" hangingPunct="1">
       <a:defRPr sz="1800" kern="1200">
         <a:solidFill>
           <a:schemeClr val="tx1"/>
@@ -89,7 +106,7 @@
         <a:cs typeface="+mn-cs"/>
       </a:defRPr>
     </a:lvl7pPr>
-    <a:lvl8pPr marL="3200400" algn="l" defTabSz="914400" rtl="0" eaLnBrk="1" latinLnBrk="0" hangingPunct="1">
+    <a:lvl8pPr marL="3200400" algn="l" defTabSz="457200" rtl="0" eaLnBrk="1" latinLnBrk="0" hangingPunct="1">
       <a:defRPr sz="1800" kern="1200">
         <a:solidFill>
           <a:schemeClr val="tx1"/>
@@ -99,7 +116,7 @@
         <a:cs typeface="+mn-cs"/>
       </a:defRPr>
     </a:lvl8pPr>
-    <a:lvl9pPr marL="3657600" algn="l" defTabSz="914400" rtl="0" eaLnBrk="1" latinLnBrk="0" hangingPunct="1">
+    <a:lvl9pPr marL="3657600" algn="l" defTabSz="457200" rtl="0" eaLnBrk="1" latinLnBrk="0" hangingPunct="1">
       <a:defRPr sz="1800" kern="1200">
         <a:solidFill>
           <a:schemeClr val="tx1"/>
@@ -137,13 +154,7 @@
       </p:grpSpPr>
       <p:sp>
         <p:nvSpPr>
-          <p:cNvPr id="2" name="Title 1">
-            <a:extLst>
-              <a:ext uri="{FF2B5EF4-FFF2-40B4-BE49-F238E27FC236}">
-                <a16:creationId xmlns:a16="http://schemas.microsoft.com/office/drawing/2014/main" id="{53EE1426-DA95-0209-C08F-59F973DA4E7F}"/>
-              </a:ext>
-            </a:extLst>
-          </p:cNvPr>
+          <p:cNvPr id="2" name="Title 1"/>
           <p:cNvSpPr>
             <a:spLocks noGrp="1"/>
           </p:cNvSpPr>
@@ -153,15 +164,17 @@
         </p:nvSpPr>
         <p:spPr>
           <a:xfrm>
-            <a:off x="1524000" y="1122363"/>
-            <a:ext cx="9144000" cy="2387600"/>
+            <a:off x="2417779" y="802298"/>
+            <a:ext cx="8637073" cy="2541431"/>
           </a:xfrm>
         </p:spPr>
         <p:txBody>
-          <a:bodyPr anchor="b"/>
+          <a:bodyPr bIns="0" anchor="b">
+            <a:normAutofit/>
+          </a:bodyPr>
           <a:lstStyle>
-            <a:lvl1pPr algn="ctr">
-              <a:defRPr sz="6000"/>
+            <a:lvl1pPr algn="l">
+              <a:defRPr sz="6600"/>
             </a:lvl1pPr>
           </a:lstStyle>
           <a:p>
@@ -169,18 +182,13 @@
               <a:rPr lang="en-US"/>
               <a:t>Click to edit Master title style</a:t>
             </a:r>
-          </a:p>
-        </p:txBody>
-      </p:sp>
-      <p:sp>
-        <p:nvSpPr>
-          <p:cNvPr id="3" name="Subtitle 2">
-            <a:extLst>
-              <a:ext uri="{FF2B5EF4-FFF2-40B4-BE49-F238E27FC236}">
-                <a16:creationId xmlns:a16="http://schemas.microsoft.com/office/drawing/2014/main" id="{33585706-26B2-EA19-351F-56AD1E803692}"/>
-              </a:ext>
-            </a:extLst>
-          </p:cNvPr>
+            <a:endParaRPr lang="en-US" dirty="0"/>
+          </a:p>
+        </p:txBody>
+      </p:sp>
+      <p:sp>
+        <p:nvSpPr>
+          <p:cNvPr id="3" name="Subtitle 2"/>
           <p:cNvSpPr>
             <a:spLocks noGrp="1"/>
           </p:cNvSpPr>
@@ -190,20 +198,26 @@
         </p:nvSpPr>
         <p:spPr>
           <a:xfrm>
-            <a:off x="1524000" y="3602038"/>
-            <a:ext cx="9144000" cy="1655762"/>
+            <a:off x="2417780" y="3531204"/>
+            <a:ext cx="8637072" cy="977621"/>
           </a:xfrm>
         </p:spPr>
         <p:txBody>
-          <a:bodyPr/>
+          <a:bodyPr tIns="91440" bIns="91440">
+            <a:normAutofit/>
+          </a:bodyPr>
           <a:lstStyle>
-            <a:lvl1pPr marL="0" indent="0" algn="ctr">
-              <a:buNone/>
-              <a:defRPr sz="2400"/>
+            <a:lvl1pPr marL="0" indent="0" algn="l">
+              <a:buNone/>
+              <a:defRPr sz="1800" b="0" cap="all" baseline="0">
+                <a:solidFill>
+                  <a:schemeClr val="tx1"/>
+                </a:solidFill>
+              </a:defRPr>
             </a:lvl1pPr>
             <a:lvl2pPr marL="457200" indent="0" algn="ctr">
               <a:buNone/>
-              <a:defRPr sz="2000"/>
+              <a:defRPr sz="1800"/>
             </a:lvl2pPr>
             <a:lvl3pPr marL="914400" indent="0" algn="ctr">
               <a:buNone/>
@@ -239,18 +253,13 @@
               <a:rPr lang="en-US"/>
               <a:t>Click to edit Master subtitle style</a:t>
             </a:r>
-          </a:p>
-        </p:txBody>
-      </p:sp>
-      <p:sp>
-        <p:nvSpPr>
-          <p:cNvPr id="4" name="Date Placeholder 3">
-            <a:extLst>
-              <a:ext uri="{FF2B5EF4-FFF2-40B4-BE49-F238E27FC236}">
-                <a16:creationId xmlns:a16="http://schemas.microsoft.com/office/drawing/2014/main" id="{F8BE34E6-E0B6-EDB0-0481-A1AF6DF32ED2}"/>
-              </a:ext>
-            </a:extLst>
-          </p:cNvPr>
+            <a:endParaRPr lang="en-US" dirty="0"/>
+          </a:p>
+        </p:txBody>
+      </p:sp>
+      <p:sp>
+        <p:nvSpPr>
+          <p:cNvPr id="4" name="Date Placeholder 3"/>
           <p:cNvSpPr>
             <a:spLocks noGrp="1"/>
           </p:cNvSpPr>
@@ -265,7 +274,7 @@
           <a:p>
             <a:fld id="{7BF4B869-6810-48D2-99D0-3EADE8538AA2}" type="datetimeFigureOut">
               <a:rPr lang="en-US" smtClean="0"/>
-              <a:t>10/13/2025</a:t>
+              <a:t>10/20/2025</a:t>
             </a:fld>
             <a:endParaRPr lang="en-US"/>
           </a:p>
@@ -273,13 +282,7 @@
       </p:sp>
       <p:sp>
         <p:nvSpPr>
-          <p:cNvPr id="5" name="Footer Placeholder 4">
-            <a:extLst>
-              <a:ext uri="{FF2B5EF4-FFF2-40B4-BE49-F238E27FC236}">
-                <a16:creationId xmlns:a16="http://schemas.microsoft.com/office/drawing/2014/main" id="{E388B7BF-A0E2-693E-DCE6-756642F3E60D}"/>
-              </a:ext>
-            </a:extLst>
-          </p:cNvPr>
+          <p:cNvPr id="5" name="Footer Placeholder 4"/>
           <p:cNvSpPr>
             <a:spLocks noGrp="1"/>
           </p:cNvSpPr>
@@ -287,7 +290,12 @@
             <p:ph type="ftr" sz="quarter" idx="11"/>
           </p:nvPr>
         </p:nvSpPr>
-        <p:spPr/>
+        <p:spPr>
+          <a:xfrm>
+            <a:off x="2416500" y="329307"/>
+            <a:ext cx="4973915" cy="309201"/>
+          </a:xfrm>
+        </p:spPr>
         <p:txBody>
           <a:bodyPr/>
           <a:lstStyle/>
@@ -298,13 +306,7 @@
       </p:sp>
       <p:sp>
         <p:nvSpPr>
-          <p:cNvPr id="6" name="Slide Number Placeholder 5">
-            <a:extLst>
-              <a:ext uri="{FF2B5EF4-FFF2-40B4-BE49-F238E27FC236}">
-                <a16:creationId xmlns:a16="http://schemas.microsoft.com/office/drawing/2014/main" id="{F88AF7B7-BACD-770E-EEDB-BB041CF2EA59}"/>
-              </a:ext>
-            </a:extLst>
-          </p:cNvPr>
+          <p:cNvPr id="6" name="Slide Number Placeholder 5"/>
           <p:cNvSpPr>
             <a:spLocks noGrp="1"/>
           </p:cNvSpPr>
@@ -312,7 +314,12 @@
             <p:ph type="sldNum" sz="quarter" idx="12"/>
           </p:nvPr>
         </p:nvSpPr>
-        <p:spPr/>
+        <p:spPr>
+          <a:xfrm>
+            <a:off x="1437664" y="798973"/>
+            <a:ext cx="811019" cy="503578"/>
+          </a:xfrm>
+        </p:spPr>
         <p:txBody>
           <a:bodyPr/>
           <a:lstStyle/>
@@ -325,10 +332,41 @@
           </a:p>
         </p:txBody>
       </p:sp>
+      <p:cxnSp>
+        <p:nvCxnSpPr>
+          <p:cNvPr id="15" name="Straight Connector 14"/>
+          <p:cNvCxnSpPr/>
+          <p:nvPr/>
+        </p:nvCxnSpPr>
+        <p:spPr>
+          <a:xfrm>
+            <a:off x="2417780" y="3528542"/>
+            <a:ext cx="8637072" cy="0"/>
+          </a:xfrm>
+          <a:prstGeom prst="line">
+            <a:avLst/>
+          </a:prstGeom>
+          <a:ln w="31750"/>
+        </p:spPr>
+        <p:style>
+          <a:lnRef idx="3">
+            <a:schemeClr val="accent1"/>
+          </a:lnRef>
+          <a:fillRef idx="0">
+            <a:schemeClr val="accent1"/>
+          </a:fillRef>
+          <a:effectRef idx="2">
+            <a:schemeClr val="accent1"/>
+          </a:effectRef>
+          <a:fontRef idx="minor">
+            <a:schemeClr val="tx1"/>
+          </a:fontRef>
+        </p:style>
+      </p:cxnSp>
     </p:spTree>
     <p:extLst>
       <p:ext uri="{BB962C8B-B14F-4D97-AF65-F5344CB8AC3E}">
-        <p14:creationId xmlns:p14="http://schemas.microsoft.com/office/powerpoint/2010/main" val="764961120"/>
+        <p14:creationId xmlns:p14="http://schemas.microsoft.com/office/powerpoint/2010/main" val="392225226"/>
       </p:ext>
     </p:extLst>
   </p:cSld>
@@ -357,13 +395,7 @@
       </p:grpSpPr>
       <p:sp>
         <p:nvSpPr>
-          <p:cNvPr id="2" name="Title 1">
-            <a:extLst>
-              <a:ext uri="{FF2B5EF4-FFF2-40B4-BE49-F238E27FC236}">
-                <a16:creationId xmlns:a16="http://schemas.microsoft.com/office/drawing/2014/main" id="{504E1F6E-718A-F77A-8462-61AFC70889D0}"/>
-              </a:ext>
-            </a:extLst>
-          </p:cNvPr>
+          <p:cNvPr id="2" name="Title 1"/>
           <p:cNvSpPr>
             <a:spLocks noGrp="1"/>
           </p:cNvSpPr>
@@ -380,18 +412,13 @@
               <a:rPr lang="en-US"/>
               <a:t>Click to edit Master title style</a:t>
             </a:r>
-          </a:p>
-        </p:txBody>
-      </p:sp>
-      <p:sp>
-        <p:nvSpPr>
-          <p:cNvPr id="3" name="Vertical Text Placeholder 2">
-            <a:extLst>
-              <a:ext uri="{FF2B5EF4-FFF2-40B4-BE49-F238E27FC236}">
-                <a16:creationId xmlns:a16="http://schemas.microsoft.com/office/drawing/2014/main" id="{96FF3A37-8CF9-8B07-89B6-AAC69B5212D6}"/>
-              </a:ext>
-            </a:extLst>
-          </p:cNvPr>
+            <a:endParaRPr lang="en-US" dirty="0"/>
+          </a:p>
+        </p:txBody>
+      </p:sp>
+      <p:sp>
+        <p:nvSpPr>
+          <p:cNvPr id="3" name="Vertical Text Placeholder 2"/>
           <p:cNvSpPr>
             <a:spLocks noGrp="1"/>
           </p:cNvSpPr>
@@ -437,18 +464,13 @@
               <a:rPr lang="en-US"/>
               <a:t>Fifth level</a:t>
             </a:r>
-          </a:p>
-        </p:txBody>
-      </p:sp>
-      <p:sp>
-        <p:nvSpPr>
-          <p:cNvPr id="4" name="Date Placeholder 3">
-            <a:extLst>
-              <a:ext uri="{FF2B5EF4-FFF2-40B4-BE49-F238E27FC236}">
-                <a16:creationId xmlns:a16="http://schemas.microsoft.com/office/drawing/2014/main" id="{5DC47110-FA08-B6C1-CD9D-26073A7BEF2E}"/>
-              </a:ext>
-            </a:extLst>
-          </p:cNvPr>
+            <a:endParaRPr lang="en-US" dirty="0"/>
+          </a:p>
+        </p:txBody>
+      </p:sp>
+      <p:sp>
+        <p:nvSpPr>
+          <p:cNvPr id="4" name="Date Placeholder 3"/>
           <p:cNvSpPr>
             <a:spLocks noGrp="1"/>
           </p:cNvSpPr>
@@ -463,7 +485,7 @@
           <a:p>
             <a:fld id="{7BF4B869-6810-48D2-99D0-3EADE8538AA2}" type="datetimeFigureOut">
               <a:rPr lang="en-US" smtClean="0"/>
-              <a:t>10/13/2025</a:t>
+              <a:t>10/20/2025</a:t>
             </a:fld>
             <a:endParaRPr lang="en-US"/>
           </a:p>
@@ -471,13 +493,7 @@
       </p:sp>
       <p:sp>
         <p:nvSpPr>
-          <p:cNvPr id="5" name="Footer Placeholder 4">
-            <a:extLst>
-              <a:ext uri="{FF2B5EF4-FFF2-40B4-BE49-F238E27FC236}">
-                <a16:creationId xmlns:a16="http://schemas.microsoft.com/office/drawing/2014/main" id="{B7B26166-3DB3-5EBD-35D1-F7C8814B1A5B}"/>
-              </a:ext>
-            </a:extLst>
-          </p:cNvPr>
+          <p:cNvPr id="5" name="Footer Placeholder 4"/>
           <p:cNvSpPr>
             <a:spLocks noGrp="1"/>
           </p:cNvSpPr>
@@ -496,13 +512,7 @@
       </p:sp>
       <p:sp>
         <p:nvSpPr>
-          <p:cNvPr id="6" name="Slide Number Placeholder 5">
-            <a:extLst>
-              <a:ext uri="{FF2B5EF4-FFF2-40B4-BE49-F238E27FC236}">
-                <a16:creationId xmlns:a16="http://schemas.microsoft.com/office/drawing/2014/main" id="{413C17B5-3A61-3CF8-9FA8-82BADA8807F6}"/>
-              </a:ext>
-            </a:extLst>
-          </p:cNvPr>
+          <p:cNvPr id="6" name="Slide Number Placeholder 5"/>
           <p:cNvSpPr>
             <a:spLocks noGrp="1"/>
           </p:cNvSpPr>
@@ -523,10 +533,41 @@
           </a:p>
         </p:txBody>
       </p:sp>
+      <p:cxnSp>
+        <p:nvCxnSpPr>
+          <p:cNvPr id="26" name="Straight Connector 25"/>
+          <p:cNvCxnSpPr/>
+          <p:nvPr/>
+        </p:nvCxnSpPr>
+        <p:spPr>
+          <a:xfrm>
+            <a:off x="1453896" y="1847088"/>
+            <a:ext cx="9607522" cy="0"/>
+          </a:xfrm>
+          <a:prstGeom prst="line">
+            <a:avLst/>
+          </a:prstGeom>
+          <a:ln w="31750"/>
+        </p:spPr>
+        <p:style>
+          <a:lnRef idx="3">
+            <a:schemeClr val="accent1"/>
+          </a:lnRef>
+          <a:fillRef idx="0">
+            <a:schemeClr val="accent1"/>
+          </a:fillRef>
+          <a:effectRef idx="2">
+            <a:schemeClr val="accent1"/>
+          </a:effectRef>
+          <a:fontRef idx="minor">
+            <a:schemeClr val="tx1"/>
+          </a:fontRef>
+        </p:style>
+      </p:cxnSp>
     </p:spTree>
     <p:extLst>
       <p:ext uri="{BB962C8B-B14F-4D97-AF65-F5344CB8AC3E}">
-        <p14:creationId xmlns:p14="http://schemas.microsoft.com/office/powerpoint/2010/main" val="3340709687"/>
+        <p14:creationId xmlns:p14="http://schemas.microsoft.com/office/powerpoint/2010/main" val="2777890226"/>
       </p:ext>
     </p:extLst>
   </p:cSld>
@@ -555,13 +596,7 @@
       </p:grpSpPr>
       <p:sp>
         <p:nvSpPr>
-          <p:cNvPr id="2" name="Vertical Title 1">
-            <a:extLst>
-              <a:ext uri="{FF2B5EF4-FFF2-40B4-BE49-F238E27FC236}">
-                <a16:creationId xmlns:a16="http://schemas.microsoft.com/office/drawing/2014/main" id="{A824B745-4219-0A75-D8C1-FE9CD19E3A68}"/>
-              </a:ext>
-            </a:extLst>
-          </p:cNvPr>
+          <p:cNvPr id="2" name="Vertical Title 1"/>
           <p:cNvSpPr>
             <a:spLocks noGrp="1"/>
           </p:cNvSpPr>
@@ -571,30 +606,29 @@
         </p:nvSpPr>
         <p:spPr>
           <a:xfrm>
-            <a:off x="8724900" y="365125"/>
-            <a:ext cx="2628900" cy="5811838"/>
+            <a:off x="9439111" y="798973"/>
+            <a:ext cx="1615742" cy="4659889"/>
           </a:xfrm>
         </p:spPr>
         <p:txBody>
           <a:bodyPr vert="eaVert"/>
-          <a:lstStyle/>
+          <a:lstStyle>
+            <a:lvl1pPr algn="l">
+              <a:defRPr/>
+            </a:lvl1pPr>
+          </a:lstStyle>
           <a:p>
             <a:r>
               <a:rPr lang="en-US"/>
               <a:t>Click to edit Master title style</a:t>
             </a:r>
-          </a:p>
-        </p:txBody>
-      </p:sp>
-      <p:sp>
-        <p:nvSpPr>
-          <p:cNvPr id="3" name="Vertical Text Placeholder 2">
-            <a:extLst>
-              <a:ext uri="{FF2B5EF4-FFF2-40B4-BE49-F238E27FC236}">
-                <a16:creationId xmlns:a16="http://schemas.microsoft.com/office/drawing/2014/main" id="{B21820D3-BCBE-45F4-3731-53A6860C6091}"/>
-              </a:ext>
-            </a:extLst>
-          </p:cNvPr>
+            <a:endParaRPr lang="en-US" dirty="0"/>
+          </a:p>
+        </p:txBody>
+      </p:sp>
+      <p:sp>
+        <p:nvSpPr>
+          <p:cNvPr id="3" name="Vertical Text Placeholder 2"/>
           <p:cNvSpPr>
             <a:spLocks noGrp="1"/>
           </p:cNvSpPr>
@@ -604,8 +638,8 @@
         </p:nvSpPr>
         <p:spPr>
           <a:xfrm>
-            <a:off x="838200" y="365125"/>
-            <a:ext cx="7734300" cy="5811838"/>
+            <a:off x="1444672" y="798973"/>
+            <a:ext cx="7828830" cy="4659889"/>
           </a:xfrm>
         </p:spPr>
         <p:txBody>
@@ -645,18 +679,13 @@
               <a:rPr lang="en-US"/>
               <a:t>Fifth level</a:t>
             </a:r>
-          </a:p>
-        </p:txBody>
-      </p:sp>
-      <p:sp>
-        <p:nvSpPr>
-          <p:cNvPr id="4" name="Date Placeholder 3">
-            <a:extLst>
-              <a:ext uri="{FF2B5EF4-FFF2-40B4-BE49-F238E27FC236}">
-                <a16:creationId xmlns:a16="http://schemas.microsoft.com/office/drawing/2014/main" id="{A5B20AD7-9452-A5DB-B1A7-3C241B85B943}"/>
-              </a:ext>
-            </a:extLst>
-          </p:cNvPr>
+            <a:endParaRPr lang="en-US" dirty="0"/>
+          </a:p>
+        </p:txBody>
+      </p:sp>
+      <p:sp>
+        <p:nvSpPr>
+          <p:cNvPr id="4" name="Date Placeholder 3"/>
           <p:cNvSpPr>
             <a:spLocks noGrp="1"/>
           </p:cNvSpPr>
@@ -671,7 +700,7 @@
           <a:p>
             <a:fld id="{7BF4B869-6810-48D2-99D0-3EADE8538AA2}" type="datetimeFigureOut">
               <a:rPr lang="en-US" smtClean="0"/>
-              <a:t>10/13/2025</a:t>
+              <a:t>10/20/2025</a:t>
             </a:fld>
             <a:endParaRPr lang="en-US"/>
           </a:p>
@@ -679,13 +708,7 @@
       </p:sp>
       <p:sp>
         <p:nvSpPr>
-          <p:cNvPr id="5" name="Footer Placeholder 4">
-            <a:extLst>
-              <a:ext uri="{FF2B5EF4-FFF2-40B4-BE49-F238E27FC236}">
-                <a16:creationId xmlns:a16="http://schemas.microsoft.com/office/drawing/2014/main" id="{55690EC0-ADE4-C087-0A74-17C1CCFAD9EE}"/>
-              </a:ext>
-            </a:extLst>
-          </p:cNvPr>
+          <p:cNvPr id="5" name="Footer Placeholder 4"/>
           <p:cNvSpPr>
             <a:spLocks noGrp="1"/>
           </p:cNvSpPr>
@@ -704,13 +727,7 @@
       </p:sp>
       <p:sp>
         <p:nvSpPr>
-          <p:cNvPr id="6" name="Slide Number Placeholder 5">
-            <a:extLst>
-              <a:ext uri="{FF2B5EF4-FFF2-40B4-BE49-F238E27FC236}">
-                <a16:creationId xmlns:a16="http://schemas.microsoft.com/office/drawing/2014/main" id="{BD437F68-BE8E-F6FE-0218-389B7B2797E4}"/>
-              </a:ext>
-            </a:extLst>
-          </p:cNvPr>
+          <p:cNvPr id="6" name="Slide Number Placeholder 5"/>
           <p:cNvSpPr>
             <a:spLocks noGrp="1"/>
           </p:cNvSpPr>
@@ -731,10 +748,41 @@
           </a:p>
         </p:txBody>
       </p:sp>
+      <p:cxnSp>
+        <p:nvCxnSpPr>
+          <p:cNvPr id="15" name="Straight Connector 14"/>
+          <p:cNvCxnSpPr/>
+          <p:nvPr/>
+        </p:nvCxnSpPr>
+        <p:spPr>
+          <a:xfrm>
+            <a:off x="9439111" y="798973"/>
+            <a:ext cx="0" cy="4659889"/>
+          </a:xfrm>
+          <a:prstGeom prst="line">
+            <a:avLst/>
+          </a:prstGeom>
+          <a:ln w="31750"/>
+        </p:spPr>
+        <p:style>
+          <a:lnRef idx="3">
+            <a:schemeClr val="accent1"/>
+          </a:lnRef>
+          <a:fillRef idx="0">
+            <a:schemeClr val="accent1"/>
+          </a:fillRef>
+          <a:effectRef idx="2">
+            <a:schemeClr val="accent1"/>
+          </a:effectRef>
+          <a:fontRef idx="minor">
+            <a:schemeClr val="tx1"/>
+          </a:fontRef>
+        </p:style>
+      </p:cxnSp>
     </p:spTree>
     <p:extLst>
       <p:ext uri="{BB962C8B-B14F-4D97-AF65-F5344CB8AC3E}">
-        <p14:creationId xmlns:p14="http://schemas.microsoft.com/office/powerpoint/2010/main" val="3182241892"/>
+        <p14:creationId xmlns:p14="http://schemas.microsoft.com/office/powerpoint/2010/main" val="4289693400"/>
       </p:ext>
     </p:extLst>
   </p:cSld>
@@ -763,13 +811,7 @@
       </p:grpSpPr>
       <p:sp>
         <p:nvSpPr>
-          <p:cNvPr id="2" name="Title 1">
-            <a:extLst>
-              <a:ext uri="{FF2B5EF4-FFF2-40B4-BE49-F238E27FC236}">
-                <a16:creationId xmlns:a16="http://schemas.microsoft.com/office/drawing/2014/main" id="{377FCBB1-0165-98ED-02AF-FD142A380DD5}"/>
-              </a:ext>
-            </a:extLst>
-          </p:cNvPr>
+          <p:cNvPr id="2" name="Title 1"/>
           <p:cNvSpPr>
             <a:spLocks noGrp="1"/>
           </p:cNvSpPr>
@@ -786,18 +828,13 @@
               <a:rPr lang="en-US"/>
               <a:t>Click to edit Master title style</a:t>
             </a:r>
-          </a:p>
-        </p:txBody>
-      </p:sp>
-      <p:sp>
-        <p:nvSpPr>
-          <p:cNvPr id="3" name="Content Placeholder 2">
-            <a:extLst>
-              <a:ext uri="{FF2B5EF4-FFF2-40B4-BE49-F238E27FC236}">
-                <a16:creationId xmlns:a16="http://schemas.microsoft.com/office/drawing/2014/main" id="{B8DE25D3-CF56-A230-AA57-E4F762EC762F}"/>
-              </a:ext>
-            </a:extLst>
-          </p:cNvPr>
+            <a:endParaRPr lang="en-US" dirty="0"/>
+          </a:p>
+        </p:txBody>
+      </p:sp>
+      <p:sp>
+        <p:nvSpPr>
+          <p:cNvPr id="3" name="Content Placeholder 2"/>
           <p:cNvSpPr>
             <a:spLocks noGrp="1"/>
           </p:cNvSpPr>
@@ -807,7 +844,7 @@
         </p:nvSpPr>
         <p:spPr/>
         <p:txBody>
-          <a:bodyPr/>
+          <a:bodyPr anchor="t"/>
           <a:lstStyle/>
           <a:p>
             <a:pPr lvl="0"/>
@@ -843,18 +880,13 @@
               <a:rPr lang="en-US"/>
               <a:t>Fifth level</a:t>
             </a:r>
-          </a:p>
-        </p:txBody>
-      </p:sp>
-      <p:sp>
-        <p:nvSpPr>
-          <p:cNvPr id="4" name="Date Placeholder 3">
-            <a:extLst>
-              <a:ext uri="{FF2B5EF4-FFF2-40B4-BE49-F238E27FC236}">
-                <a16:creationId xmlns:a16="http://schemas.microsoft.com/office/drawing/2014/main" id="{1B4AA332-475B-A087-184B-95C18CF2C17D}"/>
-              </a:ext>
-            </a:extLst>
-          </p:cNvPr>
+            <a:endParaRPr lang="en-US" dirty="0"/>
+          </a:p>
+        </p:txBody>
+      </p:sp>
+      <p:sp>
+        <p:nvSpPr>
+          <p:cNvPr id="4" name="Date Placeholder 3"/>
           <p:cNvSpPr>
             <a:spLocks noGrp="1"/>
           </p:cNvSpPr>
@@ -869,7 +901,7 @@
           <a:p>
             <a:fld id="{7BF4B869-6810-48D2-99D0-3EADE8538AA2}" type="datetimeFigureOut">
               <a:rPr lang="en-US" smtClean="0"/>
-              <a:t>10/13/2025</a:t>
+              <a:t>10/20/2025</a:t>
             </a:fld>
             <a:endParaRPr lang="en-US"/>
           </a:p>
@@ -877,13 +909,7 @@
       </p:sp>
       <p:sp>
         <p:nvSpPr>
-          <p:cNvPr id="5" name="Footer Placeholder 4">
-            <a:extLst>
-              <a:ext uri="{FF2B5EF4-FFF2-40B4-BE49-F238E27FC236}">
-                <a16:creationId xmlns:a16="http://schemas.microsoft.com/office/drawing/2014/main" id="{942A59F0-A630-7553-8639-84ADEFC80568}"/>
-              </a:ext>
-            </a:extLst>
-          </p:cNvPr>
+          <p:cNvPr id="5" name="Footer Placeholder 4"/>
           <p:cNvSpPr>
             <a:spLocks noGrp="1"/>
           </p:cNvSpPr>
@@ -902,13 +928,7 @@
       </p:sp>
       <p:sp>
         <p:nvSpPr>
-          <p:cNvPr id="6" name="Slide Number Placeholder 5">
-            <a:extLst>
-              <a:ext uri="{FF2B5EF4-FFF2-40B4-BE49-F238E27FC236}">
-                <a16:creationId xmlns:a16="http://schemas.microsoft.com/office/drawing/2014/main" id="{BB948D62-7482-5FED-7228-2AB0BFEA206D}"/>
-              </a:ext>
-            </a:extLst>
-          </p:cNvPr>
+          <p:cNvPr id="6" name="Slide Number Placeholder 5"/>
           <p:cNvSpPr>
             <a:spLocks noGrp="1"/>
           </p:cNvSpPr>
@@ -929,10 +949,41 @@
           </a:p>
         </p:txBody>
       </p:sp>
+      <p:cxnSp>
+        <p:nvCxnSpPr>
+          <p:cNvPr id="33" name="Straight Connector 32"/>
+          <p:cNvCxnSpPr/>
+          <p:nvPr/>
+        </p:nvCxnSpPr>
+        <p:spPr>
+          <a:xfrm>
+            <a:off x="1453896" y="1847088"/>
+            <a:ext cx="9607522" cy="0"/>
+          </a:xfrm>
+          <a:prstGeom prst="line">
+            <a:avLst/>
+          </a:prstGeom>
+          <a:ln w="31750"/>
+        </p:spPr>
+        <p:style>
+          <a:lnRef idx="3">
+            <a:schemeClr val="accent1"/>
+          </a:lnRef>
+          <a:fillRef idx="0">
+            <a:schemeClr val="accent1"/>
+          </a:fillRef>
+          <a:effectRef idx="2">
+            <a:schemeClr val="accent1"/>
+          </a:effectRef>
+          <a:fontRef idx="minor">
+            <a:schemeClr val="tx1"/>
+          </a:fontRef>
+        </p:style>
+      </p:cxnSp>
     </p:spTree>
     <p:extLst>
       <p:ext uri="{BB962C8B-B14F-4D97-AF65-F5344CB8AC3E}">
-        <p14:creationId xmlns:p14="http://schemas.microsoft.com/office/powerpoint/2010/main" val="2743621672"/>
+        <p14:creationId xmlns:p14="http://schemas.microsoft.com/office/powerpoint/2010/main" val="376601119"/>
       </p:ext>
     </p:extLst>
   </p:cSld>
@@ -961,13 +1012,7 @@
       </p:grpSpPr>
       <p:sp>
         <p:nvSpPr>
-          <p:cNvPr id="2" name="Title 1">
-            <a:extLst>
-              <a:ext uri="{FF2B5EF4-FFF2-40B4-BE49-F238E27FC236}">
-                <a16:creationId xmlns:a16="http://schemas.microsoft.com/office/drawing/2014/main" id="{7928EA50-2BDA-A01A-85A9-2041B0632F4F}"/>
-              </a:ext>
-            </a:extLst>
-          </p:cNvPr>
+          <p:cNvPr id="2" name="Title 1"/>
           <p:cNvSpPr>
             <a:spLocks noGrp="1"/>
           </p:cNvSpPr>
@@ -977,15 +1022,17 @@
         </p:nvSpPr>
         <p:spPr>
           <a:xfrm>
-            <a:off x="831850" y="1709738"/>
-            <a:ext cx="10515600" cy="2852737"/>
+            <a:off x="1454239" y="1756130"/>
+            <a:ext cx="8643154" cy="1887950"/>
           </a:xfrm>
         </p:spPr>
         <p:txBody>
-          <a:bodyPr anchor="b"/>
+          <a:bodyPr anchor="b">
+            <a:normAutofit/>
+          </a:bodyPr>
           <a:lstStyle>
-            <a:lvl1pPr>
-              <a:defRPr sz="6000"/>
+            <a:lvl1pPr algn="l">
+              <a:defRPr sz="3600"/>
             </a:lvl1pPr>
           </a:lstStyle>
           <a:p>
@@ -993,18 +1040,13 @@
               <a:rPr lang="en-US"/>
               <a:t>Click to edit Master title style</a:t>
             </a:r>
-          </a:p>
-        </p:txBody>
-      </p:sp>
-      <p:sp>
-        <p:nvSpPr>
-          <p:cNvPr id="3" name="Text Placeholder 2">
-            <a:extLst>
-              <a:ext uri="{FF2B5EF4-FFF2-40B4-BE49-F238E27FC236}">
-                <a16:creationId xmlns:a16="http://schemas.microsoft.com/office/drawing/2014/main" id="{0ECAC5CA-9F6F-D1D8-4E13-1DB431AE4BD7}"/>
-              </a:ext>
-            </a:extLst>
-          </p:cNvPr>
+            <a:endParaRPr lang="en-US" dirty="0"/>
+          </a:p>
+        </p:txBody>
+      </p:sp>
+      <p:sp>
+        <p:nvSpPr>
+          <p:cNvPr id="3" name="Text Placeholder 2"/>
           <p:cNvSpPr>
             <a:spLocks noGrp="1"/>
           </p:cNvSpPr>
@@ -1014,26 +1056,26 @@
         </p:nvSpPr>
         <p:spPr>
           <a:xfrm>
-            <a:off x="831850" y="4589463"/>
-            <a:ext cx="10515600" cy="1500187"/>
+            <a:off x="1454239" y="3806195"/>
+            <a:ext cx="8630446" cy="1012929"/>
           </a:xfrm>
         </p:spPr>
         <p:txBody>
-          <a:bodyPr/>
+          <a:bodyPr tIns="91440">
+            <a:normAutofit/>
+          </a:bodyPr>
           <a:lstStyle>
-            <a:lvl1pPr marL="0" indent="0">
-              <a:buNone/>
-              <a:defRPr sz="2400">
+            <a:lvl1pPr marL="0" indent="0" algn="l">
+              <a:buNone/>
+              <a:defRPr sz="1800">
                 <a:solidFill>
-                  <a:schemeClr val="tx1">
-                    <a:tint val="75000"/>
-                  </a:schemeClr>
+                  <a:schemeClr val="tx1"/>
                 </a:solidFill>
               </a:defRPr>
             </a:lvl1pPr>
             <a:lvl2pPr marL="457200" indent="0">
               <a:buNone/>
-              <a:defRPr sz="2000">
+              <a:defRPr sz="1800">
                 <a:solidFill>
                   <a:schemeClr val="tx1">
                     <a:tint val="75000"/>
@@ -1123,13 +1165,7 @@
       </p:sp>
       <p:sp>
         <p:nvSpPr>
-          <p:cNvPr id="4" name="Date Placeholder 3">
-            <a:extLst>
-              <a:ext uri="{FF2B5EF4-FFF2-40B4-BE49-F238E27FC236}">
-                <a16:creationId xmlns:a16="http://schemas.microsoft.com/office/drawing/2014/main" id="{CE21CF3E-9DA4-0069-C4D9-50EB49255FCA}"/>
-              </a:ext>
-            </a:extLst>
-          </p:cNvPr>
+          <p:cNvPr id="4" name="Date Placeholder 3"/>
           <p:cNvSpPr>
             <a:spLocks noGrp="1"/>
           </p:cNvSpPr>
@@ -1144,7 +1180,7 @@
           <a:p>
             <a:fld id="{7BF4B869-6810-48D2-99D0-3EADE8538AA2}" type="datetimeFigureOut">
               <a:rPr lang="en-US" smtClean="0"/>
-              <a:t>10/13/2025</a:t>
+              <a:t>10/20/2025</a:t>
             </a:fld>
             <a:endParaRPr lang="en-US"/>
           </a:p>
@@ -1152,13 +1188,7 @@
       </p:sp>
       <p:sp>
         <p:nvSpPr>
-          <p:cNvPr id="5" name="Footer Placeholder 4">
-            <a:extLst>
-              <a:ext uri="{FF2B5EF4-FFF2-40B4-BE49-F238E27FC236}">
-                <a16:creationId xmlns:a16="http://schemas.microsoft.com/office/drawing/2014/main" id="{0362E1E5-B7A4-2367-0458-233AEDCD33A7}"/>
-              </a:ext>
-            </a:extLst>
-          </p:cNvPr>
+          <p:cNvPr id="5" name="Footer Placeholder 4"/>
           <p:cNvSpPr>
             <a:spLocks noGrp="1"/>
           </p:cNvSpPr>
@@ -1177,13 +1207,7 @@
       </p:sp>
       <p:sp>
         <p:nvSpPr>
-          <p:cNvPr id="6" name="Slide Number Placeholder 5">
-            <a:extLst>
-              <a:ext uri="{FF2B5EF4-FFF2-40B4-BE49-F238E27FC236}">
-                <a16:creationId xmlns:a16="http://schemas.microsoft.com/office/drawing/2014/main" id="{7E7C855B-CAC8-F74B-33D7-E5349572EA1E}"/>
-              </a:ext>
-            </a:extLst>
-          </p:cNvPr>
+          <p:cNvPr id="6" name="Slide Number Placeholder 5"/>
           <p:cNvSpPr>
             <a:spLocks noGrp="1"/>
           </p:cNvSpPr>
@@ -1204,10 +1228,41 @@
           </a:p>
         </p:txBody>
       </p:sp>
+      <p:cxnSp>
+        <p:nvCxnSpPr>
+          <p:cNvPr id="15" name="Straight Connector 14"/>
+          <p:cNvCxnSpPr/>
+          <p:nvPr/>
+        </p:nvCxnSpPr>
+        <p:spPr>
+          <a:xfrm>
+            <a:off x="1454239" y="3804985"/>
+            <a:ext cx="8630446" cy="0"/>
+          </a:xfrm>
+          <a:prstGeom prst="line">
+            <a:avLst/>
+          </a:prstGeom>
+          <a:ln w="31750"/>
+        </p:spPr>
+        <p:style>
+          <a:lnRef idx="3">
+            <a:schemeClr val="accent1"/>
+          </a:lnRef>
+          <a:fillRef idx="0">
+            <a:schemeClr val="accent1"/>
+          </a:fillRef>
+          <a:effectRef idx="2">
+            <a:schemeClr val="accent1"/>
+          </a:effectRef>
+          <a:fontRef idx="minor">
+            <a:schemeClr val="tx1"/>
+          </a:fontRef>
+        </p:style>
+      </p:cxnSp>
     </p:spTree>
     <p:extLst>
       <p:ext uri="{BB962C8B-B14F-4D97-AF65-F5344CB8AC3E}">
-        <p14:creationId xmlns:p14="http://schemas.microsoft.com/office/powerpoint/2010/main" val="809729828"/>
+        <p14:creationId xmlns:p14="http://schemas.microsoft.com/office/powerpoint/2010/main" val="1432983672"/>
       </p:ext>
     </p:extLst>
   </p:cSld>
@@ -1236,13 +1291,7 @@
       </p:grpSpPr>
       <p:sp>
         <p:nvSpPr>
-          <p:cNvPr id="2" name="Title 1">
-            <a:extLst>
-              <a:ext uri="{FF2B5EF4-FFF2-40B4-BE49-F238E27FC236}">
-                <a16:creationId xmlns:a16="http://schemas.microsoft.com/office/drawing/2014/main" id="{18A8BF63-6191-DBE8-2AAE-046F26F18CCA}"/>
-              </a:ext>
-            </a:extLst>
-          </p:cNvPr>
+          <p:cNvPr id="2" name="Title 1"/>
           <p:cNvSpPr>
             <a:spLocks noGrp="1"/>
           </p:cNvSpPr>
@@ -1250,7 +1299,12 @@
             <p:ph type="title"/>
           </p:nvPr>
         </p:nvSpPr>
-        <p:spPr/>
+        <p:spPr>
+          <a:xfrm>
+            <a:off x="1449217" y="804889"/>
+            <a:ext cx="9605635" cy="1059305"/>
+          </a:xfrm>
+        </p:spPr>
         <p:txBody>
           <a:bodyPr/>
           <a:lstStyle/>
@@ -1259,18 +1313,13 @@
               <a:rPr lang="en-US"/>
               <a:t>Click to edit Master title style</a:t>
             </a:r>
-          </a:p>
-        </p:txBody>
-      </p:sp>
-      <p:sp>
-        <p:nvSpPr>
-          <p:cNvPr id="3" name="Content Placeholder 2">
-            <a:extLst>
-              <a:ext uri="{FF2B5EF4-FFF2-40B4-BE49-F238E27FC236}">
-                <a16:creationId xmlns:a16="http://schemas.microsoft.com/office/drawing/2014/main" id="{F974DB35-F663-CFCA-EDBF-B0EF07B81C08}"/>
-              </a:ext>
-            </a:extLst>
-          </p:cNvPr>
+            <a:endParaRPr lang="en-US" dirty="0"/>
+          </a:p>
+        </p:txBody>
+      </p:sp>
+      <p:sp>
+        <p:nvSpPr>
+          <p:cNvPr id="3" name="Content Placeholder 2"/>
           <p:cNvSpPr>
             <a:spLocks noGrp="1"/>
           </p:cNvSpPr>
@@ -1280,8 +1329,8 @@
         </p:nvSpPr>
         <p:spPr>
           <a:xfrm>
-            <a:off x="838200" y="1825625"/>
-            <a:ext cx="5181600" cy="4351338"/>
+            <a:off x="1447331" y="2010878"/>
+            <a:ext cx="4645152" cy="3448595"/>
           </a:xfrm>
         </p:spPr>
         <p:txBody>
@@ -1321,18 +1370,13 @@
               <a:rPr lang="en-US"/>
               <a:t>Fifth level</a:t>
             </a:r>
-          </a:p>
-        </p:txBody>
-      </p:sp>
-      <p:sp>
-        <p:nvSpPr>
-          <p:cNvPr id="4" name="Content Placeholder 3">
-            <a:extLst>
-              <a:ext uri="{FF2B5EF4-FFF2-40B4-BE49-F238E27FC236}">
-                <a16:creationId xmlns:a16="http://schemas.microsoft.com/office/drawing/2014/main" id="{BDE0BDBB-AB4B-EBCD-C5C6-9EA9B3EB01F6}"/>
-              </a:ext>
-            </a:extLst>
-          </p:cNvPr>
+            <a:endParaRPr lang="en-US" dirty="0"/>
+          </a:p>
+        </p:txBody>
+      </p:sp>
+      <p:sp>
+        <p:nvSpPr>
+          <p:cNvPr id="4" name="Content Placeholder 3"/>
           <p:cNvSpPr>
             <a:spLocks noGrp="1"/>
           </p:cNvSpPr>
@@ -1342,8 +1386,8 @@
         </p:nvSpPr>
         <p:spPr>
           <a:xfrm>
-            <a:off x="6172200" y="1825625"/>
-            <a:ext cx="5181600" cy="4351338"/>
+            <a:off x="6413771" y="2017343"/>
+            <a:ext cx="4645152" cy="3441520"/>
           </a:xfrm>
         </p:spPr>
         <p:txBody>
@@ -1383,18 +1427,13 @@
               <a:rPr lang="en-US"/>
               <a:t>Fifth level</a:t>
             </a:r>
-          </a:p>
-        </p:txBody>
-      </p:sp>
-      <p:sp>
-        <p:nvSpPr>
-          <p:cNvPr id="5" name="Date Placeholder 4">
-            <a:extLst>
-              <a:ext uri="{FF2B5EF4-FFF2-40B4-BE49-F238E27FC236}">
-                <a16:creationId xmlns:a16="http://schemas.microsoft.com/office/drawing/2014/main" id="{13B7F66D-A872-DE2D-1879-34005465921A}"/>
-              </a:ext>
-            </a:extLst>
-          </p:cNvPr>
+            <a:endParaRPr lang="en-US" dirty="0"/>
+          </a:p>
+        </p:txBody>
+      </p:sp>
+      <p:sp>
+        <p:nvSpPr>
+          <p:cNvPr id="5" name="Date Placeholder 4"/>
           <p:cNvSpPr>
             <a:spLocks noGrp="1"/>
           </p:cNvSpPr>
@@ -1409,7 +1448,7 @@
           <a:p>
             <a:fld id="{7BF4B869-6810-48D2-99D0-3EADE8538AA2}" type="datetimeFigureOut">
               <a:rPr lang="en-US" smtClean="0"/>
-              <a:t>10/13/2025</a:t>
+              <a:t>10/20/2025</a:t>
             </a:fld>
             <a:endParaRPr lang="en-US"/>
           </a:p>
@@ -1417,13 +1456,7 @@
       </p:sp>
       <p:sp>
         <p:nvSpPr>
-          <p:cNvPr id="6" name="Footer Placeholder 5">
-            <a:extLst>
-              <a:ext uri="{FF2B5EF4-FFF2-40B4-BE49-F238E27FC236}">
-                <a16:creationId xmlns:a16="http://schemas.microsoft.com/office/drawing/2014/main" id="{AA0E8B27-46E4-4AFC-04EC-E4C371F27A27}"/>
-              </a:ext>
-            </a:extLst>
-          </p:cNvPr>
+          <p:cNvPr id="6" name="Footer Placeholder 5"/>
           <p:cNvSpPr>
             <a:spLocks noGrp="1"/>
           </p:cNvSpPr>
@@ -1442,13 +1475,7 @@
       </p:sp>
       <p:sp>
         <p:nvSpPr>
-          <p:cNvPr id="7" name="Slide Number Placeholder 6">
-            <a:extLst>
-              <a:ext uri="{FF2B5EF4-FFF2-40B4-BE49-F238E27FC236}">
-                <a16:creationId xmlns:a16="http://schemas.microsoft.com/office/drawing/2014/main" id="{1BF3E660-3AB1-75E0-C5B2-147440DE32CE}"/>
-              </a:ext>
-            </a:extLst>
-          </p:cNvPr>
+          <p:cNvPr id="7" name="Slide Number Placeholder 6"/>
           <p:cNvSpPr>
             <a:spLocks noGrp="1"/>
           </p:cNvSpPr>
@@ -1469,10 +1496,41 @@
           </a:p>
         </p:txBody>
       </p:sp>
+      <p:cxnSp>
+        <p:nvCxnSpPr>
+          <p:cNvPr id="35" name="Straight Connector 34"/>
+          <p:cNvCxnSpPr/>
+          <p:nvPr/>
+        </p:nvCxnSpPr>
+        <p:spPr>
+          <a:xfrm>
+            <a:off x="1453896" y="1847088"/>
+            <a:ext cx="9607522" cy="0"/>
+          </a:xfrm>
+          <a:prstGeom prst="line">
+            <a:avLst/>
+          </a:prstGeom>
+          <a:ln w="31750"/>
+        </p:spPr>
+        <p:style>
+          <a:lnRef idx="3">
+            <a:schemeClr val="accent1"/>
+          </a:lnRef>
+          <a:fillRef idx="0">
+            <a:schemeClr val="accent1"/>
+          </a:fillRef>
+          <a:effectRef idx="2">
+            <a:schemeClr val="accent1"/>
+          </a:effectRef>
+          <a:fontRef idx="minor">
+            <a:schemeClr val="tx1"/>
+          </a:fontRef>
+        </p:style>
+      </p:cxnSp>
     </p:spTree>
     <p:extLst>
       <p:ext uri="{BB962C8B-B14F-4D97-AF65-F5344CB8AC3E}">
-        <p14:creationId xmlns:p14="http://schemas.microsoft.com/office/powerpoint/2010/main" val="4043301348"/>
+        <p14:creationId xmlns:p14="http://schemas.microsoft.com/office/powerpoint/2010/main" val="3975886160"/>
       </p:ext>
     </p:extLst>
   </p:cSld>
@@ -1501,13 +1559,7 @@
       </p:grpSpPr>
       <p:sp>
         <p:nvSpPr>
-          <p:cNvPr id="2" name="Title 1">
-            <a:extLst>
-              <a:ext uri="{FF2B5EF4-FFF2-40B4-BE49-F238E27FC236}">
-                <a16:creationId xmlns:a16="http://schemas.microsoft.com/office/drawing/2014/main" id="{D1D473D5-4439-83D5-B503-00C90ED4B404}"/>
-              </a:ext>
-            </a:extLst>
-          </p:cNvPr>
+          <p:cNvPr id="2" name="Title 1"/>
           <p:cNvSpPr>
             <a:spLocks noGrp="1"/>
           </p:cNvSpPr>
@@ -1517,8 +1569,8 @@
         </p:nvSpPr>
         <p:spPr>
           <a:xfrm>
-            <a:off x="839788" y="365125"/>
-            <a:ext cx="10515600" cy="1325563"/>
+            <a:off x="1447191" y="804163"/>
+            <a:ext cx="9607661" cy="1056319"/>
           </a:xfrm>
         </p:spPr>
         <p:txBody>
@@ -1529,18 +1581,13 @@
               <a:rPr lang="en-US"/>
               <a:t>Click to edit Master title style</a:t>
             </a:r>
-          </a:p>
-        </p:txBody>
-      </p:sp>
-      <p:sp>
-        <p:nvSpPr>
-          <p:cNvPr id="3" name="Text Placeholder 2">
-            <a:extLst>
-              <a:ext uri="{FF2B5EF4-FFF2-40B4-BE49-F238E27FC236}">
-                <a16:creationId xmlns:a16="http://schemas.microsoft.com/office/drawing/2014/main" id="{C6B52206-973C-E765-5EBB-CE2ACCE0EE63}"/>
-              </a:ext>
-            </a:extLst>
-          </p:cNvPr>
+            <a:endParaRPr lang="en-US" dirty="0"/>
+          </a:p>
+        </p:txBody>
+      </p:sp>
+      <p:sp>
+        <p:nvSpPr>
+          <p:cNvPr id="3" name="Text Placeholder 2"/>
           <p:cNvSpPr>
             <a:spLocks noGrp="1"/>
           </p:cNvSpPr>
@@ -1550,16 +1597,25 @@
         </p:nvSpPr>
         <p:spPr>
           <a:xfrm>
-            <a:off x="839788" y="1681163"/>
-            <a:ext cx="5157787" cy="823912"/>
+            <a:off x="1447191" y="2019549"/>
+            <a:ext cx="4645152" cy="801943"/>
           </a:xfrm>
         </p:spPr>
         <p:txBody>
-          <a:bodyPr anchor="b"/>
+          <a:bodyPr anchor="b">
+            <a:normAutofit/>
+          </a:bodyPr>
           <a:lstStyle>
             <a:lvl1pPr marL="0" indent="0">
-              <a:buNone/>
-              <a:defRPr sz="2400" b="1"/>
+              <a:lnSpc>
+                <a:spcPct val="100000"/>
+              </a:lnSpc>
+              <a:buNone/>
+              <a:defRPr sz="2200" b="0" cap="all" baseline="0">
+                <a:solidFill>
+                  <a:schemeClr val="accent1"/>
+                </a:solidFill>
+              </a:defRPr>
             </a:lvl1pPr>
             <a:lvl2pPr marL="457200" indent="0">
               <a:buNone/>
@@ -1605,13 +1661,7 @@
       </p:sp>
       <p:sp>
         <p:nvSpPr>
-          <p:cNvPr id="4" name="Content Placeholder 3">
-            <a:extLst>
-              <a:ext uri="{FF2B5EF4-FFF2-40B4-BE49-F238E27FC236}">
-                <a16:creationId xmlns:a16="http://schemas.microsoft.com/office/drawing/2014/main" id="{6D998CFD-294A-5E8E-1DFB-C597A5FDB5BE}"/>
-              </a:ext>
-            </a:extLst>
-          </p:cNvPr>
+          <p:cNvPr id="4" name="Content Placeholder 3"/>
           <p:cNvSpPr>
             <a:spLocks noGrp="1"/>
           </p:cNvSpPr>
@@ -1621,8 +1671,8 @@
         </p:nvSpPr>
         <p:spPr>
           <a:xfrm>
-            <a:off x="839788" y="2505075"/>
-            <a:ext cx="5157787" cy="3684588"/>
+            <a:off x="1447191" y="2824269"/>
+            <a:ext cx="4645152" cy="2644457"/>
           </a:xfrm>
         </p:spPr>
         <p:txBody>
@@ -1662,18 +1712,13 @@
               <a:rPr lang="en-US"/>
               <a:t>Fifth level</a:t>
             </a:r>
-          </a:p>
-        </p:txBody>
-      </p:sp>
-      <p:sp>
-        <p:nvSpPr>
-          <p:cNvPr id="5" name="Text Placeholder 4">
-            <a:extLst>
-              <a:ext uri="{FF2B5EF4-FFF2-40B4-BE49-F238E27FC236}">
-                <a16:creationId xmlns:a16="http://schemas.microsoft.com/office/drawing/2014/main" id="{B9E90134-B462-0C70-8836-BC6D4C442797}"/>
-              </a:ext>
-            </a:extLst>
-          </p:cNvPr>
+            <a:endParaRPr lang="en-US" dirty="0"/>
+          </a:p>
+        </p:txBody>
+      </p:sp>
+      <p:sp>
+        <p:nvSpPr>
+          <p:cNvPr id="5" name="Text Placeholder 4"/>
           <p:cNvSpPr>
             <a:spLocks noGrp="1"/>
           </p:cNvSpPr>
@@ -1683,16 +1728,25 @@
         </p:nvSpPr>
         <p:spPr>
           <a:xfrm>
-            <a:off x="6172200" y="1681163"/>
-            <a:ext cx="5183188" cy="823912"/>
+            <a:off x="6412362" y="2023003"/>
+            <a:ext cx="4645152" cy="802237"/>
           </a:xfrm>
         </p:spPr>
         <p:txBody>
-          <a:bodyPr anchor="b"/>
+          <a:bodyPr anchor="b">
+            <a:normAutofit/>
+          </a:bodyPr>
           <a:lstStyle>
             <a:lvl1pPr marL="0" indent="0">
-              <a:buNone/>
-              <a:defRPr sz="2400" b="1"/>
+              <a:lnSpc>
+                <a:spcPct val="100000"/>
+              </a:lnSpc>
+              <a:buNone/>
+              <a:defRPr sz="2200" b="0" cap="all" baseline="0">
+                <a:solidFill>
+                  <a:schemeClr val="accent1"/>
+                </a:solidFill>
+              </a:defRPr>
             </a:lvl1pPr>
             <a:lvl2pPr marL="457200" indent="0">
               <a:buNone/>
@@ -1738,13 +1792,7 @@
       </p:sp>
       <p:sp>
         <p:nvSpPr>
-          <p:cNvPr id="6" name="Content Placeholder 5">
-            <a:extLst>
-              <a:ext uri="{FF2B5EF4-FFF2-40B4-BE49-F238E27FC236}">
-                <a16:creationId xmlns:a16="http://schemas.microsoft.com/office/drawing/2014/main" id="{4E557EFA-4436-A83F-1D7A-8A7C16A00C72}"/>
-              </a:ext>
-            </a:extLst>
-          </p:cNvPr>
+          <p:cNvPr id="6" name="Content Placeholder 5"/>
           <p:cNvSpPr>
             <a:spLocks noGrp="1"/>
           </p:cNvSpPr>
@@ -1754,8 +1802,8 @@
         </p:nvSpPr>
         <p:spPr>
           <a:xfrm>
-            <a:off x="6172200" y="2505075"/>
-            <a:ext cx="5183188" cy="3684588"/>
+            <a:off x="6412362" y="2821491"/>
+            <a:ext cx="4645152" cy="2637371"/>
           </a:xfrm>
         </p:spPr>
         <p:txBody>
@@ -1795,18 +1843,13 @@
               <a:rPr lang="en-US"/>
               <a:t>Fifth level</a:t>
             </a:r>
-          </a:p>
-        </p:txBody>
-      </p:sp>
-      <p:sp>
-        <p:nvSpPr>
-          <p:cNvPr id="7" name="Date Placeholder 6">
-            <a:extLst>
-              <a:ext uri="{FF2B5EF4-FFF2-40B4-BE49-F238E27FC236}">
-                <a16:creationId xmlns:a16="http://schemas.microsoft.com/office/drawing/2014/main" id="{57A36DDC-8A3D-BA57-8742-A45C16F4E423}"/>
-              </a:ext>
-            </a:extLst>
-          </p:cNvPr>
+            <a:endParaRPr lang="en-US" dirty="0"/>
+          </a:p>
+        </p:txBody>
+      </p:sp>
+      <p:sp>
+        <p:nvSpPr>
+          <p:cNvPr id="7" name="Date Placeholder 6"/>
           <p:cNvSpPr>
             <a:spLocks noGrp="1"/>
           </p:cNvSpPr>
@@ -1821,7 +1864,7 @@
           <a:p>
             <a:fld id="{7BF4B869-6810-48D2-99D0-3EADE8538AA2}" type="datetimeFigureOut">
               <a:rPr lang="en-US" smtClean="0"/>
-              <a:t>10/13/2025</a:t>
+              <a:t>10/20/2025</a:t>
             </a:fld>
             <a:endParaRPr lang="en-US"/>
           </a:p>
@@ -1829,13 +1872,7 @@
       </p:sp>
       <p:sp>
         <p:nvSpPr>
-          <p:cNvPr id="8" name="Footer Placeholder 7">
-            <a:extLst>
-              <a:ext uri="{FF2B5EF4-FFF2-40B4-BE49-F238E27FC236}">
-                <a16:creationId xmlns:a16="http://schemas.microsoft.com/office/drawing/2014/main" id="{2E5802B2-AD45-1E80-C54F-0A8A8D75EF92}"/>
-              </a:ext>
-            </a:extLst>
-          </p:cNvPr>
+          <p:cNvPr id="8" name="Footer Placeholder 7"/>
           <p:cNvSpPr>
             <a:spLocks noGrp="1"/>
           </p:cNvSpPr>
@@ -1854,13 +1891,7 @@
       </p:sp>
       <p:sp>
         <p:nvSpPr>
-          <p:cNvPr id="9" name="Slide Number Placeholder 8">
-            <a:extLst>
-              <a:ext uri="{FF2B5EF4-FFF2-40B4-BE49-F238E27FC236}">
-                <a16:creationId xmlns:a16="http://schemas.microsoft.com/office/drawing/2014/main" id="{695E386E-32AB-5124-465C-5C3E3659DD40}"/>
-              </a:ext>
-            </a:extLst>
-          </p:cNvPr>
+          <p:cNvPr id="9" name="Slide Number Placeholder 8"/>
           <p:cNvSpPr>
             <a:spLocks noGrp="1"/>
           </p:cNvSpPr>
@@ -1881,10 +1912,41 @@
           </a:p>
         </p:txBody>
       </p:sp>
+      <p:cxnSp>
+        <p:nvCxnSpPr>
+          <p:cNvPr id="29" name="Straight Connector 28"/>
+          <p:cNvCxnSpPr/>
+          <p:nvPr/>
+        </p:nvCxnSpPr>
+        <p:spPr>
+          <a:xfrm>
+            <a:off x="1453896" y="1847088"/>
+            <a:ext cx="9607522" cy="0"/>
+          </a:xfrm>
+          <a:prstGeom prst="line">
+            <a:avLst/>
+          </a:prstGeom>
+          <a:ln w="31750"/>
+        </p:spPr>
+        <p:style>
+          <a:lnRef idx="3">
+            <a:schemeClr val="accent1"/>
+          </a:lnRef>
+          <a:fillRef idx="0">
+            <a:schemeClr val="accent1"/>
+          </a:fillRef>
+          <a:effectRef idx="2">
+            <a:schemeClr val="accent1"/>
+          </a:effectRef>
+          <a:fontRef idx="minor">
+            <a:schemeClr val="tx1"/>
+          </a:fontRef>
+        </p:style>
+      </p:cxnSp>
     </p:spTree>
     <p:extLst>
       <p:ext uri="{BB962C8B-B14F-4D97-AF65-F5344CB8AC3E}">
-        <p14:creationId xmlns:p14="http://schemas.microsoft.com/office/powerpoint/2010/main" val="3113000293"/>
+        <p14:creationId xmlns:p14="http://schemas.microsoft.com/office/powerpoint/2010/main" val="245218654"/>
       </p:ext>
     </p:extLst>
   </p:cSld>
@@ -1913,13 +1975,7 @@
       </p:grpSpPr>
       <p:sp>
         <p:nvSpPr>
-          <p:cNvPr id="2" name="Title 1">
-            <a:extLst>
-              <a:ext uri="{FF2B5EF4-FFF2-40B4-BE49-F238E27FC236}">
-                <a16:creationId xmlns:a16="http://schemas.microsoft.com/office/drawing/2014/main" id="{35AE8899-877B-AB55-57ED-475969E5F3DF}"/>
-              </a:ext>
-            </a:extLst>
-          </p:cNvPr>
+          <p:cNvPr id="2" name="Title 1"/>
           <p:cNvSpPr>
             <a:spLocks noGrp="1"/>
           </p:cNvSpPr>
@@ -1936,18 +1992,13 @@
               <a:rPr lang="en-US"/>
               <a:t>Click to edit Master title style</a:t>
             </a:r>
-          </a:p>
-        </p:txBody>
-      </p:sp>
-      <p:sp>
-        <p:nvSpPr>
-          <p:cNvPr id="3" name="Date Placeholder 2">
-            <a:extLst>
-              <a:ext uri="{FF2B5EF4-FFF2-40B4-BE49-F238E27FC236}">
-                <a16:creationId xmlns:a16="http://schemas.microsoft.com/office/drawing/2014/main" id="{EE5772AA-3367-A886-E068-2A3FB5E3151C}"/>
-              </a:ext>
-            </a:extLst>
-          </p:cNvPr>
+            <a:endParaRPr lang="en-US" dirty="0"/>
+          </a:p>
+        </p:txBody>
+      </p:sp>
+      <p:sp>
+        <p:nvSpPr>
+          <p:cNvPr id="3" name="Date Placeholder 2"/>
           <p:cNvSpPr>
             <a:spLocks noGrp="1"/>
           </p:cNvSpPr>
@@ -1962,7 +2013,7 @@
           <a:p>
             <a:fld id="{7BF4B869-6810-48D2-99D0-3EADE8538AA2}" type="datetimeFigureOut">
               <a:rPr lang="en-US" smtClean="0"/>
-              <a:t>10/13/2025</a:t>
+              <a:t>10/20/2025</a:t>
             </a:fld>
             <a:endParaRPr lang="en-US"/>
           </a:p>
@@ -1970,13 +2021,7 @@
       </p:sp>
       <p:sp>
         <p:nvSpPr>
-          <p:cNvPr id="4" name="Footer Placeholder 3">
-            <a:extLst>
-              <a:ext uri="{FF2B5EF4-FFF2-40B4-BE49-F238E27FC236}">
-                <a16:creationId xmlns:a16="http://schemas.microsoft.com/office/drawing/2014/main" id="{35D95977-D97C-705C-8644-917D6F4A7161}"/>
-              </a:ext>
-            </a:extLst>
-          </p:cNvPr>
+          <p:cNvPr id="4" name="Footer Placeholder 3"/>
           <p:cNvSpPr>
             <a:spLocks noGrp="1"/>
           </p:cNvSpPr>
@@ -1995,13 +2040,7 @@
       </p:sp>
       <p:sp>
         <p:nvSpPr>
-          <p:cNvPr id="5" name="Slide Number Placeholder 4">
-            <a:extLst>
-              <a:ext uri="{FF2B5EF4-FFF2-40B4-BE49-F238E27FC236}">
-                <a16:creationId xmlns:a16="http://schemas.microsoft.com/office/drawing/2014/main" id="{8C36AC79-84FF-A3A5-6291-0C2B0BE63BBE}"/>
-              </a:ext>
-            </a:extLst>
-          </p:cNvPr>
+          <p:cNvPr id="5" name="Slide Number Placeholder 4"/>
           <p:cNvSpPr>
             <a:spLocks noGrp="1"/>
           </p:cNvSpPr>
@@ -2022,10 +2061,41 @@
           </a:p>
         </p:txBody>
       </p:sp>
+      <p:cxnSp>
+        <p:nvCxnSpPr>
+          <p:cNvPr id="25" name="Straight Connector 24"/>
+          <p:cNvCxnSpPr/>
+          <p:nvPr/>
+        </p:nvCxnSpPr>
+        <p:spPr>
+          <a:xfrm>
+            <a:off x="1453896" y="1847088"/>
+            <a:ext cx="9607522" cy="0"/>
+          </a:xfrm>
+          <a:prstGeom prst="line">
+            <a:avLst/>
+          </a:prstGeom>
+          <a:ln w="31750"/>
+        </p:spPr>
+        <p:style>
+          <a:lnRef idx="3">
+            <a:schemeClr val="accent1"/>
+          </a:lnRef>
+          <a:fillRef idx="0">
+            <a:schemeClr val="accent1"/>
+          </a:fillRef>
+          <a:effectRef idx="2">
+            <a:schemeClr val="accent1"/>
+          </a:effectRef>
+          <a:fontRef idx="minor">
+            <a:schemeClr val="tx1"/>
+          </a:fontRef>
+        </p:style>
+      </p:cxnSp>
     </p:spTree>
     <p:extLst>
       <p:ext uri="{BB962C8B-B14F-4D97-AF65-F5344CB8AC3E}">
-        <p14:creationId xmlns:p14="http://schemas.microsoft.com/office/powerpoint/2010/main" val="306133568"/>
+        <p14:creationId xmlns:p14="http://schemas.microsoft.com/office/powerpoint/2010/main" val="259219507"/>
       </p:ext>
     </p:extLst>
   </p:cSld>
@@ -2054,13 +2124,7 @@
       </p:grpSpPr>
       <p:sp>
         <p:nvSpPr>
-          <p:cNvPr id="2" name="Date Placeholder 1">
-            <a:extLst>
-              <a:ext uri="{FF2B5EF4-FFF2-40B4-BE49-F238E27FC236}">
-                <a16:creationId xmlns:a16="http://schemas.microsoft.com/office/drawing/2014/main" id="{65E53B3F-1F9E-0BBB-45D2-6DBC118BDF3A}"/>
-              </a:ext>
-            </a:extLst>
-          </p:cNvPr>
+          <p:cNvPr id="2" name="Date Placeholder 1"/>
           <p:cNvSpPr>
             <a:spLocks noGrp="1"/>
           </p:cNvSpPr>
@@ -2075,7 +2139,7 @@
           <a:p>
             <a:fld id="{7BF4B869-6810-48D2-99D0-3EADE8538AA2}" type="datetimeFigureOut">
               <a:rPr lang="en-US" smtClean="0"/>
-              <a:t>10/13/2025</a:t>
+              <a:t>10/20/2025</a:t>
             </a:fld>
             <a:endParaRPr lang="en-US"/>
           </a:p>
@@ -2083,13 +2147,7 @@
       </p:sp>
       <p:sp>
         <p:nvSpPr>
-          <p:cNvPr id="3" name="Footer Placeholder 2">
-            <a:extLst>
-              <a:ext uri="{FF2B5EF4-FFF2-40B4-BE49-F238E27FC236}">
-                <a16:creationId xmlns:a16="http://schemas.microsoft.com/office/drawing/2014/main" id="{274010AE-4BBB-1960-E19B-26E822C434B0}"/>
-              </a:ext>
-            </a:extLst>
-          </p:cNvPr>
+          <p:cNvPr id="3" name="Footer Placeholder 2"/>
           <p:cNvSpPr>
             <a:spLocks noGrp="1"/>
           </p:cNvSpPr>
@@ -2108,13 +2166,7 @@
       </p:sp>
       <p:sp>
         <p:nvSpPr>
-          <p:cNvPr id="4" name="Slide Number Placeholder 3">
-            <a:extLst>
-              <a:ext uri="{FF2B5EF4-FFF2-40B4-BE49-F238E27FC236}">
-                <a16:creationId xmlns:a16="http://schemas.microsoft.com/office/drawing/2014/main" id="{25730018-7139-A37F-355C-19F23AAA9046}"/>
-              </a:ext>
-            </a:extLst>
-          </p:cNvPr>
+          <p:cNvPr id="4" name="Slide Number Placeholder 3"/>
           <p:cNvSpPr>
             <a:spLocks noGrp="1"/>
           </p:cNvSpPr>
@@ -2138,7 +2190,7 @@
     </p:spTree>
     <p:extLst>
       <p:ext uri="{BB962C8B-B14F-4D97-AF65-F5344CB8AC3E}">
-        <p14:creationId xmlns:p14="http://schemas.microsoft.com/office/powerpoint/2010/main" val="809821963"/>
+        <p14:creationId xmlns:p14="http://schemas.microsoft.com/office/powerpoint/2010/main" val="2509356387"/>
       </p:ext>
     </p:extLst>
   </p:cSld>
@@ -2167,13 +2219,7 @@
       </p:grpSpPr>
       <p:sp>
         <p:nvSpPr>
-          <p:cNvPr id="2" name="Title 1">
-            <a:extLst>
-              <a:ext uri="{FF2B5EF4-FFF2-40B4-BE49-F238E27FC236}">
-                <a16:creationId xmlns:a16="http://schemas.microsoft.com/office/drawing/2014/main" id="{44986488-FB60-B6F4-70F8-1C5138FD437E}"/>
-              </a:ext>
-            </a:extLst>
-          </p:cNvPr>
+          <p:cNvPr id="2" name="Title 1"/>
           <p:cNvSpPr>
             <a:spLocks noGrp="1"/>
           </p:cNvSpPr>
@@ -2183,15 +2229,17 @@
         </p:nvSpPr>
         <p:spPr>
           <a:xfrm>
-            <a:off x="839788" y="457200"/>
-            <a:ext cx="3932237" cy="1600200"/>
+            <a:off x="1444671" y="798973"/>
+            <a:ext cx="3273099" cy="2247117"/>
           </a:xfrm>
         </p:spPr>
         <p:txBody>
-          <a:bodyPr anchor="b"/>
+          <a:bodyPr anchor="b">
+            <a:normAutofit/>
+          </a:bodyPr>
           <a:lstStyle>
-            <a:lvl1pPr>
-              <a:defRPr sz="3200"/>
+            <a:lvl1pPr algn="l">
+              <a:defRPr sz="2400"/>
             </a:lvl1pPr>
           </a:lstStyle>
           <a:p>
@@ -2199,18 +2247,13 @@
               <a:rPr lang="en-US"/>
               <a:t>Click to edit Master title style</a:t>
             </a:r>
-          </a:p>
-        </p:txBody>
-      </p:sp>
-      <p:sp>
-        <p:nvSpPr>
-          <p:cNvPr id="3" name="Content Placeholder 2">
-            <a:extLst>
-              <a:ext uri="{FF2B5EF4-FFF2-40B4-BE49-F238E27FC236}">
-                <a16:creationId xmlns:a16="http://schemas.microsoft.com/office/drawing/2014/main" id="{358030F9-B720-32F2-DC98-420FEEC013E0}"/>
-              </a:ext>
-            </a:extLst>
-          </p:cNvPr>
+            <a:endParaRPr lang="en-US" dirty="0"/>
+          </a:p>
+        </p:txBody>
+      </p:sp>
+      <p:sp>
+        <p:nvSpPr>
+          <p:cNvPr id="3" name="Content Placeholder 2"/>
           <p:cNvSpPr>
             <a:spLocks noGrp="1"/>
           </p:cNvSpPr>
@@ -2220,104 +2263,71 @@
         </p:nvSpPr>
         <p:spPr>
           <a:xfrm>
-            <a:off x="5183188" y="987425"/>
-            <a:ext cx="6172200" cy="4873625"/>
+            <a:off x="5043714" y="798974"/>
+            <a:ext cx="6012470" cy="4658826"/>
           </a:xfrm>
         </p:spPr>
         <p:txBody>
+          <a:bodyPr anchor="ctr"/>
+          <a:lstStyle/>
+          <a:p>
+            <a:pPr lvl="0"/>
+            <a:r>
+              <a:rPr lang="en-US"/>
+              <a:t>Click to edit Master text styles</a:t>
+            </a:r>
+          </a:p>
+          <a:p>
+            <a:pPr lvl="1"/>
+            <a:r>
+              <a:rPr lang="en-US"/>
+              <a:t>Second level</a:t>
+            </a:r>
+          </a:p>
+          <a:p>
+            <a:pPr lvl="2"/>
+            <a:r>
+              <a:rPr lang="en-US"/>
+              <a:t>Third level</a:t>
+            </a:r>
+          </a:p>
+          <a:p>
+            <a:pPr lvl="3"/>
+            <a:r>
+              <a:rPr lang="en-US"/>
+              <a:t>Fourth level</a:t>
+            </a:r>
+          </a:p>
+          <a:p>
+            <a:pPr lvl="4"/>
+            <a:r>
+              <a:rPr lang="en-US"/>
+              <a:t>Fifth level</a:t>
+            </a:r>
+            <a:endParaRPr lang="en-US" dirty="0"/>
+          </a:p>
+        </p:txBody>
+      </p:sp>
+      <p:sp>
+        <p:nvSpPr>
+          <p:cNvPr id="4" name="Text Placeholder 3"/>
+          <p:cNvSpPr>
+            <a:spLocks noGrp="1"/>
+          </p:cNvSpPr>
+          <p:nvPr>
+            <p:ph type="body" sz="half" idx="2"/>
+          </p:nvPr>
+        </p:nvSpPr>
+        <p:spPr>
+          <a:xfrm>
+            <a:off x="1444671" y="3205491"/>
+            <a:ext cx="3275013" cy="2248181"/>
+          </a:xfrm>
+        </p:spPr>
+        <p:txBody>
           <a:bodyPr/>
           <a:lstStyle>
-            <a:lvl1pPr>
-              <a:defRPr sz="3200"/>
-            </a:lvl1pPr>
-            <a:lvl2pPr>
-              <a:defRPr sz="2800"/>
-            </a:lvl2pPr>
-            <a:lvl3pPr>
-              <a:defRPr sz="2400"/>
-            </a:lvl3pPr>
-            <a:lvl4pPr>
-              <a:defRPr sz="2000"/>
-            </a:lvl4pPr>
-            <a:lvl5pPr>
-              <a:defRPr sz="2000"/>
-            </a:lvl5pPr>
-            <a:lvl6pPr>
-              <a:defRPr sz="2000"/>
-            </a:lvl6pPr>
-            <a:lvl7pPr>
-              <a:defRPr sz="2000"/>
-            </a:lvl7pPr>
-            <a:lvl8pPr>
-              <a:defRPr sz="2000"/>
-            </a:lvl8pPr>
-            <a:lvl9pPr>
-              <a:defRPr sz="2000"/>
-            </a:lvl9pPr>
-          </a:lstStyle>
-          <a:p>
-            <a:pPr lvl="0"/>
-            <a:r>
-              <a:rPr lang="en-US"/>
-              <a:t>Click to edit Master text styles</a:t>
-            </a:r>
-          </a:p>
-          <a:p>
-            <a:pPr lvl="1"/>
-            <a:r>
-              <a:rPr lang="en-US"/>
-              <a:t>Second level</a:t>
-            </a:r>
-          </a:p>
-          <a:p>
-            <a:pPr lvl="2"/>
-            <a:r>
-              <a:rPr lang="en-US"/>
-              <a:t>Third level</a:t>
-            </a:r>
-          </a:p>
-          <a:p>
-            <a:pPr lvl="3"/>
-            <a:r>
-              <a:rPr lang="en-US"/>
-              <a:t>Fourth level</a:t>
-            </a:r>
-          </a:p>
-          <a:p>
-            <a:pPr lvl="4"/>
-            <a:r>
-              <a:rPr lang="en-US"/>
-              <a:t>Fifth level</a:t>
-            </a:r>
-          </a:p>
-        </p:txBody>
-      </p:sp>
-      <p:sp>
-        <p:nvSpPr>
-          <p:cNvPr id="4" name="Text Placeholder 3">
-            <a:extLst>
-              <a:ext uri="{FF2B5EF4-FFF2-40B4-BE49-F238E27FC236}">
-                <a16:creationId xmlns:a16="http://schemas.microsoft.com/office/drawing/2014/main" id="{BD1FA8D8-9146-E6CC-5A8C-14E2964F761C}"/>
-              </a:ext>
-            </a:extLst>
-          </p:cNvPr>
-          <p:cNvSpPr>
-            <a:spLocks noGrp="1"/>
-          </p:cNvSpPr>
-          <p:nvPr>
-            <p:ph type="body" sz="half" idx="2"/>
-          </p:nvPr>
-        </p:nvSpPr>
-        <p:spPr>
-          <a:xfrm>
-            <a:off x="839788" y="2057400"/>
-            <a:ext cx="3932237" cy="3811588"/>
-          </a:xfrm>
-        </p:spPr>
-        <p:txBody>
-          <a:bodyPr/>
-          <a:lstStyle>
-            <a:lvl1pPr marL="0" indent="0">
+            <a:lvl1pPr marL="0" indent="0" algn="l">
               <a:buNone/>
               <a:defRPr sz="1600"/>
             </a:lvl1pPr>
@@ -2365,13 +2375,7 @@
       </p:sp>
       <p:sp>
         <p:nvSpPr>
-          <p:cNvPr id="5" name="Date Placeholder 4">
-            <a:extLst>
-              <a:ext uri="{FF2B5EF4-FFF2-40B4-BE49-F238E27FC236}">
-                <a16:creationId xmlns:a16="http://schemas.microsoft.com/office/drawing/2014/main" id="{82C4BC4C-6B0A-8931-93A7-410554F48858}"/>
-              </a:ext>
-            </a:extLst>
-          </p:cNvPr>
+          <p:cNvPr id="5" name="Date Placeholder 4"/>
           <p:cNvSpPr>
             <a:spLocks noGrp="1"/>
           </p:cNvSpPr>
@@ -2386,7 +2390,7 @@
           <a:p>
             <a:fld id="{7BF4B869-6810-48D2-99D0-3EADE8538AA2}" type="datetimeFigureOut">
               <a:rPr lang="en-US" smtClean="0"/>
-              <a:t>10/13/2025</a:t>
+              <a:t>10/20/2025</a:t>
             </a:fld>
             <a:endParaRPr lang="en-US"/>
           </a:p>
@@ -2394,13 +2398,7 @@
       </p:sp>
       <p:sp>
         <p:nvSpPr>
-          <p:cNvPr id="6" name="Footer Placeholder 5">
-            <a:extLst>
-              <a:ext uri="{FF2B5EF4-FFF2-40B4-BE49-F238E27FC236}">
-                <a16:creationId xmlns:a16="http://schemas.microsoft.com/office/drawing/2014/main" id="{847C935D-84A6-EBB8-CE6E-F68B455DFE71}"/>
-              </a:ext>
-            </a:extLst>
-          </p:cNvPr>
+          <p:cNvPr id="6" name="Footer Placeholder 5"/>
           <p:cNvSpPr>
             <a:spLocks noGrp="1"/>
           </p:cNvSpPr>
@@ -2419,13 +2417,7 @@
       </p:sp>
       <p:sp>
         <p:nvSpPr>
-          <p:cNvPr id="7" name="Slide Number Placeholder 6">
-            <a:extLst>
-              <a:ext uri="{FF2B5EF4-FFF2-40B4-BE49-F238E27FC236}">
-                <a16:creationId xmlns:a16="http://schemas.microsoft.com/office/drawing/2014/main" id="{8E4AD2FD-E275-BE79-5407-FBEA6936F234}"/>
-              </a:ext>
-            </a:extLst>
-          </p:cNvPr>
+          <p:cNvPr id="7" name="Slide Number Placeholder 6"/>
           <p:cNvSpPr>
             <a:spLocks noGrp="1"/>
           </p:cNvSpPr>
@@ -2446,10 +2438,41 @@
           </a:p>
         </p:txBody>
       </p:sp>
+      <p:cxnSp>
+        <p:nvCxnSpPr>
+          <p:cNvPr id="17" name="Straight Connector 16"/>
+          <p:cNvCxnSpPr/>
+          <p:nvPr/>
+        </p:nvCxnSpPr>
+        <p:spPr>
+          <a:xfrm>
+            <a:off x="1448280" y="3205491"/>
+            <a:ext cx="3269490" cy="0"/>
+          </a:xfrm>
+          <a:prstGeom prst="line">
+            <a:avLst/>
+          </a:prstGeom>
+          <a:ln w="31750"/>
+        </p:spPr>
+        <p:style>
+          <a:lnRef idx="3">
+            <a:schemeClr val="accent1"/>
+          </a:lnRef>
+          <a:fillRef idx="0">
+            <a:schemeClr val="accent1"/>
+          </a:fillRef>
+          <a:effectRef idx="2">
+            <a:schemeClr val="accent1"/>
+          </a:effectRef>
+          <a:fontRef idx="minor">
+            <a:schemeClr val="tx1"/>
+          </a:fontRef>
+        </p:style>
+      </p:cxnSp>
     </p:spTree>
     <p:extLst>
       <p:ext uri="{BB962C8B-B14F-4D97-AF65-F5344CB8AC3E}">
-        <p14:creationId xmlns:p14="http://schemas.microsoft.com/office/powerpoint/2010/main" val="685389695"/>
+        <p14:creationId xmlns:p14="http://schemas.microsoft.com/office/powerpoint/2010/main" val="1727549928"/>
       </p:ext>
     </p:extLst>
   </p:cSld>
@@ -2476,15 +2499,143 @@
           <a:chExt cx="0" cy="0"/>
         </a:xfrm>
       </p:grpSpPr>
-      <p:sp>
-        <p:nvSpPr>
-          <p:cNvPr id="2" name="Title 1">
-            <a:extLst>
-              <a:ext uri="{FF2B5EF4-FFF2-40B4-BE49-F238E27FC236}">
-                <a16:creationId xmlns:a16="http://schemas.microsoft.com/office/drawing/2014/main" id="{685385EC-7866-CC6D-2E0D-3ABEE5F59000}"/>
-              </a:ext>
-            </a:extLst>
-          </p:cNvPr>
+      <p:grpSp>
+        <p:nvGrpSpPr>
+          <p:cNvPr id="8" name="Group 7"/>
+          <p:cNvGrpSpPr/>
+          <p:nvPr/>
+        </p:nvGrpSpPr>
+        <p:grpSpPr>
+          <a:xfrm>
+            <a:off x="7477387" y="482170"/>
+            <a:ext cx="4074533" cy="5149101"/>
+            <a:chOff x="7477387" y="482170"/>
+            <a:chExt cx="4074533" cy="5149101"/>
+          </a:xfrm>
+        </p:grpSpPr>
+        <p:sp>
+          <p:nvSpPr>
+            <p:cNvPr id="18" name="Rectangle 17"/>
+            <p:cNvSpPr/>
+            <p:nvPr/>
+          </p:nvSpPr>
+          <p:spPr bwMode="black">
+            <a:xfrm>
+              <a:off x="7477387" y="482170"/>
+              <a:ext cx="4074533" cy="5149101"/>
+            </a:xfrm>
+            <a:prstGeom prst="rect">
+              <a:avLst/>
+            </a:prstGeom>
+            <a:gradFill>
+              <a:gsLst>
+                <a:gs pos="0">
+                  <a:srgbClr val="000001"/>
+                </a:gs>
+                <a:gs pos="100000">
+                  <a:srgbClr val="191919"/>
+                </a:gs>
+              </a:gsLst>
+            </a:gradFill>
+            <a:ln w="76200" cmpd="sng">
+              <a:noFill/>
+              <a:miter lim="800000"/>
+            </a:ln>
+            <a:effectLst>
+              <a:outerShdw blurRad="127000" dist="228600" dir="4740000" sx="98000" sy="98000" algn="tl" rotWithShape="0">
+                <a:srgbClr val="000000">
+                  <a:alpha val="34000"/>
+                </a:srgbClr>
+              </a:outerShdw>
+            </a:effectLst>
+            <a:scene3d>
+              <a:camera prst="orthographicFront"/>
+              <a:lightRig rig="threePt" dir="t"/>
+            </a:scene3d>
+            <a:sp3d>
+              <a:bevelT w="152400" h="50800" prst="softRound"/>
+            </a:sp3d>
+          </p:spPr>
+          <p:style>
+            <a:lnRef idx="1">
+              <a:schemeClr val="accent1"/>
+            </a:lnRef>
+            <a:fillRef idx="3">
+              <a:schemeClr val="accent1"/>
+            </a:fillRef>
+            <a:effectRef idx="2">
+              <a:schemeClr val="accent1"/>
+            </a:effectRef>
+            <a:fontRef idx="minor">
+              <a:schemeClr val="lt1"/>
+            </a:fontRef>
+          </p:style>
+        </p:sp>
+        <p:sp>
+          <p:nvSpPr>
+            <p:cNvPr id="19" name="Rectangle 18"/>
+            <p:cNvSpPr/>
+            <p:nvPr/>
+          </p:nvSpPr>
+          <p:spPr bwMode="blackWhite">
+            <a:xfrm>
+              <a:off x="7790446" y="812506"/>
+              <a:ext cx="3450289" cy="4466452"/>
+            </a:xfrm>
+            <a:prstGeom prst="rect">
+              <a:avLst/>
+            </a:prstGeom>
+            <a:gradFill>
+              <a:gsLst>
+                <a:gs pos="0">
+                  <a:srgbClr val="DADADA"/>
+                </a:gs>
+                <a:gs pos="100000">
+                  <a:srgbClr val="FFFFFE"/>
+                </a:gs>
+              </a:gsLst>
+              <a:lin ang="16200000" scaled="0"/>
+            </a:gradFill>
+            <a:ln w="50800" cmpd="sng">
+              <a:solidFill>
+                <a:srgbClr val="191919"/>
+              </a:solidFill>
+              <a:miter lim="800000"/>
+            </a:ln>
+            <a:effectLst>
+              <a:innerShdw blurRad="63500" dist="88900" dir="14100000">
+                <a:srgbClr val="000000">
+                  <a:alpha val="30000"/>
+                </a:srgbClr>
+              </a:innerShdw>
+            </a:effectLst>
+            <a:scene3d>
+              <a:camera prst="orthographicFront"/>
+              <a:lightRig rig="threePt" dir="t"/>
+            </a:scene3d>
+            <a:sp3d>
+              <a:bevelT prst="relaxedInset"/>
+            </a:sp3d>
+          </p:spPr>
+          <p:style>
+            <a:lnRef idx="1">
+              <a:schemeClr val="accent1"/>
+            </a:lnRef>
+            <a:fillRef idx="3">
+              <a:schemeClr val="accent1"/>
+            </a:fillRef>
+            <a:effectRef idx="2">
+              <a:schemeClr val="accent1"/>
+            </a:effectRef>
+            <a:fontRef idx="minor">
+              <a:schemeClr val="lt1"/>
+            </a:fontRef>
+          </p:style>
+        </p:sp>
+      </p:grpSp>
+      <p:sp>
+        <p:nvSpPr>
+          <p:cNvPr id="2" name="Title 1"/>
           <p:cNvSpPr>
             <a:spLocks noGrp="1"/>
           </p:cNvSpPr>
@@ -2494,12 +2645,14 @@
         </p:nvSpPr>
         <p:spPr>
           <a:xfrm>
-            <a:off x="839788" y="457200"/>
-            <a:ext cx="3932237" cy="1600200"/>
+            <a:off x="1451206" y="1129513"/>
+            <a:ext cx="5532328" cy="1830584"/>
           </a:xfrm>
         </p:spPr>
         <p:txBody>
-          <a:bodyPr anchor="b"/>
+          <a:bodyPr anchor="b">
+            <a:normAutofit/>
+          </a:bodyPr>
           <a:lstStyle>
             <a:lvl1pPr>
               <a:defRPr sz="3200"/>
@@ -2510,20 +2663,15 @@
               <a:rPr lang="en-US"/>
               <a:t>Click to edit Master title style</a:t>
             </a:r>
-          </a:p>
-        </p:txBody>
-      </p:sp>
-      <p:sp>
-        <p:nvSpPr>
-          <p:cNvPr id="3" name="Picture Placeholder 2">
-            <a:extLst>
-              <a:ext uri="{FF2B5EF4-FFF2-40B4-BE49-F238E27FC236}">
-                <a16:creationId xmlns:a16="http://schemas.microsoft.com/office/drawing/2014/main" id="{BB521108-5653-9E99-5CB9-9C29D38F4CE0}"/>
-              </a:ext>
-            </a:extLst>
-          </p:cNvPr>
-          <p:cNvSpPr>
-            <a:spLocks noGrp="1"/>
+            <a:endParaRPr lang="en-US" dirty="0"/>
+          </a:p>
+        </p:txBody>
+      </p:sp>
+      <p:sp>
+        <p:nvSpPr>
+          <p:cNvPr id="3" name="Picture Placeholder 2"/>
+          <p:cNvSpPr>
+            <a:spLocks noGrp="1" noChangeAspect="1"/>
           </p:cNvSpPr>
           <p:nvPr>
             <p:ph type="pic" idx="1"/>
@@ -2531,14 +2679,24 @@
         </p:nvSpPr>
         <p:spPr>
           <a:xfrm>
-            <a:off x="5183188" y="987425"/>
-            <a:ext cx="6172200" cy="4873625"/>
+            <a:off x="8124389" y="1122542"/>
+            <a:ext cx="2791171" cy="3866327"/>
           </a:xfrm>
+          <a:solidFill>
+            <a:schemeClr val="bg1">
+              <a:lumMod val="85000"/>
+            </a:schemeClr>
+          </a:solidFill>
+          <a:ln w="9525" cap="sq">
+            <a:noFill/>
+            <a:miter lim="800000"/>
+          </a:ln>
+          <a:effectLst/>
         </p:spPr>
         <p:txBody>
-          <a:bodyPr/>
+          <a:bodyPr anchor="t"/>
           <a:lstStyle>
-            <a:lvl1pPr marL="0" indent="0">
+            <a:lvl1pPr marL="0" indent="0" algn="ctr">
               <a:buNone/>
               <a:defRPr sz="3200"/>
             </a:lvl1pPr>
@@ -2576,19 +2734,17 @@
             </a:lvl9pPr>
           </a:lstStyle>
           <a:p>
-            <a:endParaRPr lang="en-US"/>
-          </a:p>
-        </p:txBody>
-      </p:sp>
-      <p:sp>
-        <p:nvSpPr>
-          <p:cNvPr id="4" name="Text Placeholder 3">
-            <a:extLst>
-              <a:ext uri="{FF2B5EF4-FFF2-40B4-BE49-F238E27FC236}">
-                <a16:creationId xmlns:a16="http://schemas.microsoft.com/office/drawing/2014/main" id="{BE932297-25E2-33B6-A9FE-B9D91BBFBBEC}"/>
-              </a:ext>
-            </a:extLst>
-          </p:cNvPr>
+            <a:r>
+              <a:rPr lang="en-US"/>
+              <a:t>Click icon to add picture</a:t>
+            </a:r>
+            <a:endParaRPr lang="en-US" dirty="0"/>
+          </a:p>
+        </p:txBody>
+      </p:sp>
+      <p:sp>
+        <p:nvSpPr>
+          <p:cNvPr id="4" name="Text Placeholder 3"/>
           <p:cNvSpPr>
             <a:spLocks noGrp="1"/>
           </p:cNvSpPr>
@@ -2598,16 +2754,18 @@
         </p:nvSpPr>
         <p:spPr>
           <a:xfrm>
-            <a:off x="839788" y="2057400"/>
-            <a:ext cx="3932237" cy="3811588"/>
+            <a:off x="1450329" y="3145992"/>
+            <a:ext cx="5524404" cy="2003742"/>
           </a:xfrm>
         </p:spPr>
         <p:txBody>
-          <a:bodyPr/>
+          <a:bodyPr>
+            <a:normAutofit/>
+          </a:bodyPr>
           <a:lstStyle>
-            <a:lvl1pPr marL="0" indent="0">
-              <a:buNone/>
-              <a:defRPr sz="1600"/>
+            <a:lvl1pPr marL="0" indent="0" algn="l">
+              <a:buNone/>
+              <a:defRPr sz="1800"/>
             </a:lvl1pPr>
             <a:lvl2pPr marL="457200" indent="0">
               <a:buNone/>
@@ -2653,13 +2811,7 @@
       </p:sp>
       <p:sp>
         <p:nvSpPr>
-          <p:cNvPr id="5" name="Date Placeholder 4">
-            <a:extLst>
-              <a:ext uri="{FF2B5EF4-FFF2-40B4-BE49-F238E27FC236}">
-                <a16:creationId xmlns:a16="http://schemas.microsoft.com/office/drawing/2014/main" id="{47D5FF20-E33D-EEDB-8F1C-E1003F7CD98E}"/>
-              </a:ext>
-            </a:extLst>
-          </p:cNvPr>
+          <p:cNvPr id="5" name="Date Placeholder 4"/>
           <p:cNvSpPr>
             <a:spLocks noGrp="1"/>
           </p:cNvSpPr>
@@ -2667,14 +2819,23 @@
             <p:ph type="dt" sz="half" idx="10"/>
           </p:nvPr>
         </p:nvSpPr>
-        <p:spPr/>
+        <p:spPr>
+          <a:xfrm>
+            <a:off x="1447382" y="5469856"/>
+            <a:ext cx="5527351" cy="320123"/>
+          </a:xfrm>
+        </p:spPr>
         <p:txBody>
           <a:bodyPr/>
-          <a:lstStyle/>
+          <a:lstStyle>
+            <a:lvl1pPr algn="l">
+              <a:defRPr/>
+            </a:lvl1pPr>
+          </a:lstStyle>
           <a:p>
             <a:fld id="{7BF4B869-6810-48D2-99D0-3EADE8538AA2}" type="datetimeFigureOut">
               <a:rPr lang="en-US" smtClean="0"/>
-              <a:t>10/13/2025</a:t>
+              <a:t>10/20/2025</a:t>
             </a:fld>
             <a:endParaRPr lang="en-US"/>
           </a:p>
@@ -2682,13 +2843,7 @@
       </p:sp>
       <p:sp>
         <p:nvSpPr>
-          <p:cNvPr id="6" name="Footer Placeholder 5">
-            <a:extLst>
-              <a:ext uri="{FF2B5EF4-FFF2-40B4-BE49-F238E27FC236}">
-                <a16:creationId xmlns:a16="http://schemas.microsoft.com/office/drawing/2014/main" id="{0E397057-B56E-95C3-B22F-70F7FE6E644B}"/>
-              </a:ext>
-            </a:extLst>
-          </p:cNvPr>
+          <p:cNvPr id="6" name="Footer Placeholder 5"/>
           <p:cNvSpPr>
             <a:spLocks noGrp="1"/>
           </p:cNvSpPr>
@@ -2696,7 +2851,12 @@
             <p:ph type="ftr" sz="quarter" idx="11"/>
           </p:nvPr>
         </p:nvSpPr>
-        <p:spPr/>
+        <p:spPr>
+          <a:xfrm>
+            <a:off x="1447382" y="318640"/>
+            <a:ext cx="5541004" cy="320931"/>
+          </a:xfrm>
+        </p:spPr>
         <p:txBody>
           <a:bodyPr/>
           <a:lstStyle/>
@@ -2707,13 +2867,7 @@
       </p:sp>
       <p:sp>
         <p:nvSpPr>
-          <p:cNvPr id="7" name="Slide Number Placeholder 6">
-            <a:extLst>
-              <a:ext uri="{FF2B5EF4-FFF2-40B4-BE49-F238E27FC236}">
-                <a16:creationId xmlns:a16="http://schemas.microsoft.com/office/drawing/2014/main" id="{32BAB33C-0BC2-D8E7-2A11-9FA6E7341D0F}"/>
-              </a:ext>
-            </a:extLst>
-          </p:cNvPr>
+          <p:cNvPr id="7" name="Slide Number Placeholder 6"/>
           <p:cNvSpPr>
             <a:spLocks noGrp="1"/>
           </p:cNvSpPr>
@@ -2734,10 +2888,41 @@
           </a:p>
         </p:txBody>
       </p:sp>
+      <p:cxnSp>
+        <p:nvCxnSpPr>
+          <p:cNvPr id="31" name="Straight Connector 30"/>
+          <p:cNvCxnSpPr/>
+          <p:nvPr/>
+        </p:nvCxnSpPr>
+        <p:spPr>
+          <a:xfrm>
+            <a:off x="1447382" y="3143605"/>
+            <a:ext cx="5527351" cy="0"/>
+          </a:xfrm>
+          <a:prstGeom prst="line">
+            <a:avLst/>
+          </a:prstGeom>
+          <a:ln w="31750"/>
+        </p:spPr>
+        <p:style>
+          <a:lnRef idx="3">
+            <a:schemeClr val="accent1"/>
+          </a:lnRef>
+          <a:fillRef idx="0">
+            <a:schemeClr val="accent1"/>
+          </a:fillRef>
+          <a:effectRef idx="2">
+            <a:schemeClr val="accent1"/>
+          </a:effectRef>
+          <a:fontRef idx="minor">
+            <a:schemeClr val="tx1"/>
+          </a:fontRef>
+        </p:style>
+      </p:cxnSp>
     </p:spTree>
     <p:extLst>
       <p:ext uri="{BB962C8B-B14F-4D97-AF65-F5344CB8AC3E}">
-        <p14:creationId xmlns:p14="http://schemas.microsoft.com/office/powerpoint/2010/main" val="708671363"/>
+        <p14:creationId xmlns:p14="http://schemas.microsoft.com/office/powerpoint/2010/main" val="378486298"/>
       </p:ext>
     </p:extLst>
   </p:cSld>
@@ -2751,8 +2936,8 @@
 <p:sldMaster xmlns:a="http://schemas.openxmlformats.org/drawingml/2006/main" xmlns:r="http://schemas.openxmlformats.org/officeDocument/2006/relationships" xmlns:p="http://schemas.openxmlformats.org/presentationml/2006/main">
   <p:cSld>
     <p:bg>
-      <p:bgRef idx="1001">
-        <a:schemeClr val="bg1"/>
+      <p:bgRef idx="1003">
+        <a:schemeClr val="bg2"/>
       </p:bgRef>
     </p:bg>
     <p:spTree>
@@ -2771,139 +2956,201 @@
       </p:grpSpPr>
       <p:sp>
         <p:nvSpPr>
-          <p:cNvPr id="2" name="Title Placeholder 1">
+          <p:cNvPr id="8" name="Rectangle 7"/>
+          <p:cNvSpPr/>
+          <p:nvPr/>
+        </p:nvSpPr>
+        <p:spPr>
+          <a:xfrm>
+            <a:off x="0" y="2019476"/>
+            <a:ext cx="12192000" cy="4105941"/>
+          </a:xfrm>
+          <a:prstGeom prst="rect">
+            <a:avLst/>
+          </a:prstGeom>
+          <a:gradFill flip="none" rotWithShape="1">
+            <a:gsLst>
+              <a:gs pos="0">
+                <a:schemeClr val="bg2">
+                  <a:alpha val="0"/>
+                </a:schemeClr>
+              </a:gs>
+              <a:gs pos="100000">
+                <a:schemeClr val="bg2"/>
+              </a:gs>
+            </a:gsLst>
+            <a:lin ang="5400000" scaled="0"/>
+            <a:tileRect/>
+          </a:gradFill>
+          <a:ln>
+            <a:noFill/>
+          </a:ln>
+        </p:spPr>
+        <p:style>
+          <a:lnRef idx="2">
+            <a:schemeClr val="accent1">
+              <a:shade val="50000"/>
+            </a:schemeClr>
+          </a:lnRef>
+          <a:fillRef idx="1">
+            <a:schemeClr val="accent1"/>
+          </a:fillRef>
+          <a:effectRef idx="0">
+            <a:schemeClr val="accent1"/>
+          </a:effectRef>
+          <a:fontRef idx="minor">
+            <a:schemeClr val="lt1"/>
+          </a:fontRef>
+        </p:style>
+      </p:sp>
+      <p:pic>
+        <p:nvPicPr>
+          <p:cNvPr id="7" name="Picture 6"/>
+          <p:cNvPicPr>
+            <a:picLocks noChangeAspect="1"/>
+          </p:cNvPicPr>
+          <p:nvPr/>
+        </p:nvPicPr>
+        <p:blipFill rotWithShape="1">
+          <a:blip r:embed="rId13">
             <a:extLst>
-              <a:ext uri="{FF2B5EF4-FFF2-40B4-BE49-F238E27FC236}">
-                <a16:creationId xmlns:a16="http://schemas.microsoft.com/office/drawing/2014/main" id="{8650D449-2873-8E36-93FF-7EA340E9D2F1}"/>
+              <a:ext uri="{28A0092B-C50C-407E-A947-70E740481C1C}">
+                <a14:useLocalDpi xmlns:a14="http://schemas.microsoft.com/office/drawing/2010/main" val="0"/>
               </a:ext>
             </a:extLst>
-          </p:cNvPr>
-          <p:cNvSpPr>
-            <a:spLocks noGrp="1"/>
-          </p:cNvSpPr>
-          <p:nvPr>
-            <p:ph type="title"/>
-          </p:nvPr>
-        </p:nvSpPr>
-        <p:spPr>
+          </a:blip>
+          <a:srcRect t="1538" b="-1538"/>
+          <a:stretch/>
+        </p:blipFill>
+        <p:spPr bwMode="black">
           <a:xfrm>
-            <a:off x="838200" y="365125"/>
-            <a:ext cx="10515600" cy="1325563"/>
+            <a:off x="0" y="6126480"/>
+            <a:ext cx="12192000" cy="742950"/>
           </a:xfrm>
           <a:prstGeom prst="rect">
             <a:avLst/>
           </a:prstGeom>
         </p:spPr>
-        <p:txBody>
-          <a:bodyPr vert="horz" lIns="91440" tIns="45720" rIns="91440" bIns="45720" rtlCol="0" anchor="ctr">
-            <a:normAutofit/>
-          </a:bodyPr>
-          <a:lstStyle/>
-          <a:p>
-            <a:r>
-              <a:rPr lang="en-US"/>
-              <a:t>Click to edit Master title style</a:t>
-            </a:r>
-          </a:p>
-        </p:txBody>
-      </p:sp>
-      <p:sp>
-        <p:nvSpPr>
-          <p:cNvPr id="3" name="Text Placeholder 2">
-            <a:extLst>
-              <a:ext uri="{FF2B5EF4-FFF2-40B4-BE49-F238E27FC236}">
-                <a16:creationId xmlns:a16="http://schemas.microsoft.com/office/drawing/2014/main" id="{68C37667-0A5F-83DC-36C2-AE7778B88F5F}"/>
-              </a:ext>
-            </a:extLst>
-          </p:cNvPr>
-          <p:cNvSpPr>
-            <a:spLocks noGrp="1"/>
-          </p:cNvSpPr>
-          <p:nvPr>
-            <p:ph type="body" idx="1"/>
+      </p:pic>
+      <p:sp>
+        <p:nvSpPr>
+          <p:cNvPr id="2" name="Title Placeholder 1"/>
+          <p:cNvSpPr>
+            <a:spLocks noGrp="1"/>
+          </p:cNvSpPr>
+          <p:nvPr>
+            <p:ph type="title"/>
           </p:nvPr>
         </p:nvSpPr>
         <p:spPr>
           <a:xfrm>
-            <a:off x="838200" y="1825625"/>
-            <a:ext cx="10515600" cy="4351338"/>
+            <a:off x="1451579" y="804519"/>
+            <a:ext cx="9603275" cy="1049235"/>
           </a:xfrm>
           <a:prstGeom prst="rect">
             <a:avLst/>
           </a:prstGeom>
         </p:spPr>
         <p:txBody>
-          <a:bodyPr vert="horz" lIns="91440" tIns="45720" rIns="91440" bIns="45720" rtlCol="0">
+          <a:bodyPr vert="horz" lIns="91440" tIns="45720" rIns="91440" bIns="45720" rtlCol="0" anchor="t">
             <a:normAutofit/>
           </a:bodyPr>
           <a:lstStyle/>
           <a:p>
-            <a:pPr lvl="0"/>
             <a:r>
               <a:rPr lang="en-US"/>
-              <a:t>Click to edit Master text styles</a:t>
-            </a:r>
-          </a:p>
-          <a:p>
-            <a:pPr lvl="1"/>
-            <a:r>
-              <a:rPr lang="en-US"/>
-              <a:t>Second level</a:t>
-            </a:r>
-          </a:p>
-          <a:p>
-            <a:pPr lvl="2"/>
-            <a:r>
-              <a:rPr lang="en-US"/>
-              <a:t>Third level</a:t>
-            </a:r>
-          </a:p>
-          <a:p>
-            <a:pPr lvl="3"/>
-            <a:r>
-              <a:rPr lang="en-US"/>
-              <a:t>Fourth level</a:t>
-            </a:r>
-          </a:p>
-          <a:p>
-            <a:pPr lvl="4"/>
-            <a:r>
-              <a:rPr lang="en-US"/>
-              <a:t>Fifth level</a:t>
-            </a:r>
-          </a:p>
-        </p:txBody>
-      </p:sp>
-      <p:sp>
-        <p:nvSpPr>
-          <p:cNvPr id="4" name="Date Placeholder 3">
-            <a:extLst>
-              <a:ext uri="{FF2B5EF4-FFF2-40B4-BE49-F238E27FC236}">
-                <a16:creationId xmlns:a16="http://schemas.microsoft.com/office/drawing/2014/main" id="{D8A8B58C-22D8-1E41-907A-ACE4B5A253FA}"/>
-              </a:ext>
-            </a:extLst>
-          </p:cNvPr>
-          <p:cNvSpPr>
-            <a:spLocks noGrp="1"/>
-          </p:cNvSpPr>
-          <p:nvPr>
-            <p:ph type="dt" sz="half" idx="2"/>
+              <a:t>Click to edit Master title style</a:t>
+            </a:r>
+            <a:endParaRPr lang="en-US" dirty="0"/>
+          </a:p>
+        </p:txBody>
+      </p:sp>
+      <p:sp>
+        <p:nvSpPr>
+          <p:cNvPr id="3" name="Text Placeholder 2"/>
+          <p:cNvSpPr>
+            <a:spLocks noGrp="1"/>
+          </p:cNvSpPr>
+          <p:nvPr>
+            <p:ph type="body" idx="1"/>
           </p:nvPr>
         </p:nvSpPr>
         <p:spPr>
           <a:xfrm>
-            <a:off x="838200" y="6356350"/>
-            <a:ext cx="2743200" cy="365125"/>
+            <a:off x="1451579" y="2015732"/>
+            <a:ext cx="9603275" cy="3450613"/>
           </a:xfrm>
           <a:prstGeom prst="rect">
             <a:avLst/>
           </a:prstGeom>
         </p:spPr>
         <p:txBody>
+          <a:bodyPr vert="horz" lIns="91440" tIns="45720" rIns="91440" bIns="45720" rtlCol="0">
+            <a:normAutofit/>
+          </a:bodyPr>
+          <a:lstStyle/>
+          <a:p>
+            <a:pPr lvl="0"/>
+            <a:r>
+              <a:rPr lang="en-US"/>
+              <a:t>Click to edit Master text styles</a:t>
+            </a:r>
+          </a:p>
+          <a:p>
+            <a:pPr lvl="1"/>
+            <a:r>
+              <a:rPr lang="en-US"/>
+              <a:t>Second level</a:t>
+            </a:r>
+          </a:p>
+          <a:p>
+            <a:pPr lvl="2"/>
+            <a:r>
+              <a:rPr lang="en-US"/>
+              <a:t>Third level</a:t>
+            </a:r>
+          </a:p>
+          <a:p>
+            <a:pPr lvl="3"/>
+            <a:r>
+              <a:rPr lang="en-US"/>
+              <a:t>Fourth level</a:t>
+            </a:r>
+          </a:p>
+          <a:p>
+            <a:pPr lvl="4"/>
+            <a:r>
+              <a:rPr lang="en-US"/>
+              <a:t>Fifth level</a:t>
+            </a:r>
+            <a:endParaRPr lang="en-US" dirty="0"/>
+          </a:p>
+        </p:txBody>
+      </p:sp>
+      <p:sp>
+        <p:nvSpPr>
+          <p:cNvPr id="4" name="Date Placeholder 3"/>
+          <p:cNvSpPr>
+            <a:spLocks noGrp="1"/>
+          </p:cNvSpPr>
+          <p:nvPr>
+            <p:ph type="dt" sz="half" idx="2"/>
+          </p:nvPr>
+        </p:nvSpPr>
+        <p:spPr>
+          <a:xfrm>
+            <a:off x="7554138" y="330370"/>
+            <a:ext cx="3500715" cy="309201"/>
+          </a:xfrm>
+          <a:prstGeom prst="rect">
+            <a:avLst/>
+          </a:prstGeom>
+        </p:spPr>
+        <p:txBody>
           <a:bodyPr vert="horz" lIns="91440" tIns="45720" rIns="91440" bIns="45720" rtlCol="0" anchor="ctr"/>
           <a:lstStyle>
-            <a:lvl1pPr algn="l">
-              <a:defRPr sz="1200">
+            <a:lvl1pPr algn="r">
+              <a:defRPr sz="1000">
                 <a:solidFill>
                   <a:schemeClr val="tx1">
                     <a:tint val="75000"/>
@@ -2915,7 +3162,7 @@
           <a:p>
             <a:fld id="{7BF4B869-6810-48D2-99D0-3EADE8538AA2}" type="datetimeFigureOut">
               <a:rPr lang="en-US" smtClean="0"/>
-              <a:t>10/13/2025</a:t>
+              <a:t>10/20/2025</a:t>
             </a:fld>
             <a:endParaRPr lang="en-US"/>
           </a:p>
@@ -2923,13 +3170,7 @@
       </p:sp>
       <p:sp>
         <p:nvSpPr>
-          <p:cNvPr id="5" name="Footer Placeholder 4">
-            <a:extLst>
-              <a:ext uri="{FF2B5EF4-FFF2-40B4-BE49-F238E27FC236}">
-                <a16:creationId xmlns:a16="http://schemas.microsoft.com/office/drawing/2014/main" id="{4CE6280D-650C-0111-342B-35C2FF6EB68C}"/>
-              </a:ext>
-            </a:extLst>
-          </p:cNvPr>
+          <p:cNvPr id="5" name="Footer Placeholder 4"/>
           <p:cNvSpPr>
             <a:spLocks noGrp="1"/>
           </p:cNvSpPr>
@@ -2939,8 +3180,8 @@
         </p:nvSpPr>
         <p:spPr>
           <a:xfrm>
-            <a:off x="4038600" y="6356350"/>
-            <a:ext cx="4114800" cy="365125"/>
+            <a:off x="1451579" y="329307"/>
+            <a:ext cx="5938836" cy="309201"/>
           </a:xfrm>
           <a:prstGeom prst="rect">
             <a:avLst/>
@@ -2949,8 +3190,8 @@
         <p:txBody>
           <a:bodyPr vert="horz" lIns="91440" tIns="45720" rIns="91440" bIns="45720" rtlCol="0" anchor="ctr"/>
           <a:lstStyle>
-            <a:lvl1pPr algn="ctr">
-              <a:defRPr sz="1200">
+            <a:lvl1pPr algn="l">
+              <a:defRPr sz="1000">
                 <a:solidFill>
                   <a:schemeClr val="tx1">
                     <a:tint val="75000"/>
@@ -2966,13 +3207,7 @@
       </p:sp>
       <p:sp>
         <p:nvSpPr>
-          <p:cNvPr id="6" name="Slide Number Placeholder 5">
-            <a:extLst>
-              <a:ext uri="{FF2B5EF4-FFF2-40B4-BE49-F238E27FC236}">
-                <a16:creationId xmlns:a16="http://schemas.microsoft.com/office/drawing/2014/main" id="{41FB6B42-4890-7BBE-69EF-C815A8FB85FF}"/>
-              </a:ext>
-            </a:extLst>
-          </p:cNvPr>
+          <p:cNvPr id="6" name="Slide Number Placeholder 5"/>
           <p:cNvSpPr>
             <a:spLocks noGrp="1"/>
           </p:cNvSpPr>
@@ -2982,22 +3217,20 @@
         </p:nvSpPr>
         <p:spPr>
           <a:xfrm>
-            <a:off x="8610600" y="6356350"/>
-            <a:ext cx="2743200" cy="365125"/>
+            <a:off x="480060" y="798973"/>
+            <a:ext cx="811019" cy="503578"/>
           </a:xfrm>
           <a:prstGeom prst="rect">
             <a:avLst/>
           </a:prstGeom>
         </p:spPr>
         <p:txBody>
-          <a:bodyPr vert="horz" lIns="91440" tIns="45720" rIns="91440" bIns="45720" rtlCol="0" anchor="ctr"/>
+          <a:bodyPr vert="horz" lIns="91440" tIns="45720" rIns="91440" bIns="45720" rtlCol="0" anchor="t"/>
           <a:lstStyle>
             <a:lvl1pPr algn="r">
-              <a:defRPr sz="1200">
+              <a:defRPr sz="2800">
                 <a:solidFill>
-                  <a:schemeClr val="tx1">
-                    <a:tint val="75000"/>
-                  </a:schemeClr>
+                  <a:schemeClr val="accent1"/>
                 </a:solidFill>
               </a:defRPr>
             </a:lvl1pPr>
@@ -3011,26 +3244,63 @@
           </a:p>
         </p:txBody>
       </p:sp>
+      <p:cxnSp>
+        <p:nvCxnSpPr>
+          <p:cNvPr id="10" name="Straight Connector 9"/>
+          <p:cNvCxnSpPr/>
+          <p:nvPr/>
+        </p:nvCxnSpPr>
+        <p:spPr>
+          <a:xfrm>
+            <a:off x="0" y="6128413"/>
+            <a:ext cx="12192000" cy="0"/>
+          </a:xfrm>
+          <a:prstGeom prst="line">
+            <a:avLst/>
+          </a:prstGeom>
+          <a:ln w="12700">
+            <a:solidFill>
+              <a:srgbClr val="000001">
+                <a:alpha val="20000"/>
+              </a:srgbClr>
+            </a:solidFill>
+          </a:ln>
+        </p:spPr>
+        <p:style>
+          <a:lnRef idx="1">
+            <a:schemeClr val="accent1"/>
+          </a:lnRef>
+          <a:fillRef idx="0">
+            <a:schemeClr val="accent1"/>
+          </a:fillRef>
+          <a:effectRef idx="0">
+            <a:schemeClr val="accent1"/>
+          </a:effectRef>
+          <a:fontRef idx="minor">
+            <a:schemeClr val="tx1"/>
+          </a:fontRef>
+        </p:style>
+      </p:cxnSp>
     </p:spTree>
     <p:extLst>
       <p:ext uri="{BB962C8B-B14F-4D97-AF65-F5344CB8AC3E}">
-        <p14:creationId xmlns:p14="http://schemas.microsoft.com/office/powerpoint/2010/main" val="1287958262"/>
+        <p14:creationId xmlns:p14="http://schemas.microsoft.com/office/powerpoint/2010/main" val="1552929910"/>
       </p:ext>
     </p:extLst>
   </p:cSld>
   <p:clrMap bg1="lt1" tx1="dk1" bg2="lt2" tx2="dk2" accent1="accent1" accent2="accent2" accent3="accent3" accent4="accent4" accent5="accent5" accent6="accent6" hlink="hlink" folHlink="folHlink"/>
   <p:sldLayoutIdLst>
-    <p:sldLayoutId id="2147483649" r:id="rId1"/>
-    <p:sldLayoutId id="2147483650" r:id="rId2"/>
-    <p:sldLayoutId id="2147483651" r:id="rId3"/>
-    <p:sldLayoutId id="2147483652" r:id="rId4"/>
-    <p:sldLayoutId id="2147483653" r:id="rId5"/>
-    <p:sldLayoutId id="2147483654" r:id="rId6"/>
-    <p:sldLayoutId id="2147483655" r:id="rId7"/>
-    <p:sldLayoutId id="2147483656" r:id="rId8"/>
-    <p:sldLayoutId id="2147483657" r:id="rId9"/>
-    <p:sldLayoutId id="2147483658" r:id="rId10"/>
-    <p:sldLayoutId id="2147483659" r:id="rId11"/>
+    <p:sldLayoutId id="2147483729" r:id="rId1"/>
+    <p:sldLayoutId id="2147483730" r:id="rId2"/>
+    <p:sldLayoutId id="2147483731" r:id="rId3"/>
+    <p:sldLayoutId id="2147483732" r:id="rId4"/>
+    <p:sldLayoutId id="2147483733" r:id="rId5"/>
+    <p:sldLayoutId id="2147483734" r:id="rId6"/>
+    <p:sldLayoutId id="2147483735" r:id="rId7"/>
+    <p:sldLayoutId id="2147483736" r:id="rId8"/>
+    <p:sldLayoutId id="2147483737" r:id="rId9"/>
+    <p:sldLayoutId id="2147483738" r:id="rId10"/>
+    <p:sldLayoutId id="2147483739" r:id="rId11"/>
   </p:sldLayoutIdLst>
   <p:txStyles>
     <p:titleStyle>
@@ -3042,10 +3312,11 @@
           <a:spcPct val="0"/>
         </a:spcBef>
         <a:buNone/>
-        <a:defRPr sz="4400" kern="1200">
+        <a:defRPr sz="3200" b="0" i="0" kern="1200" cap="all">
           <a:solidFill>
             <a:schemeClr val="tx1"/>
           </a:solidFill>
+          <a:effectLst/>
           <a:latin typeface="+mj-lt"/>
           <a:ea typeface="+mj-ea"/>
           <a:cs typeface="+mj-cs"/>
@@ -3055,17 +3326,22 @@
     <p:bodyStyle>
       <a:lvl1pPr marL="228600" indent="-228600" algn="l" defTabSz="914400" rtl="0" eaLnBrk="1" latinLnBrk="0" hangingPunct="1">
         <a:lnSpc>
-          <a:spcPct val="90000"/>
+          <a:spcPct val="120000"/>
         </a:lnSpc>
         <a:spcBef>
           <a:spcPts val="1000"/>
         </a:spcBef>
+        <a:buClr>
+          <a:schemeClr val="accent1"/>
+        </a:buClr>
+        <a:buSzPct val="100000"/>
         <a:buFont typeface="Arial" panose="020B0604020202020204" pitchFamily="34" charset="0"/>
         <a:buChar char="•"/>
-        <a:defRPr sz="2800" kern="1200">
+        <a:defRPr sz="2000" kern="1200">
           <a:solidFill>
             <a:schemeClr val="tx1"/>
           </a:solidFill>
+          <a:effectLst/>
           <a:latin typeface="+mn-lt"/>
           <a:ea typeface="+mn-ea"/>
           <a:cs typeface="+mn-cs"/>
@@ -3073,17 +3349,22 @@
       </a:lvl1pPr>
       <a:lvl2pPr marL="685800" indent="-228600" algn="l" defTabSz="914400" rtl="0" eaLnBrk="1" latinLnBrk="0" hangingPunct="1">
         <a:lnSpc>
-          <a:spcPct val="90000"/>
+          <a:spcPct val="120000"/>
         </a:lnSpc>
         <a:spcBef>
           <a:spcPts val="500"/>
         </a:spcBef>
+        <a:buClr>
+          <a:schemeClr val="accent1"/>
+        </a:buClr>
+        <a:buSzPct val="100000"/>
         <a:buFont typeface="Arial" panose="020B0604020202020204" pitchFamily="34" charset="0"/>
         <a:buChar char="•"/>
-        <a:defRPr sz="2400" kern="1200">
+        <a:defRPr sz="1800" kern="1200" cap="none" baseline="0">
           <a:solidFill>
             <a:schemeClr val="tx1"/>
           </a:solidFill>
+          <a:effectLst/>
           <a:latin typeface="+mn-lt"/>
           <a:ea typeface="+mn-ea"/>
           <a:cs typeface="+mn-cs"/>
@@ -3091,17 +3372,22 @@
       </a:lvl2pPr>
       <a:lvl3pPr marL="1143000" indent="-228600" algn="l" defTabSz="914400" rtl="0" eaLnBrk="1" latinLnBrk="0" hangingPunct="1">
         <a:lnSpc>
-          <a:spcPct val="90000"/>
+          <a:spcPct val="120000"/>
         </a:lnSpc>
         <a:spcBef>
           <a:spcPts val="500"/>
         </a:spcBef>
+        <a:buClr>
+          <a:schemeClr val="accent1"/>
+        </a:buClr>
+        <a:buSzPct val="100000"/>
         <a:buFont typeface="Arial" panose="020B0604020202020204" pitchFamily="34" charset="0"/>
         <a:buChar char="•"/>
-        <a:defRPr sz="2000" kern="1200">
+        <a:defRPr sz="1600" kern="1200">
           <a:solidFill>
             <a:schemeClr val="tx1"/>
           </a:solidFill>
+          <a:effectLst/>
           <a:latin typeface="+mn-lt"/>
           <a:ea typeface="+mn-ea"/>
           <a:cs typeface="+mn-cs"/>
@@ -3109,17 +3395,22 @@
       </a:lvl3pPr>
       <a:lvl4pPr marL="1600200" indent="-228600" algn="l" defTabSz="914400" rtl="0" eaLnBrk="1" latinLnBrk="0" hangingPunct="1">
         <a:lnSpc>
-          <a:spcPct val="90000"/>
+          <a:spcPct val="120000"/>
         </a:lnSpc>
         <a:spcBef>
           <a:spcPts val="500"/>
         </a:spcBef>
+        <a:buClr>
+          <a:schemeClr val="accent1"/>
+        </a:buClr>
+        <a:buSzPct val="100000"/>
         <a:buFont typeface="Arial" panose="020B0604020202020204" pitchFamily="34" charset="0"/>
         <a:buChar char="•"/>
-        <a:defRPr sz="1800" kern="1200">
+        <a:defRPr sz="1400" kern="1200" cap="none" baseline="0">
           <a:solidFill>
             <a:schemeClr val="tx1"/>
           </a:solidFill>
+          <a:effectLst/>
           <a:latin typeface="+mn-lt"/>
           <a:ea typeface="+mn-ea"/>
           <a:cs typeface="+mn-cs"/>
@@ -3127,17 +3418,22 @@
       </a:lvl4pPr>
       <a:lvl5pPr marL="2057400" indent="-228600" algn="l" defTabSz="914400" rtl="0" eaLnBrk="1" latinLnBrk="0" hangingPunct="1">
         <a:lnSpc>
-          <a:spcPct val="90000"/>
+          <a:spcPct val="120000"/>
         </a:lnSpc>
         <a:spcBef>
           <a:spcPts val="500"/>
         </a:spcBef>
+        <a:buClr>
+          <a:schemeClr val="accent1"/>
+        </a:buClr>
+        <a:buSzPct val="100000"/>
         <a:buFont typeface="Arial" panose="020B0604020202020204" pitchFamily="34" charset="0"/>
         <a:buChar char="•"/>
-        <a:defRPr sz="1800" kern="1200">
+        <a:defRPr sz="1200" kern="1200">
           <a:solidFill>
             <a:schemeClr val="tx1"/>
           </a:solidFill>
+          <a:effectLst/>
           <a:latin typeface="+mn-lt"/>
           <a:ea typeface="+mn-ea"/>
           <a:cs typeface="+mn-cs"/>
@@ -3145,17 +3441,22 @@
       </a:lvl5pPr>
       <a:lvl6pPr marL="2514600" indent="-228600" algn="l" defTabSz="914400" rtl="0" eaLnBrk="1" latinLnBrk="0" hangingPunct="1">
         <a:lnSpc>
-          <a:spcPct val="90000"/>
+          <a:spcPct val="120000"/>
         </a:lnSpc>
         <a:spcBef>
           <a:spcPts val="500"/>
         </a:spcBef>
+        <a:buClr>
+          <a:schemeClr val="accent1"/>
+        </a:buClr>
+        <a:buSzPct val="100000"/>
         <a:buFont typeface="Arial" panose="020B0604020202020204" pitchFamily="34" charset="0"/>
         <a:buChar char="•"/>
-        <a:defRPr sz="1800" kern="1200">
+        <a:defRPr sz="1200" kern="1200">
           <a:solidFill>
             <a:schemeClr val="tx1"/>
           </a:solidFill>
+          <a:effectLst/>
           <a:latin typeface="+mn-lt"/>
           <a:ea typeface="+mn-ea"/>
           <a:cs typeface="+mn-cs"/>
@@ -3163,17 +3464,22 @@
       </a:lvl6pPr>
       <a:lvl7pPr marL="2971800" indent="-228600" algn="l" defTabSz="914400" rtl="0" eaLnBrk="1" latinLnBrk="0" hangingPunct="1">
         <a:lnSpc>
-          <a:spcPct val="90000"/>
+          <a:spcPct val="120000"/>
         </a:lnSpc>
         <a:spcBef>
           <a:spcPts val="500"/>
         </a:spcBef>
+        <a:buClr>
+          <a:schemeClr val="accent1"/>
+        </a:buClr>
+        <a:buSzPct val="100000"/>
         <a:buFont typeface="Arial" panose="020B0604020202020204" pitchFamily="34" charset="0"/>
         <a:buChar char="•"/>
-        <a:defRPr sz="1800" kern="1200">
+        <a:defRPr sz="1200" kern="1200">
           <a:solidFill>
             <a:schemeClr val="tx1"/>
           </a:solidFill>
+          <a:effectLst/>
           <a:latin typeface="+mn-lt"/>
           <a:ea typeface="+mn-ea"/>
           <a:cs typeface="+mn-cs"/>
@@ -3181,17 +3487,22 @@
       </a:lvl7pPr>
       <a:lvl8pPr marL="3429000" indent="-228600" algn="l" defTabSz="914400" rtl="0" eaLnBrk="1" latinLnBrk="0" hangingPunct="1">
         <a:lnSpc>
-          <a:spcPct val="90000"/>
+          <a:spcPct val="120000"/>
         </a:lnSpc>
         <a:spcBef>
           <a:spcPts val="500"/>
         </a:spcBef>
+        <a:buClr>
+          <a:schemeClr val="accent1"/>
+        </a:buClr>
+        <a:buSzPct val="100000"/>
         <a:buFont typeface="Arial" panose="020B0604020202020204" pitchFamily="34" charset="0"/>
         <a:buChar char="•"/>
-        <a:defRPr sz="1800" kern="1200">
+        <a:defRPr sz="1200" kern="1200" baseline="0">
           <a:solidFill>
             <a:schemeClr val="tx1"/>
           </a:solidFill>
+          <a:effectLst/>
           <a:latin typeface="+mn-lt"/>
           <a:ea typeface="+mn-ea"/>
           <a:cs typeface="+mn-cs"/>
@@ -3199,17 +3510,22 @@
       </a:lvl8pPr>
       <a:lvl9pPr marL="3886200" indent="-228600" algn="l" defTabSz="914400" rtl="0" eaLnBrk="1" latinLnBrk="0" hangingPunct="1">
         <a:lnSpc>
-          <a:spcPct val="90000"/>
+          <a:spcPct val="120000"/>
         </a:lnSpc>
         <a:spcBef>
           <a:spcPts val="500"/>
         </a:spcBef>
+        <a:buClr>
+          <a:schemeClr val="accent1"/>
+        </a:buClr>
+        <a:buSzPct val="100000"/>
         <a:buFont typeface="Arial" panose="020B0604020202020204" pitchFamily="34" charset="0"/>
         <a:buChar char="•"/>
-        <a:defRPr sz="1800" kern="1200">
+        <a:defRPr sz="1200" kern="1200" baseline="0">
           <a:solidFill>
             <a:schemeClr val="tx1"/>
           </a:solidFill>
+          <a:effectLst/>
           <a:latin typeface="+mn-lt"/>
           <a:ea typeface="+mn-ea"/>
           <a:cs typeface="+mn-cs"/>
@@ -3351,13 +3667,32 @@
         <p:spPr/>
         <p:txBody>
           <a:bodyPr>
-            <a:normAutofit/>
+            <a:normAutofit fontScale="90000"/>
           </a:bodyPr>
           <a:lstStyle/>
           <a:p>
             <a:r>
-              <a:rPr lang="en-US" dirty="0"/>
-              <a:t>PARITY GENERATOR &amp; CHECKER.</a:t>
+              <a:rPr lang="en-US" sz="4800" b="1" dirty="0">
+                <a:solidFill>
+                  <a:srgbClr val="FF0000"/>
+                </a:solidFill>
+              </a:rPr>
+              <a:t>EET 3404: Digital Circuit Design. </a:t>
+            </a:r>
+            <a:br>
+              <a:rPr lang="en-US" sz="4800" b="1" dirty="0">
+                <a:solidFill>
+                  <a:srgbClr val="FF0000"/>
+                </a:solidFill>
+              </a:rPr>
+            </a:br>
+            <a:r>
+              <a:rPr lang="en-US" sz="4800" b="1" dirty="0">
+                <a:solidFill>
+                  <a:srgbClr val="FF0000"/>
+                </a:solidFill>
+              </a:rPr>
+              <a:t>Parity generator and checker.</a:t>
             </a:r>
           </a:p>
         </p:txBody>
@@ -3381,24 +3716,44 @@
         <p:spPr/>
         <p:txBody>
           <a:bodyPr>
-            <a:normAutofit/>
+            <a:normAutofit fontScale="25000" lnSpcReduction="20000"/>
           </a:bodyPr>
           <a:lstStyle/>
           <a:p>
             <a:r>
-              <a:rPr lang="en-US" sz="4400" dirty="0"/>
-              <a:t>GROUP 10 PRESENTATION</a:t>
-            </a:r>
-          </a:p>
-          <a:p>
-            <a:r>
-              <a:rPr lang="en-US" sz="4400" dirty="0" err="1"/>
-              <a:t>Github</a:t>
-            </a:r>
-            <a:r>
-              <a:rPr lang="en-US" sz="4400"/>
-              <a:t> repository: </a:t>
-            </a:r>
+              <a:rPr lang="en-US" sz="9600" dirty="0"/>
+              <a:t>GROUP 10 PRESENTATION.</a:t>
+            </a:r>
+          </a:p>
+          <a:p>
+            <a:r>
+              <a:rPr lang="en-US" sz="9600" dirty="0"/>
+              <a:t>GitHub repository: </a:t>
+            </a:r>
+          </a:p>
+          <a:p>
+            <a:r>
+              <a:rPr lang="en-US" sz="9600" cap="none" dirty="0">
+                <a:solidFill>
+                  <a:srgbClr val="0070C0"/>
+                </a:solidFill>
+                <a:hlinkClick r:id="rId2">
+                  <a:extLst>
+                    <a:ext uri="{A12FA001-AC4F-418D-AE19-62706E023703}">
+                      <ahyp:hlinkClr xmlns:ahyp="http://schemas.microsoft.com/office/drawing/2018/hyperlinkcolor" val="tx"/>
+                    </a:ext>
+                  </a:extLst>
+                </a:hlinkClick>
+              </a:rPr>
+              <a:t>https://github.com/joshuawambua/parity.git</a:t>
+            </a:r>
+            <a:endParaRPr lang="en-US" sz="9600" cap="none" dirty="0">
+              <a:solidFill>
+                <a:srgbClr val="0070C0"/>
+              </a:solidFill>
+            </a:endParaRPr>
+          </a:p>
+          <a:p>
             <a:endParaRPr lang="en-US" sz="4400" dirty="0"/>
           </a:p>
         </p:txBody>
@@ -3416,7 +3771,7 @@
 </p:sld>
 </file>
 
-<file path=ppt/slides/slide2.xml><?xml version="1.0" encoding="utf-8"?>
+<file path=ppt/slides/slide10.xml><?xml version="1.0" encoding="utf-8"?>
 <p:sld xmlns:a="http://schemas.openxmlformats.org/drawingml/2006/main" xmlns:r="http://schemas.openxmlformats.org/officeDocument/2006/relationships" xmlns:p="http://schemas.openxmlformats.org/presentationml/2006/main">
   <p:cSld>
     <p:spTree>
@@ -3438,7 +3793,7 @@
           <p:cNvPr id="2" name="Title 1">
             <a:extLst>
               <a:ext uri="{FF2B5EF4-FFF2-40B4-BE49-F238E27FC236}">
-                <a16:creationId xmlns:a16="http://schemas.microsoft.com/office/drawing/2014/main" id="{C2AEE6A9-A478-639F-12D9-CCCCFE599111}"/>
+                <a16:creationId xmlns:a16="http://schemas.microsoft.com/office/drawing/2014/main" id="{95254E24-0F66-62BB-21D3-F42379FB459F}"/>
               </a:ext>
             </a:extLst>
           </p:cNvPr>
@@ -3456,78 +3811,47 @@
           <a:p>
             <a:r>
               <a:rPr lang="en-US" dirty="0"/>
-              <a:t>Group Members</a:t>
-            </a:r>
-          </a:p>
-        </p:txBody>
-      </p:sp>
-      <p:sp>
-        <p:nvSpPr>
-          <p:cNvPr id="3" name="Content Placeholder 2">
+              <a:t>simulink circuit parity generator.</a:t>
+            </a:r>
+          </a:p>
+        </p:txBody>
+      </p:sp>
+      <p:pic>
+        <p:nvPicPr>
+          <p:cNvPr id="4" name="Content Placeholder 3">
             <a:extLst>
               <a:ext uri="{FF2B5EF4-FFF2-40B4-BE49-F238E27FC236}">
-                <a16:creationId xmlns:a16="http://schemas.microsoft.com/office/drawing/2014/main" id="{3E44C077-6D51-D3DE-9F74-473EFC3B7796}"/>
+                <a16:creationId xmlns:a16="http://schemas.microsoft.com/office/drawing/2014/main" id="{2886DED0-A9E8-E712-B40F-6A27066D20CB}"/>
               </a:ext>
             </a:extLst>
           </p:cNvPr>
-          <p:cNvSpPr>
-            <a:spLocks noGrp="1"/>
-          </p:cNvSpPr>
+          <p:cNvPicPr>
+            <a:picLocks noGrp="1" noChangeAspect="1"/>
+          </p:cNvPicPr>
           <p:nvPr>
             <p:ph idx="1"/>
           </p:nvPr>
-        </p:nvSpPr>
-        <p:spPr/>
-        <p:txBody>
-          <a:bodyPr/>
-          <a:lstStyle/>
-          <a:p>
-            <a:pPr marL="514350" indent="-514350">
-              <a:buFont typeface="+mj-lt"/>
-              <a:buAutoNum type="arabicPeriod"/>
-            </a:pPr>
-            <a:r>
-              <a:rPr lang="en-US" dirty="0"/>
-              <a:t>Joshua Wambua EG209/109705/22</a:t>
-            </a:r>
-          </a:p>
-          <a:p>
-            <a:pPr marL="514350" indent="-514350">
-              <a:buFont typeface="+mj-lt"/>
-              <a:buAutoNum type="arabicPeriod"/>
-            </a:pPr>
-            <a:r>
-              <a:rPr lang="en-US" dirty="0"/>
-              <a:t>Nason Alfred</a:t>
-            </a:r>
-          </a:p>
-          <a:p>
-            <a:pPr marL="514350" indent="-514350">
-              <a:buFont typeface="+mj-lt"/>
-              <a:buAutoNum type="arabicPeriod"/>
-            </a:pPr>
-            <a:r>
-              <a:rPr lang="en-US" dirty="0" err="1"/>
-              <a:t>Wilkister</a:t>
-            </a:r>
-            <a:r>
-              <a:rPr lang="en-US" dirty="0"/>
-              <a:t> Kwamboka</a:t>
-            </a:r>
-          </a:p>
-          <a:p>
-            <a:pPr marL="514350" indent="-514350">
-              <a:buFont typeface="+mj-lt"/>
-              <a:buAutoNum type="arabicPeriod"/>
-            </a:pPr>
-            <a:endParaRPr lang="en-US" dirty="0"/>
-          </a:p>
-        </p:txBody>
-      </p:sp>
+        </p:nvPicPr>
+        <p:blipFill>
+          <a:blip r:embed="rId2"/>
+          <a:stretch>
+            <a:fillRect/>
+          </a:stretch>
+        </p:blipFill>
+        <p:spPr>
+          <a:xfrm>
+            <a:off x="1355911" y="1294228"/>
+            <a:ext cx="9997889" cy="5361037"/>
+          </a:xfrm>
+          <a:prstGeom prst="rect">
+            <a:avLst/>
+          </a:prstGeom>
+        </p:spPr>
+      </p:pic>
     </p:spTree>
     <p:extLst>
       <p:ext uri="{BB962C8B-B14F-4D97-AF65-F5344CB8AC3E}">
-        <p14:creationId xmlns:p14="http://schemas.microsoft.com/office/powerpoint/2010/main" val="2535329654"/>
+        <p14:creationId xmlns:p14="http://schemas.microsoft.com/office/powerpoint/2010/main" val="3287050234"/>
       </p:ext>
     </p:extLst>
   </p:cSld>
@@ -3537,7 +3861,7 @@
 </p:sld>
 </file>
 
-<file path=ppt/slides/slide3.xml><?xml version="1.0" encoding="utf-8"?>
+<file path=ppt/slides/slide11.xml><?xml version="1.0" encoding="utf-8"?>
 <p:sld xmlns:a="http://schemas.openxmlformats.org/drawingml/2006/main" xmlns:r="http://schemas.openxmlformats.org/officeDocument/2006/relationships" xmlns:p="http://schemas.openxmlformats.org/presentationml/2006/main">
   <p:cSld>
     <p:spTree>
@@ -3556,10 +3880,10 @@
       </p:grpSpPr>
       <p:sp>
         <p:nvSpPr>
-          <p:cNvPr id="2" name="Title 1">
+          <p:cNvPr id="4" name="Title 3">
             <a:extLst>
               <a:ext uri="{FF2B5EF4-FFF2-40B4-BE49-F238E27FC236}">
-                <a16:creationId xmlns:a16="http://schemas.microsoft.com/office/drawing/2014/main" id="{F2C946C8-6AC0-A609-3581-EE0F5263E6F6}"/>
+                <a16:creationId xmlns:a16="http://schemas.microsoft.com/office/drawing/2014/main" id="{E6912FF9-0B79-E80B-1968-3643D329B1A4}"/>
               </a:ext>
             </a:extLst>
           </p:cNvPr>
@@ -3577,17 +3901,24 @@
           <a:p>
             <a:r>
               <a:rPr lang="en-US" dirty="0"/>
-              <a:t>INTRODUCTION</a:t>
-            </a:r>
-          </a:p>
-        </p:txBody>
-      </p:sp>
-      <p:sp>
-        <p:nvSpPr>
-          <p:cNvPr id="3" name="Content Placeholder 2">
+              <a:t>Truth tables</a:t>
+            </a:r>
+            <a:br>
+              <a:rPr lang="en-US" dirty="0"/>
+            </a:br>
+            <a:r>
+              <a:rPr lang="en-US" dirty="0"/>
+              <a:t>4 bit parity generator.</a:t>
+            </a:r>
+          </a:p>
+        </p:txBody>
+      </p:sp>
+      <p:sp>
+        <p:nvSpPr>
+          <p:cNvPr id="26" name="Content Placeholder 25">
             <a:extLst>
               <a:ext uri="{FF2B5EF4-FFF2-40B4-BE49-F238E27FC236}">
-                <a16:creationId xmlns:a16="http://schemas.microsoft.com/office/drawing/2014/main" id="{A0744E6E-FF98-9D67-0D55-D161DEDE0CC2}"/>
+                <a16:creationId xmlns:a16="http://schemas.microsoft.com/office/drawing/2014/main" id="{461E629F-15F0-5FC6-F9AF-0BC3599C22C4}"/>
               </a:ext>
             </a:extLst>
           </p:cNvPr>
@@ -3607,16 +3938,162 @@
               <a:buNone/>
             </a:pPr>
             <a:r>
-              <a:rPr lang="en-US" dirty="0"/>
-              <a:t>Parity is a simple and widely used error detection technique in digital systems. It works by adding an extra bit, called a parity bit, to a group of data bits to make the total number of 1s either even (even parity) or odd (odd parity). This helps in detecting single-bit errors that may occur during data transmission or storage. Parity is commonly used in communication systems, computer memory, and data storage devices to ensure data integrity and reliability.</a:t>
-            </a:r>
-          </a:p>
-        </p:txBody>
-      </p:sp>
+              <a:rPr lang="en-US" b="1" u="sng" dirty="0">
+                <a:solidFill>
+                  <a:schemeClr val="accent1"/>
+                </a:solidFill>
+              </a:rPr>
+              <a:t>4-bit </a:t>
+            </a:r>
+            <a:r>
+              <a:rPr lang="en-US" b="1" dirty="0"/>
+              <a:t>                                                              </a:t>
+            </a:r>
+            <a:r>
+              <a:rPr lang="en-US" b="1" u="sng" dirty="0"/>
+              <a:t> </a:t>
+            </a:r>
+            <a:r>
+              <a:rPr lang="en-US" b="1" u="sng" dirty="0">
+                <a:solidFill>
+                  <a:schemeClr val="accent1"/>
+                </a:solidFill>
+              </a:rPr>
+              <a:t>3-bit      </a:t>
+            </a:r>
+          </a:p>
+        </p:txBody>
+      </p:sp>
+      <p:graphicFrame>
+        <p:nvGraphicFramePr>
+          <p:cNvPr id="12" name="Object 11">
+            <a:extLst>
+              <a:ext uri="{FF2B5EF4-FFF2-40B4-BE49-F238E27FC236}">
+                <a16:creationId xmlns:a16="http://schemas.microsoft.com/office/drawing/2014/main" id="{1F7B7D33-47A2-6AA2-B084-0C177B22EC7E}"/>
+              </a:ext>
+            </a:extLst>
+          </p:cNvPr>
+          <p:cNvGraphicFramePr>
+            <a:graphicFrameLocks noChangeAspect="1"/>
+          </p:cNvGraphicFramePr>
+          <p:nvPr>
+            <p:extLst>
+              <p:ext uri="{D42A27DB-BD31-4B8C-83A1-F6EECF244321}">
+                <p14:modId xmlns:p14="http://schemas.microsoft.com/office/powerpoint/2010/main" val="288735854"/>
+              </p:ext>
+            </p:extLst>
+          </p:nvPr>
+        </p:nvGraphicFramePr>
+        <p:xfrm>
+          <a:off x="6406141" y="2493574"/>
+          <a:ext cx="2770094" cy="3559907"/>
+        </p:xfrm>
+        <a:graphic>
+          <a:graphicData uri="http://schemas.openxmlformats.org/presentationml/2006/ole">
+            <mc:AlternateContent xmlns:mc="http://schemas.openxmlformats.org/markup-compatibility/2006">
+              <mc:Choice xmlns:v="urn:schemas-microsoft-com:vml" Requires="v">
+                <p:oleObj name="Worksheet" r:id="rId2" imgW="3057440" imgH="1723937" progId="Excel.Sheet.12">
+                  <p:embed/>
+                </p:oleObj>
+              </mc:Choice>
+              <mc:Fallback>
+                <p:oleObj name="Worksheet" r:id="rId2" imgW="3057440" imgH="1723937" progId="Excel.Sheet.12">
+                  <p:embed/>
+                  <p:pic>
+                    <p:nvPicPr>
+                      <p:cNvPr id="0" name=""/>
+                      <p:cNvPicPr/>
+                      <p:nvPr/>
+                    </p:nvPicPr>
+                    <p:blipFill>
+                      <a:blip r:embed="rId3"/>
+                      <a:stretch>
+                        <a:fillRect/>
+                      </a:stretch>
+                    </p:blipFill>
+                    <p:spPr>
+                      <a:xfrm>
+                        <a:off x="6406141" y="2493574"/>
+                        <a:ext cx="2770094" cy="3559907"/>
+                      </a:xfrm>
+                      <a:prstGeom prst="rect">
+                        <a:avLst/>
+                      </a:prstGeom>
+                    </p:spPr>
+                  </p:pic>
+                </p:oleObj>
+              </mc:Fallback>
+            </mc:AlternateContent>
+          </a:graphicData>
+        </a:graphic>
+      </p:graphicFrame>
+      <p:graphicFrame>
+        <p:nvGraphicFramePr>
+          <p:cNvPr id="24" name="Object 23">
+            <a:extLst>
+              <a:ext uri="{FF2B5EF4-FFF2-40B4-BE49-F238E27FC236}">
+                <a16:creationId xmlns:a16="http://schemas.microsoft.com/office/drawing/2014/main" id="{ED31705A-77E6-C538-4E1F-8CC704394D71}"/>
+              </a:ext>
+            </a:extLst>
+          </p:cNvPr>
+          <p:cNvGraphicFramePr>
+            <a:graphicFrameLocks noChangeAspect="1"/>
+          </p:cNvGraphicFramePr>
+          <p:nvPr>
+            <p:extLst>
+              <p:ext uri="{D42A27DB-BD31-4B8C-83A1-F6EECF244321}">
+                <p14:modId xmlns:p14="http://schemas.microsoft.com/office/powerpoint/2010/main" val="4210481968"/>
+              </p:ext>
+            </p:extLst>
+          </p:nvPr>
+        </p:nvGraphicFramePr>
+        <p:xfrm>
+          <a:off x="875712" y="2544897"/>
+          <a:ext cx="3651810" cy="3716899"/>
+        </p:xfrm>
+        <a:graphic>
+          <a:graphicData uri="http://schemas.openxmlformats.org/presentationml/2006/ole">
+            <mc:AlternateContent xmlns:mc="http://schemas.openxmlformats.org/markup-compatibility/2006">
+              <mc:Choice xmlns:v="urn:schemas-microsoft-com:vml" Requires="v">
+                <p:oleObj name="Worksheet" r:id="rId4" imgW="2314615" imgH="3247877" progId="Excel.Sheet.12">
+                  <p:embed/>
+                </p:oleObj>
+              </mc:Choice>
+              <mc:Fallback>
+                <p:oleObj name="Worksheet" r:id="rId4" imgW="2314615" imgH="3247877" progId="Excel.Sheet.12">
+                  <p:embed/>
+                  <p:pic>
+                    <p:nvPicPr>
+                      <p:cNvPr id="0" name=""/>
+                      <p:cNvPicPr/>
+                      <p:nvPr/>
+                    </p:nvPicPr>
+                    <p:blipFill>
+                      <a:blip r:embed="rId5"/>
+                      <a:stretch>
+                        <a:fillRect/>
+                      </a:stretch>
+                    </p:blipFill>
+                    <p:spPr>
+                      <a:xfrm>
+                        <a:off x="875712" y="2544897"/>
+                        <a:ext cx="3651810" cy="3716899"/>
+                      </a:xfrm>
+                      <a:prstGeom prst="rect">
+                        <a:avLst/>
+                      </a:prstGeom>
+                    </p:spPr>
+                  </p:pic>
+                </p:oleObj>
+              </mc:Fallback>
+            </mc:AlternateContent>
+          </a:graphicData>
+        </a:graphic>
+      </p:graphicFrame>
     </p:spTree>
     <p:extLst>
       <p:ext uri="{BB962C8B-B14F-4D97-AF65-F5344CB8AC3E}">
-        <p14:creationId xmlns:p14="http://schemas.microsoft.com/office/powerpoint/2010/main" val="3199133845"/>
+        <p14:creationId xmlns:p14="http://schemas.microsoft.com/office/powerpoint/2010/main" val="710705226"/>
       </p:ext>
     </p:extLst>
   </p:cSld>
@@ -3626,7 +4103,7 @@
 </p:sld>
 </file>
 
-<file path=ppt/slides/slide4.xml><?xml version="1.0" encoding="utf-8"?>
+<file path=ppt/slides/slide12.xml><?xml version="1.0" encoding="utf-8"?>
 <p:sld xmlns:a="http://schemas.openxmlformats.org/drawingml/2006/main" xmlns:r="http://schemas.openxmlformats.org/officeDocument/2006/relationships" xmlns:p="http://schemas.openxmlformats.org/presentationml/2006/main">
   <p:cSld>
     <p:spTree>
@@ -3648,7 +4125,7 @@
           <p:cNvPr id="2" name="Title 1">
             <a:extLst>
               <a:ext uri="{FF2B5EF4-FFF2-40B4-BE49-F238E27FC236}">
-                <a16:creationId xmlns:a16="http://schemas.microsoft.com/office/drawing/2014/main" id="{4D77A12C-0EAD-3EF4-AB3F-383E2D5EAC81}"/>
+                <a16:creationId xmlns:a16="http://schemas.microsoft.com/office/drawing/2014/main" id="{9D0AACDC-9B9C-F29E-5953-165C61CABB06}"/>
               </a:ext>
             </a:extLst>
           </p:cNvPr>
@@ -3665,8 +4142,616 @@
           <a:lstStyle/>
           <a:p>
             <a:r>
+              <a:rPr lang="en-US" b="1" u="sng" dirty="0">
+                <a:solidFill>
+                  <a:schemeClr val="accent1"/>
+                </a:solidFill>
+              </a:rPr>
+              <a:t>5-BIT</a:t>
+            </a:r>
+          </a:p>
+        </p:txBody>
+      </p:sp>
+      <p:graphicFrame>
+        <p:nvGraphicFramePr>
+          <p:cNvPr id="3" name="Object 2">
+            <a:extLst>
+              <a:ext uri="{FF2B5EF4-FFF2-40B4-BE49-F238E27FC236}">
+                <a16:creationId xmlns:a16="http://schemas.microsoft.com/office/drawing/2014/main" id="{999ACF1F-6175-4CC8-EBAE-EEED2D7F9812}"/>
+              </a:ext>
+            </a:extLst>
+          </p:cNvPr>
+          <p:cNvGraphicFramePr>
+            <a:graphicFrameLocks noChangeAspect="1"/>
+          </p:cNvGraphicFramePr>
+          <p:nvPr>
+            <p:extLst>
+              <p:ext uri="{D42A27DB-BD31-4B8C-83A1-F6EECF244321}">
+                <p14:modId xmlns:p14="http://schemas.microsoft.com/office/powerpoint/2010/main" val="1678928388"/>
+              </p:ext>
+            </p:extLst>
+          </p:nvPr>
+        </p:nvGraphicFramePr>
+        <p:xfrm>
+          <a:off x="3051862" y="278250"/>
+          <a:ext cx="7543800" cy="5595378"/>
+        </p:xfrm>
+        <a:graphic>
+          <a:graphicData uri="http://schemas.openxmlformats.org/presentationml/2006/ole">
+            <mc:AlternateContent xmlns:mc="http://schemas.openxmlformats.org/markup-compatibility/2006">
+              <mc:Choice xmlns:v="urn:schemas-microsoft-com:vml" Requires="v">
+                <p:oleObj name="Worksheet" r:id="rId2" imgW="2067007" imgH="6296117" progId="Excel.Sheet.12">
+                  <p:embed/>
+                </p:oleObj>
+              </mc:Choice>
+              <mc:Fallback>
+                <p:oleObj name="Worksheet" r:id="rId2" imgW="2067007" imgH="6296117" progId="Excel.Sheet.12">
+                  <p:embed/>
+                  <p:pic>
+                    <p:nvPicPr>
+                      <p:cNvPr id="0" name=""/>
+                      <p:cNvPicPr/>
+                      <p:nvPr/>
+                    </p:nvPicPr>
+                    <p:blipFill>
+                      <a:blip r:embed="rId3"/>
+                      <a:stretch>
+                        <a:fillRect/>
+                      </a:stretch>
+                    </p:blipFill>
+                    <p:spPr>
+                      <a:xfrm>
+                        <a:off x="3051862" y="278250"/>
+                        <a:ext cx="7543800" cy="5595378"/>
+                      </a:xfrm>
+                      <a:prstGeom prst="rect">
+                        <a:avLst/>
+                      </a:prstGeom>
+                    </p:spPr>
+                  </p:pic>
+                </p:oleObj>
+              </mc:Fallback>
+            </mc:AlternateContent>
+          </a:graphicData>
+        </a:graphic>
+      </p:graphicFrame>
+    </p:spTree>
+    <p:extLst>
+      <p:ext uri="{BB962C8B-B14F-4D97-AF65-F5344CB8AC3E}">
+        <p14:creationId xmlns:p14="http://schemas.microsoft.com/office/powerpoint/2010/main" val="3412194151"/>
+      </p:ext>
+    </p:extLst>
+  </p:cSld>
+  <p:clrMapOvr>
+    <a:masterClrMapping/>
+  </p:clrMapOvr>
+</p:sld>
+</file>
+
+<file path=ppt/slides/slide13.xml><?xml version="1.0" encoding="utf-8"?>
+<p:sld xmlns:a="http://schemas.openxmlformats.org/drawingml/2006/main" xmlns:r="http://schemas.openxmlformats.org/officeDocument/2006/relationships" xmlns:p="http://schemas.openxmlformats.org/presentationml/2006/main">
+  <p:cSld>
+    <p:spTree>
+      <p:nvGrpSpPr>
+        <p:cNvPr id="1" name=""/>
+        <p:cNvGrpSpPr/>
+        <p:nvPr/>
+      </p:nvGrpSpPr>
+      <p:grpSpPr>
+        <a:xfrm>
+          <a:off x="0" y="0"/>
+          <a:ext cx="0" cy="0"/>
+          <a:chOff x="0" y="0"/>
+          <a:chExt cx="0" cy="0"/>
+        </a:xfrm>
+      </p:grpSpPr>
+      <p:sp>
+        <p:nvSpPr>
+          <p:cNvPr id="2" name="Title 1">
+            <a:extLst>
+              <a:ext uri="{FF2B5EF4-FFF2-40B4-BE49-F238E27FC236}">
+                <a16:creationId xmlns:a16="http://schemas.microsoft.com/office/drawing/2014/main" id="{4CAD5089-DB6E-B96B-456A-6BF9C2C8AC6B}"/>
+              </a:ext>
+            </a:extLst>
+          </p:cNvPr>
+          <p:cNvSpPr>
+            <a:spLocks noGrp="1"/>
+          </p:cNvSpPr>
+          <p:nvPr>
+            <p:ph type="title"/>
+          </p:nvPr>
+        </p:nvSpPr>
+        <p:spPr/>
+        <p:txBody>
+          <a:bodyPr/>
+          <a:lstStyle/>
+          <a:p>
+            <a:r>
               <a:rPr lang="en-US" dirty="0"/>
-              <a:t>APPLICATION OF PARITY</a:t>
+              <a:t>Parity checker</a:t>
+            </a:r>
+          </a:p>
+        </p:txBody>
+      </p:sp>
+      <p:sp>
+        <p:nvSpPr>
+          <p:cNvPr id="3" name="Content Placeholder 2">
+            <a:extLst>
+              <a:ext uri="{FF2B5EF4-FFF2-40B4-BE49-F238E27FC236}">
+                <a16:creationId xmlns:a16="http://schemas.microsoft.com/office/drawing/2014/main" id="{C7B36B07-EE24-A161-9920-D483C058D26F}"/>
+              </a:ext>
+            </a:extLst>
+          </p:cNvPr>
+          <p:cNvSpPr>
+            <a:spLocks noGrp="1"/>
+          </p:cNvSpPr>
+          <p:nvPr>
+            <p:ph idx="1"/>
+          </p:nvPr>
+        </p:nvSpPr>
+        <p:spPr/>
+        <p:txBody>
+          <a:bodyPr/>
+          <a:lstStyle/>
+          <a:p>
+            <a:pPr marL="0" indent="0">
+              <a:buNone/>
+            </a:pPr>
+            <a:r>
+              <a:rPr lang="en-US" dirty="0"/>
+              <a:t>A parity checker is a digital circuit used to verify whether the received data has maintained the correct parity—either even or odd—after transmission or storage. It operates using XOR logic to compare all the data bits, including the parity bit. In the case of even parity, the total number of 1s in the data should be even; if the checker output is 0, it means the data is correct, while an output of 1 indicates an error. For odd parity, the total number of 1s should be odd; here, an output of 1 shows correct data, and an output of 0 signals an error. This method effectively detects single-bit errors and is widely used in digital communication systems, memory units, and microcontroller-based circuits to ensure data accuracy and reliability.</a:t>
+            </a:r>
+          </a:p>
+        </p:txBody>
+      </p:sp>
+    </p:spTree>
+    <p:extLst>
+      <p:ext uri="{BB962C8B-B14F-4D97-AF65-F5344CB8AC3E}">
+        <p14:creationId xmlns:p14="http://schemas.microsoft.com/office/powerpoint/2010/main" val="4033576189"/>
+      </p:ext>
+    </p:extLst>
+  </p:cSld>
+  <p:clrMapOvr>
+    <a:masterClrMapping/>
+  </p:clrMapOvr>
+</p:sld>
+</file>
+
+<file path=ppt/slides/slide14.xml><?xml version="1.0" encoding="utf-8"?>
+<p:sld xmlns:a="http://schemas.openxmlformats.org/drawingml/2006/main" xmlns:r="http://schemas.openxmlformats.org/officeDocument/2006/relationships" xmlns:p="http://schemas.openxmlformats.org/presentationml/2006/main">
+  <p:cSld>
+    <p:spTree>
+      <p:nvGrpSpPr>
+        <p:cNvPr id="1" name=""/>
+        <p:cNvGrpSpPr/>
+        <p:nvPr/>
+      </p:nvGrpSpPr>
+      <p:grpSpPr>
+        <a:xfrm>
+          <a:off x="0" y="0"/>
+          <a:ext cx="0" cy="0"/>
+          <a:chOff x="0" y="0"/>
+          <a:chExt cx="0" cy="0"/>
+        </a:xfrm>
+      </p:grpSpPr>
+      <p:pic>
+        <p:nvPicPr>
+          <p:cNvPr id="3" name="Picture 2">
+            <a:extLst>
+              <a:ext uri="{FF2B5EF4-FFF2-40B4-BE49-F238E27FC236}">
+                <a16:creationId xmlns:a16="http://schemas.microsoft.com/office/drawing/2014/main" id="{3E21FC47-79BD-A30C-C831-1B265D78D268}"/>
+              </a:ext>
+            </a:extLst>
+          </p:cNvPr>
+          <p:cNvPicPr>
+            <a:picLocks noChangeAspect="1"/>
+          </p:cNvPicPr>
+          <p:nvPr/>
+        </p:nvPicPr>
+        <p:blipFill>
+          <a:blip r:embed="rId2">
+            <a:extLst>
+              <a:ext uri="{28A0092B-C50C-407E-A947-70E740481C1C}">
+                <a14:useLocalDpi xmlns:a14="http://schemas.microsoft.com/office/drawing/2010/main" val="0"/>
+              </a:ext>
+            </a:extLst>
+          </a:blip>
+          <a:stretch>
+            <a:fillRect/>
+          </a:stretch>
+        </p:blipFill>
+        <p:spPr>
+          <a:xfrm>
+            <a:off x="609600" y="281354"/>
+            <a:ext cx="10972800" cy="5845126"/>
+          </a:xfrm>
+          <a:prstGeom prst="rect">
+            <a:avLst/>
+          </a:prstGeom>
+        </p:spPr>
+      </p:pic>
+    </p:spTree>
+    <p:extLst>
+      <p:ext uri="{BB962C8B-B14F-4D97-AF65-F5344CB8AC3E}">
+        <p14:creationId xmlns:p14="http://schemas.microsoft.com/office/powerpoint/2010/main" val="3555161834"/>
+      </p:ext>
+    </p:extLst>
+  </p:cSld>
+  <p:clrMapOvr>
+    <a:masterClrMapping/>
+  </p:clrMapOvr>
+</p:sld>
+</file>
+
+<file path=ppt/slides/slide15.xml><?xml version="1.0" encoding="utf-8"?>
+<p:sld xmlns:a="http://schemas.openxmlformats.org/drawingml/2006/main" xmlns:r="http://schemas.openxmlformats.org/officeDocument/2006/relationships" xmlns:p="http://schemas.openxmlformats.org/presentationml/2006/main">
+  <p:cSld>
+    <p:spTree>
+      <p:nvGrpSpPr>
+        <p:cNvPr id="1" name=""/>
+        <p:cNvGrpSpPr/>
+        <p:nvPr/>
+      </p:nvGrpSpPr>
+      <p:grpSpPr>
+        <a:xfrm>
+          <a:off x="0" y="0"/>
+          <a:ext cx="0" cy="0"/>
+          <a:chOff x="0" y="0"/>
+          <a:chExt cx="0" cy="0"/>
+        </a:xfrm>
+      </p:grpSpPr>
+      <p:sp>
+        <p:nvSpPr>
+          <p:cNvPr id="2" name="Title 1">
+            <a:extLst>
+              <a:ext uri="{FF2B5EF4-FFF2-40B4-BE49-F238E27FC236}">
+                <a16:creationId xmlns:a16="http://schemas.microsoft.com/office/drawing/2014/main" id="{17650FEF-9A47-B688-1C36-3D25454C404D}"/>
+              </a:ext>
+            </a:extLst>
+          </p:cNvPr>
+          <p:cNvSpPr>
+            <a:spLocks noGrp="1"/>
+          </p:cNvSpPr>
+          <p:nvPr>
+            <p:ph type="title"/>
+          </p:nvPr>
+        </p:nvSpPr>
+        <p:spPr/>
+        <p:txBody>
+          <a:bodyPr/>
+          <a:lstStyle/>
+          <a:p>
+            <a:r>
+              <a:rPr lang="en-US" dirty="0"/>
+              <a:t>Circuit diagram – odd parity checker.</a:t>
+            </a:r>
+          </a:p>
+        </p:txBody>
+      </p:sp>
+      <p:pic>
+        <p:nvPicPr>
+          <p:cNvPr id="4" name="Picture 3">
+            <a:extLst>
+              <a:ext uri="{FF2B5EF4-FFF2-40B4-BE49-F238E27FC236}">
+                <a16:creationId xmlns:a16="http://schemas.microsoft.com/office/drawing/2014/main" id="{70C76989-2494-256E-CC1E-521452C5DE7B}"/>
+              </a:ext>
+            </a:extLst>
+          </p:cNvPr>
+          <p:cNvPicPr>
+            <a:picLocks noChangeAspect="1"/>
+          </p:cNvPicPr>
+          <p:nvPr/>
+        </p:nvPicPr>
+        <p:blipFill>
+          <a:blip r:embed="rId2">
+            <a:extLst>
+              <a:ext uri="{28A0092B-C50C-407E-A947-70E740481C1C}">
+                <a14:useLocalDpi xmlns:a14="http://schemas.microsoft.com/office/drawing/2010/main" val="0"/>
+              </a:ext>
+            </a:extLst>
+          </a:blip>
+          <a:stretch>
+            <a:fillRect/>
+          </a:stretch>
+        </p:blipFill>
+        <p:spPr>
+          <a:xfrm>
+            <a:off x="618978" y="1690687"/>
+            <a:ext cx="9777047" cy="4802187"/>
+          </a:xfrm>
+          <a:prstGeom prst="rect">
+            <a:avLst/>
+          </a:prstGeom>
+        </p:spPr>
+      </p:pic>
+    </p:spTree>
+    <p:extLst>
+      <p:ext uri="{BB962C8B-B14F-4D97-AF65-F5344CB8AC3E}">
+        <p14:creationId xmlns:p14="http://schemas.microsoft.com/office/powerpoint/2010/main" val="1527276334"/>
+      </p:ext>
+    </p:extLst>
+  </p:cSld>
+  <p:clrMapOvr>
+    <a:masterClrMapping/>
+  </p:clrMapOvr>
+</p:sld>
+</file>
+
+<file path=ppt/slides/slide16.xml><?xml version="1.0" encoding="utf-8"?>
+<p:sld xmlns:a="http://schemas.openxmlformats.org/drawingml/2006/main" xmlns:r="http://schemas.openxmlformats.org/officeDocument/2006/relationships" xmlns:p="http://schemas.openxmlformats.org/presentationml/2006/main">
+  <p:cSld>
+    <p:spTree>
+      <p:nvGrpSpPr>
+        <p:cNvPr id="1" name=""/>
+        <p:cNvGrpSpPr/>
+        <p:nvPr/>
+      </p:nvGrpSpPr>
+      <p:grpSpPr>
+        <a:xfrm>
+          <a:off x="0" y="0"/>
+          <a:ext cx="0" cy="0"/>
+          <a:chOff x="0" y="0"/>
+          <a:chExt cx="0" cy="0"/>
+        </a:xfrm>
+      </p:grpSpPr>
+      <p:sp>
+        <p:nvSpPr>
+          <p:cNvPr id="2" name="Title 1">
+            <a:extLst>
+              <a:ext uri="{FF2B5EF4-FFF2-40B4-BE49-F238E27FC236}">
+                <a16:creationId xmlns:a16="http://schemas.microsoft.com/office/drawing/2014/main" id="{4494045E-E2C6-7FFF-1023-F0E67E947A73}"/>
+              </a:ext>
+            </a:extLst>
+          </p:cNvPr>
+          <p:cNvSpPr>
+            <a:spLocks noGrp="1"/>
+          </p:cNvSpPr>
+          <p:nvPr>
+            <p:ph type="title"/>
+          </p:nvPr>
+        </p:nvSpPr>
+        <p:spPr/>
+        <p:txBody>
+          <a:bodyPr/>
+          <a:lstStyle/>
+          <a:p>
+            <a:r>
+              <a:rPr lang="en-US" dirty="0"/>
+              <a:t>Simulink Parity checker.</a:t>
+            </a:r>
+          </a:p>
+        </p:txBody>
+      </p:sp>
+      <p:pic>
+        <p:nvPicPr>
+          <p:cNvPr id="4" name="Picture 3">
+            <a:extLst>
+              <a:ext uri="{FF2B5EF4-FFF2-40B4-BE49-F238E27FC236}">
+                <a16:creationId xmlns:a16="http://schemas.microsoft.com/office/drawing/2014/main" id="{AA6F6AA7-F405-4E7C-4F4F-B7C5067A5067}"/>
+              </a:ext>
+            </a:extLst>
+          </p:cNvPr>
+          <p:cNvPicPr>
+            <a:picLocks noChangeAspect="1"/>
+          </p:cNvPicPr>
+          <p:nvPr/>
+        </p:nvPicPr>
+        <p:blipFill>
+          <a:blip r:embed="rId2">
+            <a:extLst>
+              <a:ext uri="{28A0092B-C50C-407E-A947-70E740481C1C}">
+                <a14:useLocalDpi xmlns:a14="http://schemas.microsoft.com/office/drawing/2010/main" val="0"/>
+              </a:ext>
+            </a:extLst>
+          </a:blip>
+          <a:stretch>
+            <a:fillRect/>
+          </a:stretch>
+        </p:blipFill>
+        <p:spPr>
+          <a:xfrm>
+            <a:off x="822933" y="1331259"/>
+            <a:ext cx="9827138" cy="5525067"/>
+          </a:xfrm>
+          <a:prstGeom prst="rect">
+            <a:avLst/>
+          </a:prstGeom>
+        </p:spPr>
+      </p:pic>
+    </p:spTree>
+    <p:extLst>
+      <p:ext uri="{BB962C8B-B14F-4D97-AF65-F5344CB8AC3E}">
+        <p14:creationId xmlns:p14="http://schemas.microsoft.com/office/powerpoint/2010/main" val="3193059610"/>
+      </p:ext>
+    </p:extLst>
+  </p:cSld>
+  <p:clrMapOvr>
+    <a:masterClrMapping/>
+  </p:clrMapOvr>
+</p:sld>
+</file>
+
+<file path=ppt/slides/slide17.xml><?xml version="1.0" encoding="utf-8"?>
+<p:sld xmlns:a="http://schemas.openxmlformats.org/drawingml/2006/main" xmlns:r="http://schemas.openxmlformats.org/officeDocument/2006/relationships" xmlns:p="http://schemas.openxmlformats.org/presentationml/2006/main">
+  <p:cSld>
+    <p:spTree>
+      <p:nvGrpSpPr>
+        <p:cNvPr id="1" name=""/>
+        <p:cNvGrpSpPr/>
+        <p:nvPr/>
+      </p:nvGrpSpPr>
+      <p:grpSpPr>
+        <a:xfrm>
+          <a:off x="0" y="0"/>
+          <a:ext cx="0" cy="0"/>
+          <a:chOff x="0" y="0"/>
+          <a:chExt cx="0" cy="0"/>
+        </a:xfrm>
+      </p:grpSpPr>
+      <p:sp>
+        <p:nvSpPr>
+          <p:cNvPr id="2" name="Title 1">
+            <a:extLst>
+              <a:ext uri="{FF2B5EF4-FFF2-40B4-BE49-F238E27FC236}">
+                <a16:creationId xmlns:a16="http://schemas.microsoft.com/office/drawing/2014/main" id="{7D21C159-7275-3F77-85B9-241924B8E485}"/>
+              </a:ext>
+            </a:extLst>
+          </p:cNvPr>
+          <p:cNvSpPr>
+            <a:spLocks noGrp="1"/>
+          </p:cNvSpPr>
+          <p:nvPr>
+            <p:ph type="title"/>
+          </p:nvPr>
+        </p:nvSpPr>
+        <p:spPr/>
+        <p:txBody>
+          <a:bodyPr/>
+          <a:lstStyle/>
+          <a:p>
+            <a:r>
+              <a:rPr lang="en-US" dirty="0"/>
+              <a:t>Limitations of parity.</a:t>
+            </a:r>
+          </a:p>
+        </p:txBody>
+      </p:sp>
+      <p:sp>
+        <p:nvSpPr>
+          <p:cNvPr id="3" name="Content Placeholder 2">
+            <a:extLst>
+              <a:ext uri="{FF2B5EF4-FFF2-40B4-BE49-F238E27FC236}">
+                <a16:creationId xmlns:a16="http://schemas.microsoft.com/office/drawing/2014/main" id="{7CE836AF-652E-6E9D-7D50-F3A858A0A251}"/>
+              </a:ext>
+            </a:extLst>
+          </p:cNvPr>
+          <p:cNvSpPr>
+            <a:spLocks noGrp="1"/>
+          </p:cNvSpPr>
+          <p:nvPr>
+            <p:ph idx="1"/>
+          </p:nvPr>
+        </p:nvSpPr>
+        <p:spPr/>
+        <p:txBody>
+          <a:bodyPr/>
+          <a:lstStyle/>
+          <a:p>
+            <a:pPr marL="514350" indent="-514350">
+              <a:buFont typeface="+mj-lt"/>
+              <a:buAutoNum type="romanUcPeriod"/>
+            </a:pPr>
+            <a:r>
+              <a:rPr lang="en-US" dirty="0"/>
+              <a:t>Parity checking can only detect single-bit errors.</a:t>
+            </a:r>
+          </a:p>
+          <a:p>
+            <a:pPr marL="514350" indent="-514350">
+              <a:buFont typeface="+mj-lt"/>
+              <a:buAutoNum type="romanUcPeriod"/>
+            </a:pPr>
+            <a:r>
+              <a:rPr lang="en-US" dirty="0"/>
+              <a:t>It cannot detect errors that occur in two or more bits (even number of errors).</a:t>
+            </a:r>
+          </a:p>
+          <a:p>
+            <a:pPr marL="514350" indent="-514350">
+              <a:buFont typeface="+mj-lt"/>
+              <a:buAutoNum type="romanUcPeriod"/>
+            </a:pPr>
+            <a:r>
+              <a:rPr lang="en-US" dirty="0"/>
+              <a:t>It cannot correct any detected error — it only signals that an error exists.</a:t>
+            </a:r>
+          </a:p>
+          <a:p>
+            <a:pPr marL="514350" indent="-514350">
+              <a:buFont typeface="+mj-lt"/>
+              <a:buAutoNum type="romanUcPeriod"/>
+            </a:pPr>
+            <a:r>
+              <a:rPr lang="en-US" dirty="0"/>
+              <a:t>It requires an extra parity bit, increasing data size slightly.</a:t>
+            </a:r>
+          </a:p>
+          <a:p>
+            <a:pPr marL="514350" indent="-514350">
+              <a:buFont typeface="+mj-lt"/>
+              <a:buAutoNum type="romanUcPeriod"/>
+            </a:pPr>
+            <a:r>
+              <a:rPr lang="en-US" dirty="0"/>
+              <a:t>It is not reliable for data transmitted over noisy channels.</a:t>
+            </a:r>
+          </a:p>
+          <a:p>
+            <a:pPr marL="514350" indent="-514350">
+              <a:buFont typeface="+mj-lt"/>
+              <a:buAutoNum type="romanUcPeriod"/>
+            </a:pPr>
+            <a:r>
+              <a:rPr lang="en-US" dirty="0"/>
+              <a:t>It is inefficient for large data blocks, where better error detection methods are preferred.</a:t>
+            </a:r>
+          </a:p>
+        </p:txBody>
+      </p:sp>
+    </p:spTree>
+    <p:extLst>
+      <p:ext uri="{BB962C8B-B14F-4D97-AF65-F5344CB8AC3E}">
+        <p14:creationId xmlns:p14="http://schemas.microsoft.com/office/powerpoint/2010/main" val="1375973344"/>
+      </p:ext>
+    </p:extLst>
+  </p:cSld>
+  <p:clrMapOvr>
+    <a:masterClrMapping/>
+  </p:clrMapOvr>
+</p:sld>
+</file>
+
+<file path=ppt/slides/slide18.xml><?xml version="1.0" encoding="utf-8"?>
+<p:sld xmlns:a="http://schemas.openxmlformats.org/drawingml/2006/main" xmlns:r="http://schemas.openxmlformats.org/officeDocument/2006/relationships" xmlns:p="http://schemas.openxmlformats.org/presentationml/2006/main">
+  <p:cSld>
+    <p:spTree>
+      <p:nvGrpSpPr>
+        <p:cNvPr id="1" name=""/>
+        <p:cNvGrpSpPr/>
+        <p:nvPr/>
+      </p:nvGrpSpPr>
+      <p:grpSpPr>
+        <a:xfrm>
+          <a:off x="0" y="0"/>
+          <a:ext cx="0" cy="0"/>
+          <a:chOff x="0" y="0"/>
+          <a:chExt cx="0" cy="0"/>
+        </a:xfrm>
+      </p:grpSpPr>
+      <p:sp>
+        <p:nvSpPr>
+          <p:cNvPr id="2" name="Title 1">
+            <a:extLst>
+              <a:ext uri="{FF2B5EF4-FFF2-40B4-BE49-F238E27FC236}">
+                <a16:creationId xmlns:a16="http://schemas.microsoft.com/office/drawing/2014/main" id="{CFC293C8-3FFF-45DF-E87D-3D273E490B31}"/>
+              </a:ext>
+            </a:extLst>
+          </p:cNvPr>
+          <p:cNvSpPr>
+            <a:spLocks noGrp="1"/>
+          </p:cNvSpPr>
+          <p:nvPr>
+            <p:ph type="title"/>
+          </p:nvPr>
+        </p:nvSpPr>
+        <p:spPr/>
+        <p:txBody>
+          <a:bodyPr/>
+          <a:lstStyle/>
+          <a:p>
+            <a:r>
+              <a:rPr lang="en-US" dirty="0"/>
+              <a:t>Other error detection schemes.</a:t>
             </a:r>
           </a:p>
         </p:txBody>
@@ -3676,7 +4761,7 @@
           <p:cNvPr id="4" name="Rectangle 1">
             <a:extLst>
               <a:ext uri="{FF2B5EF4-FFF2-40B4-BE49-F238E27FC236}">
-                <a16:creationId xmlns:a16="http://schemas.microsoft.com/office/drawing/2014/main" id="{335B29A1-B01F-8314-BFDD-125AD2B7CCED}"/>
+                <a16:creationId xmlns:a16="http://schemas.microsoft.com/office/drawing/2014/main" id="{2F5E1C76-A2F8-BAAE-D393-0E66F1A834C2}"/>
               </a:ext>
             </a:extLst>
           </p:cNvPr>
@@ -3689,8 +4774,8 @@
         </p:nvSpPr>
         <p:spPr bwMode="auto">
           <a:xfrm>
-            <a:off x="838200" y="2108468"/>
-            <a:ext cx="11787201" cy="3785652"/>
+            <a:off x="1763811" y="2171380"/>
+            <a:ext cx="9655272" cy="3139321"/>
           </a:xfrm>
           <a:prstGeom prst="rect">
             <a:avLst/>
@@ -3738,6 +4823,730 @@
           </a:bodyPr>
           <a:lstStyle/>
           <a:p>
+            <a:pPr marL="342900" marR="0" lvl="0" indent="-342900" algn="just" defTabSz="914400" rtl="0" eaLnBrk="0" fontAlgn="base" latinLnBrk="0" hangingPunct="0">
+              <a:lnSpc>
+                <a:spcPct val="100000"/>
+              </a:lnSpc>
+              <a:spcBef>
+                <a:spcPct val="0"/>
+              </a:spcBef>
+              <a:spcAft>
+                <a:spcPct val="0"/>
+              </a:spcAft>
+              <a:buClrTx/>
+              <a:buSzTx/>
+              <a:buFont typeface="+mj-lt"/>
+              <a:buAutoNum type="arabicPeriod"/>
+              <a:tabLst/>
+            </a:pPr>
+            <a:r>
+              <a:rPr kumimoji="0" lang="en-US" altLang="en-US" sz="1800" i="0" u="none" strike="noStrike" cap="none" normalizeH="0" baseline="0" dirty="0">
+                <a:ln>
+                  <a:noFill/>
+                </a:ln>
+                <a:effectLst/>
+                <a:latin typeface="Times New Roman" panose="02020603050405020304" pitchFamily="18" charset="0"/>
+                <a:cs typeface="Times New Roman" panose="02020603050405020304" pitchFamily="18" charset="0"/>
+              </a:rPr>
+              <a:t>Checksum method – Detects errors by adding all data bytes and comparing the sum at the receiver.</a:t>
+            </a:r>
+          </a:p>
+          <a:p>
+            <a:pPr marL="342900" marR="0" lvl="0" indent="-342900" algn="just" defTabSz="914400" rtl="0" eaLnBrk="0" fontAlgn="base" latinLnBrk="0" hangingPunct="0">
+              <a:lnSpc>
+                <a:spcPct val="100000"/>
+              </a:lnSpc>
+              <a:spcBef>
+                <a:spcPct val="0"/>
+              </a:spcBef>
+              <a:spcAft>
+                <a:spcPct val="0"/>
+              </a:spcAft>
+              <a:buClrTx/>
+              <a:buSzTx/>
+              <a:buFont typeface="+mj-lt"/>
+              <a:buAutoNum type="arabicPeriod"/>
+              <a:tabLst/>
+            </a:pPr>
+            <a:r>
+              <a:rPr kumimoji="0" lang="en-US" altLang="en-US" sz="1800" i="0" u="none" strike="noStrike" cap="none" normalizeH="0" baseline="0" dirty="0">
+                <a:ln>
+                  <a:noFill/>
+                </a:ln>
+                <a:effectLst/>
+                <a:latin typeface="Times New Roman" panose="02020603050405020304" pitchFamily="18" charset="0"/>
+                <a:cs typeface="Times New Roman" panose="02020603050405020304" pitchFamily="18" charset="0"/>
+              </a:rPr>
+              <a:t>Cyclic Redundancy Check (CRC) –</a:t>
+            </a:r>
+          </a:p>
+          <a:p>
+            <a:pPr marL="0" marR="0" lvl="0" indent="0" algn="just" defTabSz="914400" rtl="0" eaLnBrk="0" fontAlgn="base" latinLnBrk="0" hangingPunct="0">
+              <a:lnSpc>
+                <a:spcPct val="100000"/>
+              </a:lnSpc>
+              <a:spcBef>
+                <a:spcPct val="0"/>
+              </a:spcBef>
+              <a:spcAft>
+                <a:spcPct val="0"/>
+              </a:spcAft>
+              <a:buClrTx/>
+              <a:buSzTx/>
+              <a:buNone/>
+              <a:tabLst/>
+            </a:pPr>
+            <a:r>
+              <a:rPr kumimoji="0" lang="en-US" altLang="en-US" sz="1800" i="0" u="none" strike="noStrike" cap="none" normalizeH="0" baseline="0" dirty="0">
+                <a:ln>
+                  <a:noFill/>
+                </a:ln>
+                <a:effectLst/>
+                <a:latin typeface="Times New Roman" panose="02020603050405020304" pitchFamily="18" charset="0"/>
+                <a:cs typeface="Times New Roman" panose="02020603050405020304" pitchFamily="18" charset="0"/>
+              </a:rPr>
+              <a:t>Uses polynomial division to detect burst and multiple-bit errors.</a:t>
+            </a:r>
+          </a:p>
+          <a:p>
+            <a:pPr marL="0" marR="0" lvl="0" indent="0" algn="just" defTabSz="914400" rtl="0" eaLnBrk="0" fontAlgn="base" latinLnBrk="0" hangingPunct="0">
+              <a:lnSpc>
+                <a:spcPct val="100000"/>
+              </a:lnSpc>
+              <a:spcBef>
+                <a:spcPct val="0"/>
+              </a:spcBef>
+              <a:spcAft>
+                <a:spcPct val="0"/>
+              </a:spcAft>
+              <a:buClrTx/>
+              <a:buSzTx/>
+              <a:buNone/>
+              <a:tabLst/>
+            </a:pPr>
+            <a:r>
+              <a:rPr kumimoji="0" lang="en-US" altLang="en-US" sz="1800" i="0" u="none" strike="noStrike" cap="none" normalizeH="0" baseline="0" dirty="0">
+                <a:ln>
+                  <a:noFill/>
+                </a:ln>
+                <a:effectLst/>
+                <a:latin typeface="Times New Roman" panose="02020603050405020304" pitchFamily="18" charset="0"/>
+                <a:cs typeface="Times New Roman" panose="02020603050405020304" pitchFamily="18" charset="0"/>
+              </a:rPr>
+              <a:t>3.  Hamming code – Detects and corrects single-bit errors and detects double-bit errors.</a:t>
+            </a:r>
+          </a:p>
+          <a:p>
+            <a:pPr marL="0" marR="0" lvl="0" indent="0" algn="just" defTabSz="914400" rtl="0" eaLnBrk="0" fontAlgn="base" latinLnBrk="0" hangingPunct="0">
+              <a:lnSpc>
+                <a:spcPct val="100000"/>
+              </a:lnSpc>
+              <a:spcBef>
+                <a:spcPct val="0"/>
+              </a:spcBef>
+              <a:spcAft>
+                <a:spcPct val="0"/>
+              </a:spcAft>
+              <a:buClrTx/>
+              <a:buSzTx/>
+              <a:buNone/>
+              <a:tabLst/>
+            </a:pPr>
+            <a:r>
+              <a:rPr kumimoji="0" lang="en-US" altLang="en-US" sz="1800" i="0" u="none" strike="noStrike" cap="none" normalizeH="0" baseline="0" dirty="0">
+                <a:ln>
+                  <a:noFill/>
+                </a:ln>
+                <a:effectLst/>
+                <a:latin typeface="Times New Roman" panose="02020603050405020304" pitchFamily="18" charset="0"/>
+                <a:cs typeface="Times New Roman" panose="02020603050405020304" pitchFamily="18" charset="0"/>
+              </a:rPr>
+              <a:t>4.  Longitudinal Redundancy Check (LRC) –</a:t>
+            </a:r>
+          </a:p>
+          <a:p>
+            <a:pPr marL="0" marR="0" lvl="0" indent="0" algn="just" defTabSz="914400" rtl="0" eaLnBrk="0" fontAlgn="base" latinLnBrk="0" hangingPunct="0">
+              <a:lnSpc>
+                <a:spcPct val="100000"/>
+              </a:lnSpc>
+              <a:spcBef>
+                <a:spcPct val="0"/>
+              </a:spcBef>
+              <a:spcAft>
+                <a:spcPct val="0"/>
+              </a:spcAft>
+              <a:buClrTx/>
+              <a:buSzTx/>
+              <a:buNone/>
+              <a:tabLst/>
+            </a:pPr>
+            <a:r>
+              <a:rPr kumimoji="0" lang="en-US" altLang="en-US" sz="1800" i="0" u="none" strike="noStrike" cap="none" normalizeH="0" baseline="0" dirty="0">
+                <a:ln>
+                  <a:noFill/>
+                </a:ln>
+                <a:effectLst/>
+                <a:latin typeface="Times New Roman" panose="02020603050405020304" pitchFamily="18" charset="0"/>
+                <a:cs typeface="Times New Roman" panose="02020603050405020304" pitchFamily="18" charset="0"/>
+              </a:rPr>
+              <a:t>Computes parity across data blocks (column-wise).</a:t>
+            </a:r>
+          </a:p>
+          <a:p>
+            <a:pPr marL="0" marR="0" lvl="0" indent="0" algn="just" defTabSz="914400" rtl="0" eaLnBrk="0" fontAlgn="base" latinLnBrk="0" hangingPunct="0">
+              <a:lnSpc>
+                <a:spcPct val="100000"/>
+              </a:lnSpc>
+              <a:spcBef>
+                <a:spcPct val="0"/>
+              </a:spcBef>
+              <a:spcAft>
+                <a:spcPct val="0"/>
+              </a:spcAft>
+              <a:buClrTx/>
+              <a:buSzTx/>
+              <a:buNone/>
+              <a:tabLst/>
+            </a:pPr>
+            <a:r>
+              <a:rPr kumimoji="0" lang="en-US" altLang="en-US" sz="1800" i="0" u="none" strike="noStrike" cap="none" normalizeH="0" baseline="0" dirty="0">
+                <a:ln>
+                  <a:noFill/>
+                </a:ln>
+                <a:effectLst/>
+                <a:latin typeface="Times New Roman" panose="02020603050405020304" pitchFamily="18" charset="0"/>
+                <a:cs typeface="Times New Roman" panose="02020603050405020304" pitchFamily="18" charset="0"/>
+              </a:rPr>
+              <a:t>5.  Vertical Redundancy Check (VRC) – </a:t>
+            </a:r>
+          </a:p>
+          <a:p>
+            <a:pPr marL="0" marR="0" lvl="0" indent="0" algn="just" defTabSz="914400" rtl="0" eaLnBrk="0" fontAlgn="base" latinLnBrk="0" hangingPunct="0">
+              <a:lnSpc>
+                <a:spcPct val="100000"/>
+              </a:lnSpc>
+              <a:spcBef>
+                <a:spcPct val="0"/>
+              </a:spcBef>
+              <a:spcAft>
+                <a:spcPct val="0"/>
+              </a:spcAft>
+              <a:buClrTx/>
+              <a:buSzTx/>
+              <a:buNone/>
+              <a:tabLst/>
+            </a:pPr>
+            <a:r>
+              <a:rPr kumimoji="0" lang="en-US" altLang="en-US" sz="1800" i="0" u="none" strike="noStrike" cap="none" normalizeH="0" baseline="0" dirty="0">
+                <a:ln>
+                  <a:noFill/>
+                </a:ln>
+                <a:effectLst/>
+                <a:latin typeface="Times New Roman" panose="02020603050405020304" pitchFamily="18" charset="0"/>
+                <a:cs typeface="Times New Roman" panose="02020603050405020304" pitchFamily="18" charset="0"/>
+              </a:rPr>
+              <a:t>Adds a single parity bit to each data word.</a:t>
+            </a:r>
+          </a:p>
+          <a:p>
+            <a:pPr marL="0" marR="0" lvl="0" indent="0" algn="just" defTabSz="914400" rtl="0" eaLnBrk="0" fontAlgn="base" latinLnBrk="0" hangingPunct="0">
+              <a:lnSpc>
+                <a:spcPct val="100000"/>
+              </a:lnSpc>
+              <a:spcBef>
+                <a:spcPct val="0"/>
+              </a:spcBef>
+              <a:spcAft>
+                <a:spcPct val="0"/>
+              </a:spcAft>
+              <a:buClrTx/>
+              <a:buSzTx/>
+              <a:buNone/>
+              <a:tabLst/>
+            </a:pPr>
+            <a:r>
+              <a:rPr kumimoji="0" lang="en-US" altLang="en-US" sz="1800" i="0" u="none" strike="noStrike" cap="none" normalizeH="0" baseline="0" dirty="0">
+                <a:ln>
+                  <a:noFill/>
+                </a:ln>
+                <a:effectLst/>
+                <a:latin typeface="Times New Roman" panose="02020603050405020304" pitchFamily="18" charset="0"/>
+                <a:cs typeface="Times New Roman" panose="02020603050405020304" pitchFamily="18" charset="0"/>
+              </a:rPr>
+              <a:t>6.  Block Parity (Two-dimensional Parity) – </a:t>
+            </a:r>
+          </a:p>
+          <a:p>
+            <a:pPr marL="0" marR="0" lvl="0" indent="0" algn="just" defTabSz="914400" rtl="0" eaLnBrk="0" fontAlgn="base" latinLnBrk="0" hangingPunct="0">
+              <a:lnSpc>
+                <a:spcPct val="100000"/>
+              </a:lnSpc>
+              <a:spcBef>
+                <a:spcPct val="0"/>
+              </a:spcBef>
+              <a:spcAft>
+                <a:spcPct val="0"/>
+              </a:spcAft>
+              <a:buClrTx/>
+              <a:buSzTx/>
+              <a:buNone/>
+              <a:tabLst/>
+            </a:pPr>
+            <a:r>
+              <a:rPr kumimoji="0" lang="en-US" altLang="en-US" sz="1800" i="0" u="none" strike="noStrike" cap="none" normalizeH="0" baseline="0" dirty="0">
+                <a:ln>
+                  <a:noFill/>
+                </a:ln>
+                <a:effectLst/>
+                <a:latin typeface="Times New Roman" panose="02020603050405020304" pitchFamily="18" charset="0"/>
+                <a:cs typeface="Times New Roman" panose="02020603050405020304" pitchFamily="18" charset="0"/>
+              </a:rPr>
+              <a:t>Combines row and column parity to detect and locate single-bit errors.</a:t>
+            </a:r>
+          </a:p>
+          <a:p>
+            <a:pPr marL="0" marR="0" lvl="0" indent="0" algn="l" defTabSz="914400" rtl="0" eaLnBrk="0" fontAlgn="base" latinLnBrk="0" hangingPunct="0">
+              <a:lnSpc>
+                <a:spcPct val="100000"/>
+              </a:lnSpc>
+              <a:spcBef>
+                <a:spcPct val="0"/>
+              </a:spcBef>
+              <a:spcAft>
+                <a:spcPct val="0"/>
+              </a:spcAft>
+              <a:buClrTx/>
+              <a:buSzTx/>
+              <a:buNone/>
+              <a:tabLst/>
+            </a:pPr>
+            <a:endParaRPr kumimoji="0" lang="en-US" altLang="en-US" sz="1800" b="0" i="0" u="none" strike="noStrike" cap="none" normalizeH="0" baseline="0" dirty="0">
+              <a:ln>
+                <a:noFill/>
+              </a:ln>
+              <a:solidFill>
+                <a:schemeClr val="tx1"/>
+              </a:solidFill>
+              <a:effectLst/>
+              <a:latin typeface="Arial" panose="020B0604020202020204" pitchFamily="34" charset="0"/>
+            </a:endParaRPr>
+          </a:p>
+        </p:txBody>
+      </p:sp>
+    </p:spTree>
+    <p:extLst>
+      <p:ext uri="{BB962C8B-B14F-4D97-AF65-F5344CB8AC3E}">
+        <p14:creationId xmlns:p14="http://schemas.microsoft.com/office/powerpoint/2010/main" val="2294985785"/>
+      </p:ext>
+    </p:extLst>
+  </p:cSld>
+  <p:clrMapOvr>
+    <a:masterClrMapping/>
+  </p:clrMapOvr>
+</p:sld>
+</file>
+
+<file path=ppt/slides/slide19.xml><?xml version="1.0" encoding="utf-8"?>
+<p:sld xmlns:a="http://schemas.openxmlformats.org/drawingml/2006/main" xmlns:r="http://schemas.openxmlformats.org/officeDocument/2006/relationships" xmlns:p="http://schemas.openxmlformats.org/presentationml/2006/main">
+  <p:cSld>
+    <p:spTree>
+      <p:nvGrpSpPr>
+        <p:cNvPr id="1" name=""/>
+        <p:cNvGrpSpPr/>
+        <p:nvPr/>
+      </p:nvGrpSpPr>
+      <p:grpSpPr>
+        <a:xfrm>
+          <a:off x="0" y="0"/>
+          <a:ext cx="0" cy="0"/>
+          <a:chOff x="0" y="0"/>
+          <a:chExt cx="0" cy="0"/>
+        </a:xfrm>
+      </p:grpSpPr>
+      <p:sp>
+        <p:nvSpPr>
+          <p:cNvPr id="2" name="Title 1">
+            <a:extLst>
+              <a:ext uri="{FF2B5EF4-FFF2-40B4-BE49-F238E27FC236}">
+                <a16:creationId xmlns:a16="http://schemas.microsoft.com/office/drawing/2014/main" id="{6EF2AD77-6F4D-8B9E-B9B8-D8279E7D9ECA}"/>
+              </a:ext>
+            </a:extLst>
+          </p:cNvPr>
+          <p:cNvSpPr>
+            <a:spLocks noGrp="1"/>
+          </p:cNvSpPr>
+          <p:nvPr>
+            <p:ph type="title"/>
+          </p:nvPr>
+        </p:nvSpPr>
+        <p:spPr/>
+        <p:txBody>
+          <a:bodyPr/>
+          <a:lstStyle/>
+          <a:p>
+            <a:r>
+              <a:rPr lang="en-US" dirty="0"/>
+              <a:t>Error correction.(not possible with parity-you can’t correct using 1 bit.)</a:t>
+            </a:r>
+          </a:p>
+        </p:txBody>
+      </p:sp>
+      <p:sp>
+        <p:nvSpPr>
+          <p:cNvPr id="3" name="Content Placeholder 2">
+            <a:extLst>
+              <a:ext uri="{FF2B5EF4-FFF2-40B4-BE49-F238E27FC236}">
+                <a16:creationId xmlns:a16="http://schemas.microsoft.com/office/drawing/2014/main" id="{A4CDDD10-2ED8-AB86-75F0-DA54F674CBD8}"/>
+              </a:ext>
+            </a:extLst>
+          </p:cNvPr>
+          <p:cNvSpPr>
+            <a:spLocks noGrp="1"/>
+          </p:cNvSpPr>
+          <p:nvPr>
+            <p:ph idx="1"/>
+          </p:nvPr>
+        </p:nvSpPr>
+        <p:spPr/>
+        <p:txBody>
+          <a:bodyPr>
+            <a:normAutofit/>
+          </a:bodyPr>
+          <a:lstStyle/>
+          <a:p>
+            <a:pPr>
+              <a:buFont typeface="Wingdings" panose="05000000000000000000" pitchFamily="2" charset="2"/>
+              <a:buChar char="ü"/>
+            </a:pPr>
+            <a:r>
+              <a:rPr lang="en-US" dirty="0">
+                <a:latin typeface="Times New Roman" panose="02020603050405020304" pitchFamily="18" charset="0"/>
+                <a:cs typeface="Times New Roman" panose="02020603050405020304" pitchFamily="18" charset="0"/>
+              </a:rPr>
+              <a:t>Redundant bits are added to the original data before transmission (not just one bit like parity).</a:t>
+            </a:r>
+          </a:p>
+          <a:p>
+            <a:pPr>
+              <a:buFont typeface="Wingdings" panose="05000000000000000000" pitchFamily="2" charset="2"/>
+              <a:buChar char="ü"/>
+            </a:pPr>
+            <a:r>
+              <a:rPr lang="en-US" dirty="0">
+                <a:latin typeface="Times New Roman" panose="02020603050405020304" pitchFamily="18" charset="0"/>
+                <a:cs typeface="Times New Roman" panose="02020603050405020304" pitchFamily="18" charset="0"/>
+              </a:rPr>
+              <a:t>These extra bits are placed in specific positions according to an error-correcting code (like Hamming code).</a:t>
+            </a:r>
+          </a:p>
+          <a:p>
+            <a:pPr>
+              <a:buFont typeface="Wingdings" panose="05000000000000000000" pitchFamily="2" charset="2"/>
+              <a:buChar char="ü"/>
+            </a:pPr>
+            <a:r>
+              <a:rPr lang="en-US" dirty="0">
+                <a:latin typeface="Times New Roman" panose="02020603050405020304" pitchFamily="18" charset="0"/>
+                <a:cs typeface="Times New Roman" panose="02020603050405020304" pitchFamily="18" charset="0"/>
+              </a:rPr>
+              <a:t>At the receiver end, the system checks all the parity (or check) bits again.</a:t>
+            </a:r>
+          </a:p>
+          <a:p>
+            <a:pPr>
+              <a:buFont typeface="Wingdings" panose="05000000000000000000" pitchFamily="2" charset="2"/>
+              <a:buChar char="ü"/>
+            </a:pPr>
+            <a:r>
+              <a:rPr lang="en-US" dirty="0">
+                <a:latin typeface="Times New Roman" panose="02020603050405020304" pitchFamily="18" charset="0"/>
+                <a:cs typeface="Times New Roman" panose="02020603050405020304" pitchFamily="18" charset="0"/>
+              </a:rPr>
+              <a:t>If an error occurs, the pattern of wrong parity bits indicates the exact position of the error.</a:t>
+            </a:r>
+          </a:p>
+          <a:p>
+            <a:pPr>
+              <a:buFont typeface="Wingdings" panose="05000000000000000000" pitchFamily="2" charset="2"/>
+              <a:buChar char="ü"/>
+            </a:pPr>
+            <a:r>
+              <a:rPr lang="en-US" dirty="0">
+                <a:latin typeface="Times New Roman" panose="02020603050405020304" pitchFamily="18" charset="0"/>
+                <a:cs typeface="Times New Roman" panose="02020603050405020304" pitchFamily="18" charset="0"/>
+              </a:rPr>
+              <a:t>The receiver flips that bit (0→1 or 1→0) to correct the data automatically.</a:t>
+            </a:r>
+          </a:p>
+          <a:p>
+            <a:endParaRPr lang="en-US" dirty="0">
+              <a:latin typeface="Times New Roman" panose="02020603050405020304" pitchFamily="18" charset="0"/>
+              <a:cs typeface="Times New Roman" panose="02020603050405020304" pitchFamily="18" charset="0"/>
+            </a:endParaRPr>
+          </a:p>
+          <a:p>
+            <a:endParaRPr lang="en-US" dirty="0"/>
+          </a:p>
+          <a:p>
+            <a:endParaRPr lang="en-US" dirty="0"/>
+          </a:p>
+        </p:txBody>
+      </p:sp>
+    </p:spTree>
+    <p:extLst>
+      <p:ext uri="{BB962C8B-B14F-4D97-AF65-F5344CB8AC3E}">
+        <p14:creationId xmlns:p14="http://schemas.microsoft.com/office/powerpoint/2010/main" val="2205062968"/>
+      </p:ext>
+    </p:extLst>
+  </p:cSld>
+  <p:clrMapOvr>
+    <a:masterClrMapping/>
+  </p:clrMapOvr>
+</p:sld>
+</file>
+
+<file path=ppt/slides/slide2.xml><?xml version="1.0" encoding="utf-8"?>
+<p:sld xmlns:a="http://schemas.openxmlformats.org/drawingml/2006/main" xmlns:r="http://schemas.openxmlformats.org/officeDocument/2006/relationships" xmlns:p="http://schemas.openxmlformats.org/presentationml/2006/main">
+  <p:cSld>
+    <p:spTree>
+      <p:nvGrpSpPr>
+        <p:cNvPr id="1" name=""/>
+        <p:cNvGrpSpPr/>
+        <p:nvPr/>
+      </p:nvGrpSpPr>
+      <p:grpSpPr>
+        <a:xfrm>
+          <a:off x="0" y="0"/>
+          <a:ext cx="0" cy="0"/>
+          <a:chOff x="0" y="0"/>
+          <a:chExt cx="0" cy="0"/>
+        </a:xfrm>
+      </p:grpSpPr>
+      <p:sp>
+        <p:nvSpPr>
+          <p:cNvPr id="2" name="Title 1">
+            <a:extLst>
+              <a:ext uri="{FF2B5EF4-FFF2-40B4-BE49-F238E27FC236}">
+                <a16:creationId xmlns:a16="http://schemas.microsoft.com/office/drawing/2014/main" id="{C2AEE6A9-A478-639F-12D9-CCCCFE599111}"/>
+              </a:ext>
+            </a:extLst>
+          </p:cNvPr>
+          <p:cNvSpPr>
+            <a:spLocks noGrp="1"/>
+          </p:cNvSpPr>
+          <p:nvPr>
+            <p:ph type="title"/>
+          </p:nvPr>
+        </p:nvSpPr>
+        <p:spPr/>
+        <p:txBody>
+          <a:bodyPr/>
+          <a:lstStyle/>
+          <a:p>
+            <a:r>
+              <a:rPr lang="en-US" dirty="0"/>
+              <a:t>Group Members</a:t>
+            </a:r>
+          </a:p>
+        </p:txBody>
+      </p:sp>
+      <p:sp>
+        <p:nvSpPr>
+          <p:cNvPr id="3" name="Content Placeholder 2">
+            <a:extLst>
+              <a:ext uri="{FF2B5EF4-FFF2-40B4-BE49-F238E27FC236}">
+                <a16:creationId xmlns:a16="http://schemas.microsoft.com/office/drawing/2014/main" id="{3E44C077-6D51-D3DE-9F74-473EFC3B7796}"/>
+              </a:ext>
+            </a:extLst>
+          </p:cNvPr>
+          <p:cNvSpPr>
+            <a:spLocks noGrp="1"/>
+          </p:cNvSpPr>
+          <p:nvPr>
+            <p:ph idx="1"/>
+          </p:nvPr>
+        </p:nvSpPr>
+        <p:spPr/>
+        <p:txBody>
+          <a:bodyPr/>
+          <a:lstStyle/>
+          <a:p>
+            <a:pPr marL="514350" indent="-514350">
+              <a:buFont typeface="+mj-lt"/>
+              <a:buAutoNum type="arabicPeriod"/>
+            </a:pPr>
+            <a:r>
+              <a:rPr lang="en-US" dirty="0"/>
+              <a:t>Joshua Wambua EG209/109705/22</a:t>
+            </a:r>
+          </a:p>
+          <a:p>
+            <a:pPr marL="514350" indent="-514350">
+              <a:buFont typeface="+mj-lt"/>
+              <a:buAutoNum type="arabicPeriod"/>
+            </a:pPr>
+            <a:r>
+              <a:rPr lang="en-US" dirty="0"/>
+              <a:t>Nason Alfred   EG209/111030/22</a:t>
+            </a:r>
+          </a:p>
+          <a:p>
+            <a:pPr marL="514350" indent="-514350">
+              <a:buFont typeface="+mj-lt"/>
+              <a:buAutoNum type="arabicPeriod"/>
+            </a:pPr>
+            <a:r>
+              <a:rPr lang="en-US" dirty="0"/>
+              <a:t>Abuto Tonny Hillary -EG209/106792/21.</a:t>
+            </a:r>
+          </a:p>
+          <a:p>
+            <a:pPr marL="514350" indent="-514350">
+              <a:buFont typeface="+mj-lt"/>
+              <a:buAutoNum type="arabicPeriod"/>
+            </a:pPr>
+            <a:r>
+              <a:rPr lang="en-US" dirty="0"/>
+              <a:t>Collins Kimanthi --EG209/109696/22.</a:t>
+            </a:r>
+          </a:p>
+          <a:p>
+            <a:pPr marL="514350" indent="-514350">
+              <a:buFont typeface="+mj-lt"/>
+              <a:buAutoNum type="arabicPeriod"/>
+            </a:pPr>
+            <a:r>
+              <a:rPr lang="en-US" dirty="0"/>
+              <a:t>Wilkister Kwamboka -EG209/109739/22</a:t>
+            </a:r>
+          </a:p>
+        </p:txBody>
+      </p:sp>
+    </p:spTree>
+    <p:extLst>
+      <p:ext uri="{BB962C8B-B14F-4D97-AF65-F5344CB8AC3E}">
+        <p14:creationId xmlns:p14="http://schemas.microsoft.com/office/powerpoint/2010/main" val="2535329654"/>
+      </p:ext>
+    </p:extLst>
+  </p:cSld>
+  <p:clrMapOvr>
+    <a:masterClrMapping/>
+  </p:clrMapOvr>
+</p:sld>
+</file>
+
+<file path=ppt/slides/slide20.xml><?xml version="1.0" encoding="utf-8"?>
+<p:sld xmlns:a="http://schemas.openxmlformats.org/drawingml/2006/main" xmlns:r="http://schemas.openxmlformats.org/officeDocument/2006/relationships" xmlns:p="http://schemas.openxmlformats.org/presentationml/2006/main">
+  <p:cSld>
+    <p:spTree>
+      <p:nvGrpSpPr>
+        <p:cNvPr id="1" name=""/>
+        <p:cNvGrpSpPr/>
+        <p:nvPr/>
+      </p:nvGrpSpPr>
+      <p:grpSpPr>
+        <a:xfrm>
+          <a:off x="0" y="0"/>
+          <a:ext cx="0" cy="0"/>
+          <a:chOff x="0" y="0"/>
+          <a:chExt cx="0" cy="0"/>
+        </a:xfrm>
+      </p:grpSpPr>
+      <p:sp>
+        <p:nvSpPr>
+          <p:cNvPr id="2" name="Title 1">
+            <a:extLst>
+              <a:ext uri="{FF2B5EF4-FFF2-40B4-BE49-F238E27FC236}">
+                <a16:creationId xmlns:a16="http://schemas.microsoft.com/office/drawing/2014/main" id="{4D77A12C-0EAD-3EF4-AB3F-383E2D5EAC81}"/>
+              </a:ext>
+            </a:extLst>
+          </p:cNvPr>
+          <p:cNvSpPr>
+            <a:spLocks noGrp="1"/>
+          </p:cNvSpPr>
+          <p:nvPr>
+            <p:ph type="title"/>
+          </p:nvPr>
+        </p:nvSpPr>
+        <p:spPr/>
+        <p:txBody>
+          <a:bodyPr/>
+          <a:lstStyle/>
+          <a:p>
+            <a:r>
+              <a:rPr lang="en-US" dirty="0"/>
+              <a:t>APPLICATION OF PARITY</a:t>
+            </a:r>
+          </a:p>
+        </p:txBody>
+      </p:sp>
+      <p:sp>
+        <p:nvSpPr>
+          <p:cNvPr id="4" name="Rectangle 1">
+            <a:extLst>
+              <a:ext uri="{FF2B5EF4-FFF2-40B4-BE49-F238E27FC236}">
+                <a16:creationId xmlns:a16="http://schemas.microsoft.com/office/drawing/2014/main" id="{335B29A1-B01F-8314-BFDD-125AD2B7CCED}"/>
+              </a:ext>
+            </a:extLst>
+          </p:cNvPr>
+          <p:cNvSpPr>
+            <a:spLocks noGrp="1" noChangeArrowheads="1"/>
+          </p:cNvSpPr>
+          <p:nvPr>
+            <p:ph idx="1"/>
+          </p:nvPr>
+        </p:nvSpPr>
+        <p:spPr bwMode="auto">
+          <a:xfrm>
+            <a:off x="838200" y="2523967"/>
+            <a:ext cx="10751020" cy="2954655"/>
+          </a:xfrm>
+          <a:prstGeom prst="rect">
+            <a:avLst/>
+          </a:prstGeom>
+          <a:noFill/>
+          <a:ln>
+            <a:noFill/>
+          </a:ln>
+          <a:effectLst/>
+          <a:extLst>
+            <a:ext uri="{909E8E84-426E-40DD-AFC4-6F175D3DCCD1}">
+              <a14:hiddenFill xmlns:a14="http://schemas.microsoft.com/office/drawing/2010/main">
+                <a:solidFill>
+                  <a:schemeClr val="accent1"/>
+                </a:solidFill>
+              </a14:hiddenFill>
+            </a:ext>
+            <a:ext uri="{91240B29-F687-4F45-9708-019B960494DF}">
+              <a14:hiddenLine xmlns:a14="http://schemas.microsoft.com/office/drawing/2010/main" w="9525">
+                <a:solidFill>
+                  <a:schemeClr val="tx1"/>
+                </a:solidFill>
+                <a:miter lim="800000"/>
+                <a:headEnd/>
+                <a:tailEnd/>
+              </a14:hiddenLine>
+            </a:ext>
+            <a:ext uri="{AF507438-7753-43E0-B8FC-AC1667EBCBE1}">
+              <a14:hiddenEffects xmlns:a14="http://schemas.microsoft.com/office/drawing/2010/main">
+                <a:effectLst>
+                  <a:outerShdw dist="35921" dir="2700000" algn="ctr" rotWithShape="0">
+                    <a:schemeClr val="bg2"/>
+                  </a:outerShdw>
+                </a:effectLst>
+              </a14:hiddenEffects>
+            </a:ext>
+          </a:extLst>
+        </p:spPr>
+        <p:txBody>
+          <a:bodyPr vert="horz" wrap="none" lIns="91440" tIns="45720" rIns="91440" bIns="45720" numCol="1" anchor="ctr" anchorCtr="0" compatLnSpc="1">
+            <a:prstTxWarp prst="textNoShape">
+              <a:avLst/>
+            </a:prstTxWarp>
+            <a:spAutoFit/>
+          </a:bodyPr>
+          <a:lstStyle/>
+          <a:p>
             <a:pPr marL="457200" marR="0" lvl="0" indent="-457200" algn="l" defTabSz="914400" rtl="0" eaLnBrk="0" fontAlgn="base" latinLnBrk="0" hangingPunct="0">
               <a:lnSpc>
                 <a:spcPct val="100000"/>
@@ -3795,7 +5604,7 @@
             </a:r>
           </a:p>
           <a:p>
-            <a:pPr marL="457200" marR="0" lvl="0" indent="-457200" algn="l" defTabSz="914400" rtl="0" eaLnBrk="0" fontAlgn="base" latinLnBrk="0" hangingPunct="0">
+            <a:pPr marL="0" lvl="0" indent="0" eaLnBrk="0" fontAlgn="base" hangingPunct="0">
               <a:lnSpc>
                 <a:spcPct val="100000"/>
               </a:lnSpc>
@@ -3807,52 +5616,22 @@
               </a:spcAft>
               <a:buClrTx/>
               <a:buSzTx/>
-              <a:buFont typeface="+mj-lt"/>
-              <a:buAutoNum type="arabicPeriod"/>
-              <a:tabLst/>
+              <a:buNone/>
             </a:pPr>
             <a:r>
-              <a:rPr kumimoji="0" lang="en-US" altLang="en-US" sz="2400" b="0" i="0" u="none" strike="noStrike" cap="none" normalizeH="0" baseline="0" dirty="0">
-                <a:ln>
-                  <a:noFill/>
-                </a:ln>
-                <a:solidFill>
-                  <a:schemeClr val="tx1"/>
-                </a:solidFill>
-                <a:effectLst/>
-                <a:latin typeface="Arial" panose="020B0604020202020204" pitchFamily="34" charset="0"/>
-              </a:rPr>
-              <a:t>Ensures </a:t>
-            </a:r>
-            <a:r>
-              <a:rPr kumimoji="0" lang="en-US" altLang="en-US" sz="2400" b="1" i="0" u="none" strike="noStrike" cap="none" normalizeH="0" baseline="0" dirty="0">
-                <a:ln>
-                  <a:noFill/>
-                </a:ln>
-                <a:solidFill>
-                  <a:schemeClr val="tx1"/>
-                </a:solidFill>
-                <a:effectLst/>
-                <a:latin typeface="Arial" panose="020B0604020202020204" pitchFamily="34" charset="0"/>
-              </a:rPr>
-              <a:t>data integrity</a:t>
-            </a:r>
-            <a:r>
-              <a:rPr kumimoji="0" lang="en-US" altLang="en-US" sz="2400" b="0" i="0" u="none" strike="noStrike" cap="none" normalizeH="0" baseline="0" dirty="0">
-                <a:ln>
-                  <a:noFill/>
-                </a:ln>
-                <a:solidFill>
-                  <a:schemeClr val="tx1"/>
-                </a:solidFill>
-                <a:effectLst/>
-                <a:latin typeface="Arial" panose="020B0604020202020204" pitchFamily="34" charset="0"/>
-              </a:rPr>
-              <a:t> during transmission and storage.</a:t>
-            </a:r>
-          </a:p>
-          <a:p>
-            <a:pPr marL="457200" marR="0" lvl="0" indent="-457200" algn="l" defTabSz="914400" rtl="0" eaLnBrk="0" fontAlgn="base" latinLnBrk="0" hangingPunct="0">
+              <a:rPr lang="en-US" sz="2400" dirty="0"/>
+              <a:t>Parity bits are widely used to detect single-bit errors during digital data transmission.</a:t>
+            </a:r>
+            <a:br>
+              <a:rPr lang="en-US" sz="2400" dirty="0"/>
+            </a:br>
+            <a:r>
+              <a:rPr lang="en-US" sz="2400" dirty="0"/>
+              <a:t>When data is sent over a channel, noise or interference can flip a bit from 0 → 1 </a:t>
+            </a:r>
+          </a:p>
+          <a:p>
+            <a:pPr marL="0" lvl="0" indent="0" eaLnBrk="0" fontAlgn="base" hangingPunct="0">
               <a:lnSpc>
                 <a:spcPct val="100000"/>
               </a:lnSpc>
@@ -3864,52 +5643,22 @@
               </a:spcAft>
               <a:buClrTx/>
               <a:buSzTx/>
-              <a:buFont typeface="+mj-lt"/>
-              <a:buAutoNum type="arabicPeriod"/>
-              <a:tabLst/>
+              <a:buNone/>
             </a:pPr>
             <a:r>
-              <a:rPr kumimoji="0" lang="en-US" altLang="en-US" sz="2400" b="0" i="0" u="none" strike="noStrike" cap="none" normalizeH="0" baseline="0" dirty="0">
-                <a:ln>
-                  <a:noFill/>
-                </a:ln>
-                <a:solidFill>
-                  <a:schemeClr val="tx1"/>
-                </a:solidFill>
-                <a:effectLst/>
-                <a:latin typeface="Arial" panose="020B0604020202020204" pitchFamily="34" charset="0"/>
-              </a:rPr>
-              <a:t>Applied in </a:t>
-            </a:r>
-            <a:r>
-              <a:rPr kumimoji="0" lang="en-US" altLang="en-US" sz="2400" b="1" i="0" u="none" strike="noStrike" cap="none" normalizeH="0" baseline="0" dirty="0">
-                <a:ln>
-                  <a:noFill/>
-                </a:ln>
-                <a:solidFill>
-                  <a:schemeClr val="tx1"/>
-                </a:solidFill>
-                <a:effectLst/>
-                <a:latin typeface="Arial" panose="020B0604020202020204" pitchFamily="34" charset="0"/>
-              </a:rPr>
-              <a:t>UART serial communication</a:t>
-            </a:r>
-            <a:r>
-              <a:rPr kumimoji="0" lang="en-US" altLang="en-US" sz="2400" b="0" i="0" u="none" strike="noStrike" cap="none" normalizeH="0" baseline="0" dirty="0">
-                <a:ln>
-                  <a:noFill/>
-                </a:ln>
-                <a:solidFill>
-                  <a:schemeClr val="tx1"/>
-                </a:solidFill>
-                <a:effectLst/>
-                <a:latin typeface="Arial" panose="020B0604020202020204" pitchFamily="34" charset="0"/>
-              </a:rPr>
-              <a:t> for detecting bit errors.</a:t>
-            </a:r>
-          </a:p>
-          <a:p>
-            <a:pPr marL="457200" marR="0" lvl="0" indent="-457200" algn="l" defTabSz="914400" rtl="0" eaLnBrk="0" fontAlgn="base" latinLnBrk="0" hangingPunct="0">
+              <a:rPr lang="en-US" sz="2400" dirty="0"/>
+              <a:t>or vice versa.</a:t>
+            </a:r>
+            <a:br>
+              <a:rPr lang="en-US" sz="2400" dirty="0"/>
+            </a:br>
+            <a:r>
+              <a:rPr lang="en-US" sz="2400" dirty="0"/>
+              <a:t>A parity checker compares the received parity bit with the recalculated one – </a:t>
+            </a:r>
+          </a:p>
+          <a:p>
+            <a:pPr marL="0" lvl="0" indent="0" eaLnBrk="0" fontAlgn="base" hangingPunct="0">
               <a:lnSpc>
                 <a:spcPct val="100000"/>
               </a:lnSpc>
@@ -3921,335 +5670,27 @@
               </a:spcAft>
               <a:buClrTx/>
               <a:buSzTx/>
-              <a:buFont typeface="+mj-lt"/>
-              <a:buAutoNum type="arabicPeriod"/>
-              <a:tabLst/>
+              <a:buNone/>
             </a:pPr>
             <a:r>
-              <a:rPr kumimoji="0" lang="en-US" altLang="en-US" sz="2400" b="0" i="0" u="none" strike="noStrike" cap="none" normalizeH="0" baseline="0" dirty="0">
-                <a:ln>
-                  <a:noFill/>
-                </a:ln>
-                <a:solidFill>
-                  <a:schemeClr val="tx1"/>
-                </a:solidFill>
-                <a:effectLst/>
-                <a:latin typeface="Arial" panose="020B0604020202020204" pitchFamily="34" charset="0"/>
-              </a:rPr>
-              <a:t>Used in </a:t>
-            </a:r>
-            <a:r>
-              <a:rPr kumimoji="0" lang="en-US" altLang="en-US" sz="2400" b="1" i="0" u="none" strike="noStrike" cap="none" normalizeH="0" baseline="0" dirty="0">
-                <a:ln>
-                  <a:noFill/>
-                </a:ln>
-                <a:solidFill>
-                  <a:schemeClr val="tx1"/>
-                </a:solidFill>
-                <a:effectLst/>
-                <a:latin typeface="Arial" panose="020B0604020202020204" pitchFamily="34" charset="0"/>
-              </a:rPr>
-              <a:t>computer memory (RAM)</a:t>
-            </a:r>
-            <a:r>
-              <a:rPr kumimoji="0" lang="en-US" altLang="en-US" sz="2400" b="0" i="0" u="none" strike="noStrike" cap="none" normalizeH="0" baseline="0" dirty="0">
-                <a:ln>
-                  <a:noFill/>
-                </a:ln>
-                <a:solidFill>
-                  <a:schemeClr val="tx1"/>
-                </a:solidFill>
-                <a:effectLst/>
-                <a:latin typeface="Arial" panose="020B0604020202020204" pitchFamily="34" charset="0"/>
-              </a:rPr>
-              <a:t> to check for data corruption.</a:t>
-            </a:r>
-          </a:p>
-          <a:p>
-            <a:pPr marL="457200" marR="0" lvl="0" indent="-457200" algn="l" defTabSz="914400" rtl="0" eaLnBrk="0" fontAlgn="base" latinLnBrk="0" hangingPunct="0">
-              <a:lnSpc>
-                <a:spcPct val="100000"/>
-              </a:lnSpc>
-              <a:spcBef>
-                <a:spcPct val="0"/>
-              </a:spcBef>
-              <a:spcAft>
-                <a:spcPct val="0"/>
-              </a:spcAft>
-              <a:buClrTx/>
-              <a:buSzTx/>
-              <a:buFont typeface="+mj-lt"/>
-              <a:buAutoNum type="arabicPeriod"/>
-              <a:tabLst/>
-            </a:pPr>
-            <a:r>
-              <a:rPr kumimoji="0" lang="en-US" altLang="en-US" sz="2400" b="0" i="0" u="none" strike="noStrike" cap="none" normalizeH="0" baseline="0" dirty="0">
-                <a:ln>
-                  <a:noFill/>
-                </a:ln>
-                <a:solidFill>
-                  <a:schemeClr val="tx1"/>
-                </a:solidFill>
-                <a:effectLst/>
-                <a:latin typeface="Arial" panose="020B0604020202020204" pitchFamily="34" charset="0"/>
-              </a:rPr>
-              <a:t>Implemented in </a:t>
-            </a:r>
-            <a:r>
-              <a:rPr kumimoji="0" lang="en-US" altLang="en-US" sz="2400" b="1" i="0" u="none" strike="noStrike" cap="none" normalizeH="0" baseline="0" dirty="0">
-                <a:ln>
-                  <a:noFill/>
-                </a:ln>
-                <a:solidFill>
-                  <a:schemeClr val="tx1"/>
-                </a:solidFill>
-                <a:effectLst/>
-                <a:latin typeface="Arial" panose="020B0604020202020204" pitchFamily="34" charset="0"/>
-              </a:rPr>
-              <a:t>network devices</a:t>
-            </a:r>
-            <a:r>
-              <a:rPr kumimoji="0" lang="en-US" altLang="en-US" sz="2400" b="0" i="0" u="none" strike="noStrike" cap="none" normalizeH="0" baseline="0" dirty="0">
-                <a:ln>
-                  <a:noFill/>
-                </a:ln>
-                <a:solidFill>
-                  <a:schemeClr val="tx1"/>
-                </a:solidFill>
-                <a:effectLst/>
-                <a:latin typeface="Arial" panose="020B0604020202020204" pitchFamily="34" charset="0"/>
-              </a:rPr>
-              <a:t> like modems and routers for error checking.</a:t>
-            </a:r>
-          </a:p>
-          <a:p>
-            <a:pPr marL="457200" marR="0" lvl="0" indent="-457200" algn="l" defTabSz="914400" rtl="0" eaLnBrk="0" fontAlgn="base" latinLnBrk="0" hangingPunct="0">
-              <a:lnSpc>
-                <a:spcPct val="100000"/>
-              </a:lnSpc>
-              <a:spcBef>
-                <a:spcPct val="0"/>
-              </a:spcBef>
-              <a:spcAft>
-                <a:spcPct val="0"/>
-              </a:spcAft>
-              <a:buClrTx/>
-              <a:buSzTx/>
-              <a:buFont typeface="+mj-lt"/>
-              <a:buAutoNum type="arabicPeriod"/>
-              <a:tabLst/>
-            </a:pPr>
-            <a:r>
-              <a:rPr kumimoji="0" lang="en-US" altLang="en-US" sz="2400" b="0" i="0" u="none" strike="noStrike" cap="none" normalizeH="0" baseline="0" dirty="0">
-                <a:ln>
-                  <a:noFill/>
-                </a:ln>
-                <a:solidFill>
-                  <a:schemeClr val="tx1"/>
-                </a:solidFill>
-                <a:effectLst/>
-                <a:latin typeface="Arial" panose="020B0604020202020204" pitchFamily="34" charset="0"/>
-              </a:rPr>
-              <a:t>Employed in </a:t>
-            </a:r>
-            <a:r>
-              <a:rPr kumimoji="0" lang="en-US" altLang="en-US" sz="2400" b="1" i="0" u="none" strike="noStrike" cap="none" normalizeH="0" baseline="0" dirty="0">
-                <a:ln>
-                  <a:noFill/>
-                </a:ln>
-                <a:solidFill>
-                  <a:schemeClr val="tx1"/>
-                </a:solidFill>
-                <a:effectLst/>
-                <a:latin typeface="Arial" panose="020B0604020202020204" pitchFamily="34" charset="0"/>
-              </a:rPr>
-              <a:t>storage media</a:t>
-            </a:r>
-            <a:r>
-              <a:rPr kumimoji="0" lang="en-US" altLang="en-US" sz="2400" b="0" i="0" u="none" strike="noStrike" cap="none" normalizeH="0" baseline="0" dirty="0">
-                <a:ln>
-                  <a:noFill/>
-                </a:ln>
-                <a:solidFill>
-                  <a:schemeClr val="tx1"/>
-                </a:solidFill>
-                <a:effectLst/>
-                <a:latin typeface="Arial" panose="020B0604020202020204" pitchFamily="34" charset="0"/>
-              </a:rPr>
-              <a:t> (hard drives, CDs, DVDs) to verify data accuracy.</a:t>
-            </a:r>
-          </a:p>
-          <a:p>
-            <a:pPr marL="457200" marR="0" lvl="0" indent="-457200" algn="l" defTabSz="914400" rtl="0" eaLnBrk="0" fontAlgn="base" latinLnBrk="0" hangingPunct="0">
-              <a:lnSpc>
-                <a:spcPct val="100000"/>
-              </a:lnSpc>
-              <a:spcBef>
-                <a:spcPct val="0"/>
-              </a:spcBef>
-              <a:spcAft>
-                <a:spcPct val="0"/>
-              </a:spcAft>
-              <a:buClrTx/>
-              <a:buSzTx/>
-              <a:buFont typeface="+mj-lt"/>
-              <a:buAutoNum type="arabicPeriod"/>
-              <a:tabLst/>
-            </a:pPr>
-            <a:r>
-              <a:rPr kumimoji="0" lang="en-US" altLang="en-US" sz="2400" b="0" i="0" u="none" strike="noStrike" cap="none" normalizeH="0" baseline="0" dirty="0">
-                <a:ln>
-                  <a:noFill/>
-                </a:ln>
-                <a:solidFill>
-                  <a:schemeClr val="tx1"/>
-                </a:solidFill>
-                <a:effectLst/>
-                <a:latin typeface="Arial" panose="020B0604020202020204" pitchFamily="34" charset="0"/>
-              </a:rPr>
-              <a:t>Forms the </a:t>
-            </a:r>
-            <a:r>
-              <a:rPr kumimoji="0" lang="en-US" altLang="en-US" sz="2400" b="1" i="0" u="none" strike="noStrike" cap="none" normalizeH="0" baseline="0" dirty="0">
-                <a:ln>
-                  <a:noFill/>
-                </a:ln>
-                <a:solidFill>
-                  <a:schemeClr val="tx1"/>
-                </a:solidFill>
-                <a:effectLst/>
-                <a:latin typeface="Arial" panose="020B0604020202020204" pitchFamily="34" charset="0"/>
-              </a:rPr>
-              <a:t>basis of advanced error detection codes</a:t>
-            </a:r>
-            <a:r>
-              <a:rPr kumimoji="0" lang="en-US" altLang="en-US" sz="2400" b="0" i="0" u="none" strike="noStrike" cap="none" normalizeH="0" baseline="0" dirty="0">
-                <a:ln>
-                  <a:noFill/>
-                </a:ln>
-                <a:solidFill>
-                  <a:schemeClr val="tx1"/>
-                </a:solidFill>
-                <a:effectLst/>
-                <a:latin typeface="Arial" panose="020B0604020202020204" pitchFamily="34" charset="0"/>
-              </a:rPr>
-              <a:t> such as Hamming code.</a:t>
-            </a:r>
-          </a:p>
-          <a:p>
-            <a:pPr marL="457200" marR="0" lvl="0" indent="-457200" algn="l" defTabSz="914400" rtl="0" eaLnBrk="0" fontAlgn="base" latinLnBrk="0" hangingPunct="0">
-              <a:lnSpc>
-                <a:spcPct val="100000"/>
-              </a:lnSpc>
-              <a:spcBef>
-                <a:spcPct val="0"/>
-              </a:spcBef>
-              <a:spcAft>
-                <a:spcPct val="0"/>
-              </a:spcAft>
-              <a:buClrTx/>
-              <a:buSzTx/>
-              <a:buFont typeface="+mj-lt"/>
-              <a:buAutoNum type="arabicPeriod"/>
-              <a:tabLst/>
-            </a:pPr>
-            <a:r>
-              <a:rPr kumimoji="0" lang="en-US" altLang="en-US" sz="2400" b="0" i="0" u="none" strike="noStrike" cap="none" normalizeH="0" baseline="0" dirty="0">
-                <a:ln>
-                  <a:noFill/>
-                </a:ln>
-                <a:solidFill>
-                  <a:schemeClr val="tx1"/>
-                </a:solidFill>
-                <a:effectLst/>
-                <a:latin typeface="Arial" panose="020B0604020202020204" pitchFamily="34" charset="0"/>
-              </a:rPr>
-              <a:t>Utilized in </a:t>
-            </a:r>
-            <a:r>
-              <a:rPr kumimoji="0" lang="en-US" altLang="en-US" sz="2400" b="1" i="0" u="none" strike="noStrike" cap="none" normalizeH="0" baseline="0" dirty="0">
-                <a:ln>
-                  <a:noFill/>
-                </a:ln>
-                <a:solidFill>
-                  <a:schemeClr val="tx1"/>
-                </a:solidFill>
-                <a:effectLst/>
-                <a:latin typeface="Arial" panose="020B0604020202020204" pitchFamily="34" charset="0"/>
-              </a:rPr>
-              <a:t>microcontrollers and embedded systems</a:t>
-            </a:r>
-            <a:r>
-              <a:rPr kumimoji="0" lang="en-US" altLang="en-US" sz="2400" b="0" i="0" u="none" strike="noStrike" cap="none" normalizeH="0" baseline="0" dirty="0">
-                <a:ln>
-                  <a:noFill/>
-                </a:ln>
-                <a:solidFill>
-                  <a:schemeClr val="tx1"/>
-                </a:solidFill>
-                <a:effectLst/>
-                <a:latin typeface="Arial" panose="020B0604020202020204" pitchFamily="34" charset="0"/>
-              </a:rPr>
-              <a:t> for reliable data exchange.</a:t>
-            </a:r>
-          </a:p>
-          <a:p>
-            <a:pPr marL="457200" marR="0" lvl="0" indent="-457200" algn="l" defTabSz="914400" rtl="0" eaLnBrk="0" fontAlgn="base" latinLnBrk="0" hangingPunct="0">
-              <a:lnSpc>
-                <a:spcPct val="100000"/>
-              </a:lnSpc>
-              <a:spcBef>
-                <a:spcPct val="0"/>
-              </a:spcBef>
-              <a:spcAft>
-                <a:spcPct val="0"/>
-              </a:spcAft>
-              <a:buClrTx/>
-              <a:buSzTx/>
-              <a:buFont typeface="+mj-lt"/>
-              <a:buAutoNum type="arabicPeriod"/>
-              <a:tabLst/>
-            </a:pPr>
-            <a:r>
-              <a:rPr kumimoji="0" lang="en-US" altLang="en-US" sz="2400" b="0" i="0" u="none" strike="noStrike" cap="none" normalizeH="0" baseline="0" dirty="0">
-                <a:ln>
-                  <a:noFill/>
-                </a:ln>
-                <a:solidFill>
-                  <a:schemeClr val="tx1"/>
-                </a:solidFill>
-                <a:effectLst/>
-                <a:latin typeface="Arial" panose="020B0604020202020204" pitchFamily="34" charset="0"/>
-              </a:rPr>
-              <a:t>Applied in </a:t>
-            </a:r>
-            <a:r>
-              <a:rPr kumimoji="0" lang="en-US" altLang="en-US" sz="2400" b="1" i="0" u="none" strike="noStrike" cap="none" normalizeH="0" baseline="0" dirty="0">
-                <a:ln>
-                  <a:noFill/>
-                </a:ln>
-                <a:solidFill>
-                  <a:schemeClr val="tx1"/>
-                </a:solidFill>
-                <a:effectLst/>
-                <a:latin typeface="Arial" panose="020B0604020202020204" pitchFamily="34" charset="0"/>
-              </a:rPr>
-              <a:t>satellite and space communication</a:t>
-            </a:r>
-            <a:r>
-              <a:rPr kumimoji="0" lang="en-US" altLang="en-US" sz="2400" b="0" i="0" u="none" strike="noStrike" cap="none" normalizeH="0" baseline="0" dirty="0">
-                <a:ln>
-                  <a:noFill/>
-                </a:ln>
-                <a:solidFill>
-                  <a:schemeClr val="tx1"/>
-                </a:solidFill>
-                <a:effectLst/>
-                <a:latin typeface="Arial" panose="020B0604020202020204" pitchFamily="34" charset="0"/>
-              </a:rPr>
-              <a:t> to detect bit flips from</a:t>
-            </a:r>
-            <a:endParaRPr lang="en-US" altLang="en-US" sz="2400" dirty="0">
+              <a:rPr lang="en-US" sz="2400" dirty="0"/>
+              <a:t>if they differ, an error is detected.</a:t>
+            </a:r>
+            <a:br>
+              <a:rPr lang="en-US" sz="2400" dirty="0"/>
+            </a:br>
+            <a:r>
+              <a:rPr lang="en-US" sz="2400" dirty="0"/>
+              <a:t>This ensures reliable communication between devices.</a:t>
+            </a:r>
+            <a:endParaRPr kumimoji="0" lang="en-US" altLang="en-US" sz="2400" b="0" i="0" u="none" strike="noStrike" cap="none" normalizeH="0" baseline="0" dirty="0">
+              <a:ln>
+                <a:noFill/>
+              </a:ln>
+              <a:solidFill>
+                <a:schemeClr val="tx1"/>
+              </a:solidFill>
+              <a:effectLst/>
               <a:latin typeface="Arial" panose="020B0604020202020204" pitchFamily="34" charset="0"/>
             </a:endParaRPr>
           </a:p>
@@ -4270,19 +5711,6 @@
               <a:tabLst/>
             </a:pPr>
             <a:r>
-              <a:rPr kumimoji="0" lang="en-US" altLang="en-US" sz="2400" b="0" i="0" u="none" strike="noStrike" cap="none" normalizeH="0" baseline="0" dirty="0">
-                <a:ln>
-                  <a:noFill/>
-                </a:ln>
-                <a:solidFill>
-                  <a:schemeClr val="tx1"/>
-                </a:solidFill>
-                <a:effectLst/>
-                <a:latin typeface="Arial" panose="020B0604020202020204" pitchFamily="34" charset="0"/>
-              </a:rPr>
-              <a:t> noise or radiation</a:t>
-            </a:r>
-            <a:r>
               <a:rPr kumimoji="0" lang="en-US" altLang="en-US" sz="1800" b="0" i="0" u="none" strike="noStrike" cap="none" normalizeH="0" baseline="0" dirty="0">
                 <a:ln>
                   <a:noFill/>
@@ -4302,6 +5730,1015 @@
     <p:extLst>
       <p:ext uri="{BB962C8B-B14F-4D97-AF65-F5344CB8AC3E}">
         <p14:creationId xmlns:p14="http://schemas.microsoft.com/office/powerpoint/2010/main" val="1331450788"/>
+      </p:ext>
+    </p:extLst>
+  </p:cSld>
+  <p:clrMapOvr>
+    <a:masterClrMapping/>
+  </p:clrMapOvr>
+</p:sld>
+</file>
+
+<file path=ppt/slides/slide21.xml><?xml version="1.0" encoding="utf-8"?>
+<p:sld xmlns:a="http://schemas.openxmlformats.org/drawingml/2006/main" xmlns:r="http://schemas.openxmlformats.org/officeDocument/2006/relationships" xmlns:p="http://schemas.openxmlformats.org/presentationml/2006/main">
+  <p:cSld>
+    <p:spTree>
+      <p:nvGrpSpPr>
+        <p:cNvPr id="1" name=""/>
+        <p:cNvGrpSpPr/>
+        <p:nvPr/>
+      </p:nvGrpSpPr>
+      <p:grpSpPr>
+        <a:xfrm>
+          <a:off x="0" y="0"/>
+          <a:ext cx="0" cy="0"/>
+          <a:chOff x="0" y="0"/>
+          <a:chExt cx="0" cy="0"/>
+        </a:xfrm>
+      </p:grpSpPr>
+      <p:sp>
+        <p:nvSpPr>
+          <p:cNvPr id="2" name="Title 1">
+            <a:extLst>
+              <a:ext uri="{FF2B5EF4-FFF2-40B4-BE49-F238E27FC236}">
+                <a16:creationId xmlns:a16="http://schemas.microsoft.com/office/drawing/2014/main" id="{D0C87737-DD6C-E989-1033-9F2DA29588CC}"/>
+              </a:ext>
+            </a:extLst>
+          </p:cNvPr>
+          <p:cNvSpPr>
+            <a:spLocks noGrp="1"/>
+          </p:cNvSpPr>
+          <p:nvPr>
+            <p:ph type="title"/>
+          </p:nvPr>
+        </p:nvSpPr>
+        <p:spPr/>
+        <p:txBody>
+          <a:bodyPr/>
+          <a:lstStyle/>
+          <a:p>
+            <a:r>
+              <a:rPr lang="en-US" dirty="0"/>
+              <a:t>Applications of parity.</a:t>
+            </a:r>
+          </a:p>
+        </p:txBody>
+      </p:sp>
+      <p:sp>
+        <p:nvSpPr>
+          <p:cNvPr id="3" name="Content Placeholder 2">
+            <a:extLst>
+              <a:ext uri="{FF2B5EF4-FFF2-40B4-BE49-F238E27FC236}">
+                <a16:creationId xmlns:a16="http://schemas.microsoft.com/office/drawing/2014/main" id="{11AF29C9-A0AB-6EFE-48B1-B3DD22D8F807}"/>
+              </a:ext>
+            </a:extLst>
+          </p:cNvPr>
+          <p:cNvSpPr>
+            <a:spLocks noGrp="1"/>
+          </p:cNvSpPr>
+          <p:nvPr>
+            <p:ph idx="1"/>
+          </p:nvPr>
+        </p:nvSpPr>
+        <p:spPr/>
+        <p:txBody>
+          <a:bodyPr>
+            <a:normAutofit/>
+          </a:bodyPr>
+          <a:lstStyle/>
+          <a:p>
+            <a:pPr marL="0" lvl="0" indent="0" eaLnBrk="0" fontAlgn="base" hangingPunct="0">
+              <a:lnSpc>
+                <a:spcPct val="100000"/>
+              </a:lnSpc>
+              <a:spcBef>
+                <a:spcPct val="0"/>
+              </a:spcBef>
+              <a:spcAft>
+                <a:spcPct val="0"/>
+              </a:spcAft>
+              <a:buClrTx/>
+              <a:buSzTx/>
+              <a:buNone/>
+            </a:pPr>
+            <a:r>
+              <a:rPr lang="en-US" altLang="en-US" dirty="0">
+                <a:latin typeface="Arial" panose="020B0604020202020204" pitchFamily="34" charset="0"/>
+              </a:rPr>
+              <a:t>2.  Used in </a:t>
+            </a:r>
+            <a:r>
+              <a:rPr lang="en-US" altLang="en-US" b="1" dirty="0">
+                <a:latin typeface="Arial" panose="020B0604020202020204" pitchFamily="34" charset="0"/>
+              </a:rPr>
+              <a:t>computer memory (RAM)</a:t>
+            </a:r>
+            <a:r>
+              <a:rPr lang="en-US" altLang="en-US" dirty="0">
+                <a:latin typeface="Arial" panose="020B0604020202020204" pitchFamily="34" charset="0"/>
+              </a:rPr>
+              <a:t> to check for data corruption.</a:t>
+            </a:r>
+          </a:p>
+          <a:p>
+            <a:pPr marL="0" lvl="0" indent="0" eaLnBrk="0" fontAlgn="base" hangingPunct="0">
+              <a:lnSpc>
+                <a:spcPct val="100000"/>
+              </a:lnSpc>
+              <a:spcBef>
+                <a:spcPct val="0"/>
+              </a:spcBef>
+              <a:spcAft>
+                <a:spcPct val="0"/>
+              </a:spcAft>
+              <a:buClrTx/>
+              <a:buSzTx/>
+              <a:buNone/>
+            </a:pPr>
+            <a:r>
+              <a:rPr lang="en-US" dirty="0"/>
+              <a:t>Some types of Random Access Memory (especially older systems and servers) include parity bits for every byte of data stored.</a:t>
+            </a:r>
+            <a:br>
+              <a:rPr lang="en-US" dirty="0"/>
+            </a:br>
+            <a:r>
+              <a:rPr lang="en-US" dirty="0"/>
+              <a:t>When data is read back, the memory controller checks the parity — if the parity bit doesn’t match, an error is detected.</a:t>
+            </a:r>
+            <a:br>
+              <a:rPr lang="en-US" dirty="0"/>
+            </a:br>
+            <a:r>
+              <a:rPr lang="en-US" dirty="0"/>
+              <a:t>While modern systems use </a:t>
+            </a:r>
+            <a:r>
+              <a:rPr lang="en-US" b="1" dirty="0"/>
+              <a:t>ECC (Error Correction Code)</a:t>
+            </a:r>
+            <a:r>
+              <a:rPr lang="en-US" dirty="0"/>
+              <a:t> memory, parity checking laid the foundation for such technologies.</a:t>
+            </a:r>
+            <a:endParaRPr lang="en-US" altLang="en-US" dirty="0">
+              <a:latin typeface="Arial" panose="020B0604020202020204" pitchFamily="34" charset="0"/>
+            </a:endParaRPr>
+          </a:p>
+          <a:p>
+            <a:pPr marL="0" lvl="0" indent="0" eaLnBrk="0" fontAlgn="base" hangingPunct="0">
+              <a:lnSpc>
+                <a:spcPct val="100000"/>
+              </a:lnSpc>
+              <a:spcBef>
+                <a:spcPct val="0"/>
+              </a:spcBef>
+              <a:spcAft>
+                <a:spcPct val="0"/>
+              </a:spcAft>
+              <a:buClrTx/>
+              <a:buSzTx/>
+              <a:buNone/>
+            </a:pPr>
+            <a:endParaRPr lang="en-US" dirty="0"/>
+          </a:p>
+        </p:txBody>
+      </p:sp>
+    </p:spTree>
+    <p:extLst>
+      <p:ext uri="{BB962C8B-B14F-4D97-AF65-F5344CB8AC3E}">
+        <p14:creationId xmlns:p14="http://schemas.microsoft.com/office/powerpoint/2010/main" val="1368516329"/>
+      </p:ext>
+    </p:extLst>
+  </p:cSld>
+  <p:clrMapOvr>
+    <a:masterClrMapping/>
+  </p:clrMapOvr>
+</p:sld>
+</file>
+
+<file path=ppt/slides/slide22.xml><?xml version="1.0" encoding="utf-8"?>
+<p:sld xmlns:a="http://schemas.openxmlformats.org/drawingml/2006/main" xmlns:r="http://schemas.openxmlformats.org/officeDocument/2006/relationships" xmlns:p="http://schemas.openxmlformats.org/presentationml/2006/main">
+  <p:cSld>
+    <p:spTree>
+      <p:nvGrpSpPr>
+        <p:cNvPr id="1" name=""/>
+        <p:cNvGrpSpPr/>
+        <p:nvPr/>
+      </p:nvGrpSpPr>
+      <p:grpSpPr>
+        <a:xfrm>
+          <a:off x="0" y="0"/>
+          <a:ext cx="0" cy="0"/>
+          <a:chOff x="0" y="0"/>
+          <a:chExt cx="0" cy="0"/>
+        </a:xfrm>
+      </p:grpSpPr>
+      <p:sp>
+        <p:nvSpPr>
+          <p:cNvPr id="2" name="Title 1">
+            <a:extLst>
+              <a:ext uri="{FF2B5EF4-FFF2-40B4-BE49-F238E27FC236}">
+                <a16:creationId xmlns:a16="http://schemas.microsoft.com/office/drawing/2014/main" id="{810E02ED-3051-1736-6696-3FCA08FB289C}"/>
+              </a:ext>
+            </a:extLst>
+          </p:cNvPr>
+          <p:cNvSpPr>
+            <a:spLocks noGrp="1"/>
+          </p:cNvSpPr>
+          <p:nvPr>
+            <p:ph type="title"/>
+          </p:nvPr>
+        </p:nvSpPr>
+        <p:spPr/>
+        <p:txBody>
+          <a:bodyPr/>
+          <a:lstStyle/>
+          <a:p>
+            <a:r>
+              <a:rPr lang="en-US" dirty="0"/>
+              <a:t>Applications of parity.</a:t>
+            </a:r>
+          </a:p>
+        </p:txBody>
+      </p:sp>
+      <p:sp>
+        <p:nvSpPr>
+          <p:cNvPr id="3" name="Content Placeholder 2">
+            <a:extLst>
+              <a:ext uri="{FF2B5EF4-FFF2-40B4-BE49-F238E27FC236}">
+                <a16:creationId xmlns:a16="http://schemas.microsoft.com/office/drawing/2014/main" id="{0C99E5EF-1789-FA13-E139-035B37671C76}"/>
+              </a:ext>
+            </a:extLst>
+          </p:cNvPr>
+          <p:cNvSpPr>
+            <a:spLocks noGrp="1"/>
+          </p:cNvSpPr>
+          <p:nvPr>
+            <p:ph idx="1"/>
+          </p:nvPr>
+        </p:nvSpPr>
+        <p:spPr/>
+        <p:txBody>
+          <a:bodyPr/>
+          <a:lstStyle/>
+          <a:p>
+            <a:pPr marL="0" indent="0">
+              <a:buNone/>
+            </a:pPr>
+            <a:r>
+              <a:rPr lang="en-US" dirty="0"/>
+              <a:t>3.  Storage Media (Hard Drives, CDs, DVDs) </a:t>
+            </a:r>
+          </a:p>
+          <a:p>
+            <a:pPr marL="0" indent="0">
+              <a:buNone/>
+            </a:pPr>
+            <a:r>
+              <a:rPr lang="en-US" dirty="0"/>
+              <a:t>Data stored on physical media is vulnerable to scratches, dust, and magnetic decay. Parity bits (and parity-based schemes) are used to verify that data blocks are correctly written and retrieved. If mismatched parity is detected, the system knows that data corruption occurred and may attempt recovery or request retransmission.</a:t>
+            </a:r>
+          </a:p>
+        </p:txBody>
+      </p:sp>
+    </p:spTree>
+    <p:extLst>
+      <p:ext uri="{BB962C8B-B14F-4D97-AF65-F5344CB8AC3E}">
+        <p14:creationId xmlns:p14="http://schemas.microsoft.com/office/powerpoint/2010/main" val="43446775"/>
+      </p:ext>
+    </p:extLst>
+  </p:cSld>
+  <p:clrMapOvr>
+    <a:masterClrMapping/>
+  </p:clrMapOvr>
+</p:sld>
+</file>
+
+<file path=ppt/slides/slide23.xml><?xml version="1.0" encoding="utf-8"?>
+<p:sld xmlns:a="http://schemas.openxmlformats.org/drawingml/2006/main" xmlns:r="http://schemas.openxmlformats.org/officeDocument/2006/relationships" xmlns:p="http://schemas.openxmlformats.org/presentationml/2006/main">
+  <p:cSld>
+    <p:spTree>
+      <p:nvGrpSpPr>
+        <p:cNvPr id="1" name=""/>
+        <p:cNvGrpSpPr/>
+        <p:nvPr/>
+      </p:nvGrpSpPr>
+      <p:grpSpPr>
+        <a:xfrm>
+          <a:off x="0" y="0"/>
+          <a:ext cx="0" cy="0"/>
+          <a:chOff x="0" y="0"/>
+          <a:chExt cx="0" cy="0"/>
+        </a:xfrm>
+      </p:grpSpPr>
+      <p:sp>
+        <p:nvSpPr>
+          <p:cNvPr id="2" name="Title 1">
+            <a:extLst>
+              <a:ext uri="{FF2B5EF4-FFF2-40B4-BE49-F238E27FC236}">
+                <a16:creationId xmlns:a16="http://schemas.microsoft.com/office/drawing/2014/main" id="{2C0F425F-A19F-8892-3256-0C83E42A1332}"/>
+              </a:ext>
+            </a:extLst>
+          </p:cNvPr>
+          <p:cNvSpPr>
+            <a:spLocks noGrp="1"/>
+          </p:cNvSpPr>
+          <p:nvPr>
+            <p:ph type="title"/>
+          </p:nvPr>
+        </p:nvSpPr>
+        <p:spPr/>
+        <p:txBody>
+          <a:bodyPr/>
+          <a:lstStyle/>
+          <a:p>
+            <a:r>
+              <a:rPr lang="en-US" dirty="0"/>
+              <a:t>Applications of parity.</a:t>
+            </a:r>
+          </a:p>
+        </p:txBody>
+      </p:sp>
+      <p:sp>
+        <p:nvSpPr>
+          <p:cNvPr id="4" name="Rectangle 1">
+            <a:extLst>
+              <a:ext uri="{FF2B5EF4-FFF2-40B4-BE49-F238E27FC236}">
+                <a16:creationId xmlns:a16="http://schemas.microsoft.com/office/drawing/2014/main" id="{B69C4200-2630-C4CC-AF4D-0BA861B5DD88}"/>
+              </a:ext>
+            </a:extLst>
+          </p:cNvPr>
+          <p:cNvSpPr>
+            <a:spLocks noGrp="1" noChangeArrowheads="1"/>
+          </p:cNvSpPr>
+          <p:nvPr>
+            <p:ph idx="1"/>
+          </p:nvPr>
+        </p:nvSpPr>
+        <p:spPr bwMode="auto">
+          <a:xfrm>
+            <a:off x="1451579" y="2863874"/>
+            <a:ext cx="10072053" cy="1754326"/>
+          </a:xfrm>
+          <a:prstGeom prst="rect">
+            <a:avLst/>
+          </a:prstGeom>
+          <a:noFill/>
+          <a:ln>
+            <a:noFill/>
+          </a:ln>
+          <a:effectLst/>
+          <a:extLst>
+            <a:ext uri="{909E8E84-426E-40DD-AFC4-6F175D3DCCD1}">
+              <a14:hiddenFill xmlns:a14="http://schemas.microsoft.com/office/drawing/2010/main">
+                <a:solidFill>
+                  <a:schemeClr val="accent1"/>
+                </a:solidFill>
+              </a14:hiddenFill>
+            </a:ext>
+            <a:ext uri="{91240B29-F687-4F45-9708-019B960494DF}">
+              <a14:hiddenLine xmlns:a14="http://schemas.microsoft.com/office/drawing/2010/main" w="9525">
+                <a:solidFill>
+                  <a:schemeClr val="tx1"/>
+                </a:solidFill>
+                <a:miter lim="800000"/>
+                <a:headEnd/>
+                <a:tailEnd/>
+              </a14:hiddenLine>
+            </a:ext>
+            <a:ext uri="{AF507438-7753-43E0-B8FC-AC1667EBCBE1}">
+              <a14:hiddenEffects xmlns:a14="http://schemas.microsoft.com/office/drawing/2010/main">
+                <a:effectLst>
+                  <a:outerShdw dist="35921" dir="2700000" algn="ctr" rotWithShape="0">
+                    <a:schemeClr val="bg2"/>
+                  </a:outerShdw>
+                </a:effectLst>
+              </a14:hiddenEffects>
+            </a:ext>
+          </a:extLst>
+        </p:spPr>
+        <p:txBody>
+          <a:bodyPr vert="horz" wrap="none" lIns="91440" tIns="45720" rIns="91440" bIns="45720" numCol="1" anchor="ctr" anchorCtr="0" compatLnSpc="1">
+            <a:prstTxWarp prst="textNoShape">
+              <a:avLst/>
+            </a:prstTxWarp>
+            <a:spAutoFit/>
+          </a:bodyPr>
+          <a:lstStyle/>
+          <a:p>
+            <a:pPr marL="0" marR="0" lvl="0" indent="0" algn="l" defTabSz="914400" rtl="0" eaLnBrk="0" fontAlgn="base" latinLnBrk="0" hangingPunct="0">
+              <a:lnSpc>
+                <a:spcPct val="100000"/>
+              </a:lnSpc>
+              <a:spcBef>
+                <a:spcPct val="0"/>
+              </a:spcBef>
+              <a:spcAft>
+                <a:spcPct val="0"/>
+              </a:spcAft>
+              <a:buClrTx/>
+              <a:buSzTx/>
+              <a:buNone/>
+              <a:tabLst/>
+            </a:pPr>
+            <a:r>
+              <a:rPr kumimoji="0" lang="en-US" altLang="en-US" sz="1800" b="0" i="0" u="none" strike="noStrike" cap="none" normalizeH="0" baseline="0" dirty="0">
+                <a:ln>
+                  <a:noFill/>
+                </a:ln>
+                <a:solidFill>
+                  <a:schemeClr val="tx1"/>
+                </a:solidFill>
+                <a:effectLst/>
+                <a:latin typeface="Arial" panose="020B0604020202020204" pitchFamily="34" charset="0"/>
+              </a:rPr>
+              <a:t>4.Ensures </a:t>
+            </a:r>
+            <a:r>
+              <a:rPr kumimoji="0" lang="en-US" altLang="en-US" sz="1800" b="1" i="0" u="none" strike="noStrike" cap="none" normalizeH="0" baseline="0" dirty="0">
+                <a:ln>
+                  <a:noFill/>
+                </a:ln>
+                <a:solidFill>
+                  <a:schemeClr val="tx1"/>
+                </a:solidFill>
+                <a:effectLst/>
+                <a:latin typeface="Arial" panose="020B0604020202020204" pitchFamily="34" charset="0"/>
+              </a:rPr>
+              <a:t>data integrity</a:t>
+            </a:r>
+            <a:r>
+              <a:rPr kumimoji="0" lang="en-US" altLang="en-US" sz="1800" b="0" i="0" u="none" strike="noStrike" cap="none" normalizeH="0" baseline="0" dirty="0">
+                <a:ln>
+                  <a:noFill/>
+                </a:ln>
+                <a:solidFill>
+                  <a:schemeClr val="tx1"/>
+                </a:solidFill>
+                <a:effectLst/>
+                <a:latin typeface="Arial" panose="020B0604020202020204" pitchFamily="34" charset="0"/>
+              </a:rPr>
+              <a:t> during transmission and storage.</a:t>
+            </a:r>
+          </a:p>
+          <a:p>
+            <a:pPr marL="0" marR="0" lvl="0" indent="0" algn="l" defTabSz="914400" rtl="0" eaLnBrk="0" fontAlgn="base" latinLnBrk="0" hangingPunct="0">
+              <a:lnSpc>
+                <a:spcPct val="100000"/>
+              </a:lnSpc>
+              <a:spcBef>
+                <a:spcPct val="0"/>
+              </a:spcBef>
+              <a:spcAft>
+                <a:spcPct val="0"/>
+              </a:spcAft>
+              <a:buClrTx/>
+              <a:buSzTx/>
+              <a:buNone/>
+              <a:tabLst/>
+            </a:pPr>
+            <a:r>
+              <a:rPr lang="en-US" altLang="en-US" sz="1800" dirty="0">
+                <a:latin typeface="Arial" panose="020B0604020202020204" pitchFamily="34" charset="0"/>
+              </a:rPr>
+              <a:t>5. </a:t>
+            </a:r>
+            <a:r>
+              <a:rPr kumimoji="0" lang="en-US" altLang="en-US" sz="1800" b="0" i="0" u="none" strike="noStrike" cap="none" normalizeH="0" baseline="0" dirty="0">
+                <a:ln>
+                  <a:noFill/>
+                </a:ln>
+                <a:solidFill>
+                  <a:schemeClr val="tx1"/>
+                </a:solidFill>
+                <a:effectLst/>
+                <a:latin typeface="Arial" panose="020B0604020202020204" pitchFamily="34" charset="0"/>
+              </a:rPr>
+              <a:t>Applied in </a:t>
+            </a:r>
+            <a:r>
+              <a:rPr kumimoji="0" lang="en-US" altLang="en-US" sz="1800" b="1" i="0" u="none" strike="noStrike" cap="none" normalizeH="0" baseline="0" dirty="0">
+                <a:ln>
+                  <a:noFill/>
+                </a:ln>
+                <a:solidFill>
+                  <a:schemeClr val="tx1"/>
+                </a:solidFill>
+                <a:effectLst/>
+                <a:latin typeface="Arial" panose="020B0604020202020204" pitchFamily="34" charset="0"/>
+              </a:rPr>
+              <a:t>UART serial communication</a:t>
+            </a:r>
+            <a:r>
+              <a:rPr kumimoji="0" lang="en-US" altLang="en-US" sz="1800" b="0" i="0" u="none" strike="noStrike" cap="none" normalizeH="0" baseline="0" dirty="0">
+                <a:ln>
+                  <a:noFill/>
+                </a:ln>
+                <a:solidFill>
+                  <a:schemeClr val="tx1"/>
+                </a:solidFill>
+                <a:effectLst/>
+                <a:latin typeface="Arial" panose="020B0604020202020204" pitchFamily="34" charset="0"/>
+              </a:rPr>
+              <a:t> for detecting bit errors.</a:t>
+            </a:r>
+          </a:p>
+          <a:p>
+            <a:pPr marL="0" marR="0" lvl="0" indent="0" algn="l" defTabSz="914400" rtl="0" eaLnBrk="0" fontAlgn="base" latinLnBrk="0" hangingPunct="0">
+              <a:lnSpc>
+                <a:spcPct val="100000"/>
+              </a:lnSpc>
+              <a:spcBef>
+                <a:spcPct val="0"/>
+              </a:spcBef>
+              <a:spcAft>
+                <a:spcPct val="0"/>
+              </a:spcAft>
+              <a:buClrTx/>
+              <a:buSzTx/>
+              <a:buNone/>
+              <a:tabLst/>
+            </a:pPr>
+            <a:r>
+              <a:rPr kumimoji="0" lang="en-US" altLang="en-US" sz="1800" b="0" i="0" u="none" strike="noStrike" cap="none" normalizeH="0" baseline="0" dirty="0">
+                <a:ln>
+                  <a:noFill/>
+                </a:ln>
+                <a:solidFill>
+                  <a:schemeClr val="tx1"/>
+                </a:solidFill>
+                <a:effectLst/>
+                <a:latin typeface="Arial" panose="020B0604020202020204" pitchFamily="34" charset="0"/>
+              </a:rPr>
+              <a:t>6. Implemented in </a:t>
+            </a:r>
+            <a:r>
+              <a:rPr kumimoji="0" lang="en-US" altLang="en-US" sz="1800" b="1" i="0" u="none" strike="noStrike" cap="none" normalizeH="0" baseline="0" dirty="0">
+                <a:ln>
+                  <a:noFill/>
+                </a:ln>
+                <a:solidFill>
+                  <a:schemeClr val="tx1"/>
+                </a:solidFill>
+                <a:effectLst/>
+                <a:latin typeface="Arial" panose="020B0604020202020204" pitchFamily="34" charset="0"/>
+              </a:rPr>
+              <a:t>network devices</a:t>
+            </a:r>
+            <a:r>
+              <a:rPr kumimoji="0" lang="en-US" altLang="en-US" sz="1800" b="0" i="0" u="none" strike="noStrike" cap="none" normalizeH="0" baseline="0" dirty="0">
+                <a:ln>
+                  <a:noFill/>
+                </a:ln>
+                <a:solidFill>
+                  <a:schemeClr val="tx1"/>
+                </a:solidFill>
+                <a:effectLst/>
+                <a:latin typeface="Arial" panose="020B0604020202020204" pitchFamily="34" charset="0"/>
+              </a:rPr>
+              <a:t> like modems and routers for error checking.</a:t>
+            </a:r>
+          </a:p>
+          <a:p>
+            <a:pPr marL="0" marR="0" lvl="0" indent="0" algn="l" defTabSz="914400" rtl="0" eaLnBrk="0" fontAlgn="base" latinLnBrk="0" hangingPunct="0">
+              <a:lnSpc>
+                <a:spcPct val="100000"/>
+              </a:lnSpc>
+              <a:spcBef>
+                <a:spcPct val="0"/>
+              </a:spcBef>
+              <a:spcAft>
+                <a:spcPct val="0"/>
+              </a:spcAft>
+              <a:buClrTx/>
+              <a:buSzTx/>
+              <a:buNone/>
+              <a:tabLst/>
+            </a:pPr>
+            <a:r>
+              <a:rPr kumimoji="0" lang="en-US" altLang="en-US" sz="1800" b="0" i="0" u="none" strike="noStrike" cap="none" normalizeH="0" baseline="0" dirty="0">
+                <a:ln>
+                  <a:noFill/>
+                </a:ln>
+                <a:solidFill>
+                  <a:schemeClr val="tx1"/>
+                </a:solidFill>
+                <a:effectLst/>
+                <a:latin typeface="Arial" panose="020B0604020202020204" pitchFamily="34" charset="0"/>
+              </a:rPr>
+              <a:t>7. Forms the basis of advanced error detection codes such as </a:t>
+            </a:r>
+            <a:r>
+              <a:rPr kumimoji="0" lang="en-US" altLang="en-US" sz="1800" b="1" i="0" u="none" strike="noStrike" cap="none" normalizeH="0" baseline="0" dirty="0">
+                <a:ln>
+                  <a:noFill/>
+                </a:ln>
+                <a:solidFill>
+                  <a:schemeClr val="tx1"/>
+                </a:solidFill>
+                <a:effectLst/>
+                <a:latin typeface="Arial" panose="020B0604020202020204" pitchFamily="34" charset="0"/>
+              </a:rPr>
+              <a:t>Hamming Code</a:t>
+            </a:r>
+            <a:r>
+              <a:rPr kumimoji="0" lang="en-US" altLang="en-US" sz="1800" b="0" i="0" u="none" strike="noStrike" cap="none" normalizeH="0" baseline="0" dirty="0">
+                <a:ln>
+                  <a:noFill/>
+                </a:ln>
+                <a:solidFill>
+                  <a:schemeClr val="tx1"/>
+                </a:solidFill>
+                <a:effectLst/>
+                <a:latin typeface="Arial" panose="020B0604020202020204" pitchFamily="34" charset="0"/>
+              </a:rPr>
+              <a:t>.</a:t>
+            </a:r>
+          </a:p>
+          <a:p>
+            <a:pPr marL="0" marR="0" lvl="0" indent="0" algn="l" defTabSz="914400" rtl="0" eaLnBrk="0" fontAlgn="base" latinLnBrk="0" hangingPunct="0">
+              <a:lnSpc>
+                <a:spcPct val="100000"/>
+              </a:lnSpc>
+              <a:spcBef>
+                <a:spcPct val="0"/>
+              </a:spcBef>
+              <a:spcAft>
+                <a:spcPct val="0"/>
+              </a:spcAft>
+              <a:buClrTx/>
+              <a:buSzTx/>
+              <a:buNone/>
+              <a:tabLst/>
+            </a:pPr>
+            <a:r>
+              <a:rPr kumimoji="0" lang="en-US" altLang="en-US" sz="1800" b="0" i="0" u="none" strike="noStrike" cap="none" normalizeH="0" baseline="0" dirty="0">
+                <a:ln>
+                  <a:noFill/>
+                </a:ln>
+                <a:solidFill>
+                  <a:schemeClr val="tx1"/>
+                </a:solidFill>
+                <a:effectLst/>
+                <a:latin typeface="Arial" panose="020B0604020202020204" pitchFamily="34" charset="0"/>
+              </a:rPr>
+              <a:t>8. Utilized in </a:t>
+            </a:r>
+            <a:r>
+              <a:rPr kumimoji="0" lang="en-US" altLang="en-US" sz="1800" b="1" i="0" u="none" strike="noStrike" cap="none" normalizeH="0" baseline="0" dirty="0">
+                <a:ln>
+                  <a:noFill/>
+                </a:ln>
+                <a:solidFill>
+                  <a:schemeClr val="tx1"/>
+                </a:solidFill>
+                <a:effectLst/>
+                <a:latin typeface="Arial" panose="020B0604020202020204" pitchFamily="34" charset="0"/>
+              </a:rPr>
+              <a:t>microcontrollers and embedded systems</a:t>
+            </a:r>
+            <a:r>
+              <a:rPr kumimoji="0" lang="en-US" altLang="en-US" sz="1800" b="0" i="0" u="none" strike="noStrike" cap="none" normalizeH="0" baseline="0" dirty="0">
+                <a:ln>
+                  <a:noFill/>
+                </a:ln>
+                <a:solidFill>
+                  <a:schemeClr val="tx1"/>
+                </a:solidFill>
+                <a:effectLst/>
+                <a:latin typeface="Arial" panose="020B0604020202020204" pitchFamily="34" charset="0"/>
+              </a:rPr>
+              <a:t> for reliable data exchange.</a:t>
+            </a:r>
+          </a:p>
+          <a:p>
+            <a:pPr marL="0" marR="0" lvl="0" indent="0" algn="l" defTabSz="914400" rtl="0" eaLnBrk="0" fontAlgn="base" latinLnBrk="0" hangingPunct="0">
+              <a:lnSpc>
+                <a:spcPct val="100000"/>
+              </a:lnSpc>
+              <a:spcBef>
+                <a:spcPct val="0"/>
+              </a:spcBef>
+              <a:spcAft>
+                <a:spcPct val="0"/>
+              </a:spcAft>
+              <a:buClrTx/>
+              <a:buSzTx/>
+              <a:buNone/>
+              <a:tabLst/>
+            </a:pPr>
+            <a:r>
+              <a:rPr kumimoji="0" lang="en-US" altLang="en-US" sz="1800" b="0" i="0" u="none" strike="noStrike" cap="none" normalizeH="0" baseline="0" dirty="0">
+                <a:ln>
+                  <a:noFill/>
+                </a:ln>
+                <a:solidFill>
+                  <a:schemeClr val="tx1"/>
+                </a:solidFill>
+                <a:effectLst/>
+                <a:latin typeface="Arial" panose="020B0604020202020204" pitchFamily="34" charset="0"/>
+              </a:rPr>
+              <a:t>9. Applied in </a:t>
+            </a:r>
+            <a:r>
+              <a:rPr kumimoji="0" lang="en-US" altLang="en-US" sz="1800" b="1" i="0" u="none" strike="noStrike" cap="none" normalizeH="0" baseline="0" dirty="0">
+                <a:ln>
+                  <a:noFill/>
+                </a:ln>
+                <a:solidFill>
+                  <a:schemeClr val="tx1"/>
+                </a:solidFill>
+                <a:effectLst/>
+                <a:latin typeface="Arial" panose="020B0604020202020204" pitchFamily="34" charset="0"/>
+              </a:rPr>
+              <a:t>satellite and space communication</a:t>
+            </a:r>
+            <a:r>
+              <a:rPr kumimoji="0" lang="en-US" altLang="en-US" sz="1800" b="0" i="0" u="none" strike="noStrike" cap="none" normalizeH="0" baseline="0" dirty="0">
+                <a:ln>
+                  <a:noFill/>
+                </a:ln>
+                <a:solidFill>
+                  <a:schemeClr val="tx1"/>
+                </a:solidFill>
+                <a:effectLst/>
+                <a:latin typeface="Arial" panose="020B0604020202020204" pitchFamily="34" charset="0"/>
+              </a:rPr>
+              <a:t> to detect bit flips caused by noise or radiation.</a:t>
+            </a:r>
+          </a:p>
+        </p:txBody>
+      </p:sp>
+    </p:spTree>
+    <p:extLst>
+      <p:ext uri="{BB962C8B-B14F-4D97-AF65-F5344CB8AC3E}">
+        <p14:creationId xmlns:p14="http://schemas.microsoft.com/office/powerpoint/2010/main" val="3142477907"/>
+      </p:ext>
+    </p:extLst>
+  </p:cSld>
+  <p:clrMapOvr>
+    <a:masterClrMapping/>
+  </p:clrMapOvr>
+</p:sld>
+</file>
+
+<file path=ppt/slides/slide24.xml><?xml version="1.0" encoding="utf-8"?>
+<p:sld xmlns:a="http://schemas.openxmlformats.org/drawingml/2006/main" xmlns:r="http://schemas.openxmlformats.org/officeDocument/2006/relationships" xmlns:p="http://schemas.openxmlformats.org/presentationml/2006/main">
+  <p:cSld>
+    <p:spTree>
+      <p:nvGrpSpPr>
+        <p:cNvPr id="1" name=""/>
+        <p:cNvGrpSpPr/>
+        <p:nvPr/>
+      </p:nvGrpSpPr>
+      <p:grpSpPr>
+        <a:xfrm>
+          <a:off x="0" y="0"/>
+          <a:ext cx="0" cy="0"/>
+          <a:chOff x="0" y="0"/>
+          <a:chExt cx="0" cy="0"/>
+        </a:xfrm>
+      </p:grpSpPr>
+      <p:pic>
+        <p:nvPicPr>
+          <p:cNvPr id="3" name="Picture 2">
+            <a:extLst>
+              <a:ext uri="{FF2B5EF4-FFF2-40B4-BE49-F238E27FC236}">
+                <a16:creationId xmlns:a16="http://schemas.microsoft.com/office/drawing/2014/main" id="{20BAF17B-C7E6-B915-5F5B-B105CEC1CDF5}"/>
+              </a:ext>
+            </a:extLst>
+          </p:cNvPr>
+          <p:cNvPicPr>
+            <a:picLocks noChangeAspect="1"/>
+          </p:cNvPicPr>
+          <p:nvPr/>
+        </p:nvPicPr>
+        <p:blipFill>
+          <a:blip r:embed="rId2">
+            <a:extLst>
+              <a:ext uri="{28A0092B-C50C-407E-A947-70E740481C1C}">
+                <a14:useLocalDpi xmlns:a14="http://schemas.microsoft.com/office/drawing/2010/main" val="0"/>
+              </a:ext>
+            </a:extLst>
+          </a:blip>
+          <a:stretch>
+            <a:fillRect/>
+          </a:stretch>
+        </p:blipFill>
+        <p:spPr>
+          <a:xfrm>
+            <a:off x="813582" y="432581"/>
+            <a:ext cx="10564836" cy="5992837"/>
+          </a:xfrm>
+          <a:prstGeom prst="rect">
+            <a:avLst/>
+          </a:prstGeom>
+        </p:spPr>
+      </p:pic>
+    </p:spTree>
+    <p:extLst>
+      <p:ext uri="{BB962C8B-B14F-4D97-AF65-F5344CB8AC3E}">
+        <p14:creationId xmlns:p14="http://schemas.microsoft.com/office/powerpoint/2010/main" val="3161380828"/>
+      </p:ext>
+    </p:extLst>
+  </p:cSld>
+  <p:clrMapOvr>
+    <a:masterClrMapping/>
+  </p:clrMapOvr>
+</p:sld>
+</file>
+
+<file path=ppt/slides/slide3.xml><?xml version="1.0" encoding="utf-8"?>
+<p:sld xmlns:a="http://schemas.openxmlformats.org/drawingml/2006/main" xmlns:r="http://schemas.openxmlformats.org/officeDocument/2006/relationships" xmlns:p="http://schemas.openxmlformats.org/presentationml/2006/main">
+  <p:cSld>
+    <p:spTree>
+      <p:nvGrpSpPr>
+        <p:cNvPr id="1" name=""/>
+        <p:cNvGrpSpPr/>
+        <p:nvPr/>
+      </p:nvGrpSpPr>
+      <p:grpSpPr>
+        <a:xfrm>
+          <a:off x="0" y="0"/>
+          <a:ext cx="0" cy="0"/>
+          <a:chOff x="0" y="0"/>
+          <a:chExt cx="0" cy="0"/>
+        </a:xfrm>
+      </p:grpSpPr>
+      <p:sp>
+        <p:nvSpPr>
+          <p:cNvPr id="2" name="Title 1">
+            <a:extLst>
+              <a:ext uri="{FF2B5EF4-FFF2-40B4-BE49-F238E27FC236}">
+                <a16:creationId xmlns:a16="http://schemas.microsoft.com/office/drawing/2014/main" id="{F2C946C8-6AC0-A609-3581-EE0F5263E6F6}"/>
+              </a:ext>
+            </a:extLst>
+          </p:cNvPr>
+          <p:cNvSpPr>
+            <a:spLocks noGrp="1"/>
+          </p:cNvSpPr>
+          <p:nvPr>
+            <p:ph type="title"/>
+          </p:nvPr>
+        </p:nvSpPr>
+        <p:spPr/>
+        <p:txBody>
+          <a:bodyPr/>
+          <a:lstStyle/>
+          <a:p>
+            <a:r>
+              <a:rPr lang="en-US" dirty="0"/>
+              <a:t>INTRODUCTION</a:t>
+            </a:r>
+          </a:p>
+        </p:txBody>
+      </p:sp>
+      <p:sp>
+        <p:nvSpPr>
+          <p:cNvPr id="3" name="Content Placeholder 2">
+            <a:extLst>
+              <a:ext uri="{FF2B5EF4-FFF2-40B4-BE49-F238E27FC236}">
+                <a16:creationId xmlns:a16="http://schemas.microsoft.com/office/drawing/2014/main" id="{A0744E6E-FF98-9D67-0D55-D161DEDE0CC2}"/>
+              </a:ext>
+            </a:extLst>
+          </p:cNvPr>
+          <p:cNvSpPr>
+            <a:spLocks noGrp="1"/>
+          </p:cNvSpPr>
+          <p:nvPr>
+            <p:ph idx="1"/>
+          </p:nvPr>
+        </p:nvSpPr>
+        <p:spPr>
+          <a:xfrm>
+            <a:off x="1137146" y="1853754"/>
+            <a:ext cx="9603275" cy="3450613"/>
+          </a:xfrm>
+        </p:spPr>
+        <p:txBody>
+          <a:bodyPr/>
+          <a:lstStyle/>
+          <a:p>
+            <a:pPr marL="0" indent="0">
+              <a:buNone/>
+            </a:pPr>
+            <a:r>
+              <a:rPr lang="en-US" dirty="0"/>
+              <a:t>In digital systems, </a:t>
+            </a:r>
+            <a:r>
+              <a:rPr lang="en-US" b="1" dirty="0"/>
+              <a:t>parity</a:t>
+            </a:r>
+            <a:r>
+              <a:rPr lang="en-US" dirty="0"/>
+              <a:t> is a method used to ensure that data remains accurate when it is transmitted or stored. It works by adding a special bit, called a </a:t>
+            </a:r>
+            <a:r>
+              <a:rPr lang="en-US" b="1" dirty="0"/>
+              <a:t>parity bit</a:t>
+            </a:r>
+            <a:r>
+              <a:rPr lang="en-US" dirty="0"/>
+              <a:t>, to a set of data bits. This bit indicates whether the total number of 1s in the data is even or odd. For example, in even parity, the parity bit is chosen so that the total number of 1s (including the parity bit) becomes even. In odd parity, it is chosen so that the total number of 1s becomes odd.</a:t>
+            </a:r>
+          </a:p>
+        </p:txBody>
+      </p:sp>
+    </p:spTree>
+    <p:extLst>
+      <p:ext uri="{BB962C8B-B14F-4D97-AF65-F5344CB8AC3E}">
+        <p14:creationId xmlns:p14="http://schemas.microsoft.com/office/powerpoint/2010/main" val="3199133845"/>
+      </p:ext>
+    </p:extLst>
+  </p:cSld>
+  <p:clrMapOvr>
+    <a:masterClrMapping/>
+  </p:clrMapOvr>
+</p:sld>
+</file>
+
+<file path=ppt/slides/slide4.xml><?xml version="1.0" encoding="utf-8"?>
+<p:sld xmlns:a="http://schemas.openxmlformats.org/drawingml/2006/main" xmlns:r="http://schemas.openxmlformats.org/officeDocument/2006/relationships" xmlns:p="http://schemas.openxmlformats.org/presentationml/2006/main">
+  <p:cSld>
+    <p:spTree>
+      <p:nvGrpSpPr>
+        <p:cNvPr id="1" name=""/>
+        <p:cNvGrpSpPr/>
+        <p:nvPr/>
+      </p:nvGrpSpPr>
+      <p:grpSpPr>
+        <a:xfrm>
+          <a:off x="0" y="0"/>
+          <a:ext cx="0" cy="0"/>
+          <a:chOff x="0" y="0"/>
+          <a:chExt cx="0" cy="0"/>
+        </a:xfrm>
+      </p:grpSpPr>
+      <p:sp>
+        <p:nvSpPr>
+          <p:cNvPr id="2" name="Title 1">
+            <a:extLst>
+              <a:ext uri="{FF2B5EF4-FFF2-40B4-BE49-F238E27FC236}">
+                <a16:creationId xmlns:a16="http://schemas.microsoft.com/office/drawing/2014/main" id="{A0BD171B-E877-F26E-47F9-12D412D2A0FF}"/>
+              </a:ext>
+            </a:extLst>
+          </p:cNvPr>
+          <p:cNvSpPr>
+            <a:spLocks noGrp="1"/>
+          </p:cNvSpPr>
+          <p:nvPr>
+            <p:ph type="title"/>
+          </p:nvPr>
+        </p:nvSpPr>
+        <p:spPr/>
+        <p:txBody>
+          <a:bodyPr/>
+          <a:lstStyle/>
+          <a:p>
+            <a:r>
+              <a:rPr lang="en-US" dirty="0"/>
+              <a:t>Cont `</a:t>
+            </a:r>
+          </a:p>
+        </p:txBody>
+      </p:sp>
+      <p:sp>
+        <p:nvSpPr>
+          <p:cNvPr id="3" name="Content Placeholder 2">
+            <a:extLst>
+              <a:ext uri="{FF2B5EF4-FFF2-40B4-BE49-F238E27FC236}">
+                <a16:creationId xmlns:a16="http://schemas.microsoft.com/office/drawing/2014/main" id="{DEF42B66-1788-12BF-9383-8B9668B887B6}"/>
+              </a:ext>
+            </a:extLst>
+          </p:cNvPr>
+          <p:cNvSpPr>
+            <a:spLocks noGrp="1"/>
+          </p:cNvSpPr>
+          <p:nvPr>
+            <p:ph idx="1"/>
+          </p:nvPr>
+        </p:nvSpPr>
+        <p:spPr/>
+        <p:txBody>
+          <a:bodyPr/>
+          <a:lstStyle/>
+          <a:p>
+            <a:pPr marL="0" indent="0">
+              <a:buNone/>
+            </a:pPr>
+            <a:r>
+              <a:rPr lang="en-US" dirty="0"/>
+              <a:t>Parity checking helps detect errors that might occur when data is sent through communication channels or stored in digital memory. If a bit changes due to noise or interference, the receiver can quickly notice it by checking the parity. Although this method cannot correct the error, it provides a simple and effective way to identify when data has been altered, ensuring basic reliability in digital communication and storage systems.</a:t>
+            </a:r>
+          </a:p>
+        </p:txBody>
+      </p:sp>
+    </p:spTree>
+    <p:extLst>
+      <p:ext uri="{BB962C8B-B14F-4D97-AF65-F5344CB8AC3E}">
+        <p14:creationId xmlns:p14="http://schemas.microsoft.com/office/powerpoint/2010/main" val="285650499"/>
       </p:ext>
     </p:extLst>
   </p:cSld>
@@ -4333,7 +6770,7 @@
           <p:cNvPr id="2" name="Title 1">
             <a:extLst>
               <a:ext uri="{FF2B5EF4-FFF2-40B4-BE49-F238E27FC236}">
-                <a16:creationId xmlns:a16="http://schemas.microsoft.com/office/drawing/2014/main" id="{1A09BC79-90FF-F9B3-7055-CC2C5F864FD6}"/>
+                <a16:creationId xmlns:a16="http://schemas.microsoft.com/office/drawing/2014/main" id="{EFB0A249-D29A-C586-4AC0-187BFFA3D897}"/>
               </a:ext>
             </a:extLst>
           </p:cNvPr>
@@ -4350,12 +6787,15 @@
           <a:lstStyle/>
           <a:p>
             <a:r>
-              <a:rPr lang="en-US" dirty="0" err="1"/>
-              <a:t>Multism</a:t>
-            </a:r>
-            <a:r>
               <a:rPr lang="en-US" dirty="0"/>
-              <a:t> circuit</a:t>
+              <a:t>TYPES OF PARITY: </a:t>
+            </a:r>
+            <a:br>
+              <a:rPr lang="en-US" dirty="0"/>
+            </a:br>
+            <a:r>
+              <a:rPr lang="en-US" dirty="0"/>
+              <a:t>1. Even parity.</a:t>
             </a:r>
           </a:p>
         </p:txBody>
@@ -4365,7 +6805,7 @@
           <p:cNvPr id="3" name="Content Placeholder 2">
             <a:extLst>
               <a:ext uri="{FF2B5EF4-FFF2-40B4-BE49-F238E27FC236}">
-                <a16:creationId xmlns:a16="http://schemas.microsoft.com/office/drawing/2014/main" id="{0C089FAF-0741-5088-E983-8AC254C25E76}"/>
+                <a16:creationId xmlns:a16="http://schemas.microsoft.com/office/drawing/2014/main" id="{C35BADA7-5007-B733-ADF1-B85BBB5B5D1C}"/>
               </a:ext>
             </a:extLst>
           </p:cNvPr>
@@ -4381,14 +6821,20 @@
           <a:bodyPr/>
           <a:lstStyle/>
           <a:p>
-            <a:endParaRPr lang="en-US" dirty="0"/>
+            <a:pPr marL="0" indent="0">
+              <a:buNone/>
+            </a:pPr>
+            <a:r>
+              <a:rPr lang="en-US" dirty="0"/>
+              <a:t>In even parity, the parity bit is chosen so that the total number of 1s in the entire data set (including the parity bit) is an even number. For instance, if a data word contains three 1s, the parity bit is set to 1 to make the total number of 1s equal to four, which is even. Even parity is one of the most common error detection methods used in communication systems and memory storage because it offers a straightforward way to check data integrity. When the receiver counts an odd number of 1s instead of even, it knows that an error has occurred during transmission.</a:t>
+            </a:r>
           </a:p>
         </p:txBody>
       </p:sp>
     </p:spTree>
     <p:extLst>
       <p:ext uri="{BB962C8B-B14F-4D97-AF65-F5344CB8AC3E}">
-        <p14:creationId xmlns:p14="http://schemas.microsoft.com/office/powerpoint/2010/main" val="291041567"/>
+        <p14:creationId xmlns:p14="http://schemas.microsoft.com/office/powerpoint/2010/main" val="804947705"/>
       </p:ext>
     </p:extLst>
   </p:cSld>
@@ -4420,7 +6866,7 @@
           <p:cNvPr id="2" name="Title 1">
             <a:extLst>
               <a:ext uri="{FF2B5EF4-FFF2-40B4-BE49-F238E27FC236}">
-                <a16:creationId xmlns:a16="http://schemas.microsoft.com/office/drawing/2014/main" id="{95254E24-0F66-62BB-21D3-F42379FB459F}"/>
+                <a16:creationId xmlns:a16="http://schemas.microsoft.com/office/drawing/2014/main" id="{B771349E-0909-BB65-1748-29FF978CF60B}"/>
               </a:ext>
             </a:extLst>
           </p:cNvPr>
@@ -4437,12 +6883,8 @@
           <a:lstStyle/>
           <a:p>
             <a:r>
-              <a:rPr lang="en-US" dirty="0" err="1"/>
-              <a:t>simulink</a:t>
-            </a:r>
-            <a:r>
               <a:rPr lang="en-US" dirty="0"/>
-              <a:t> circuit.</a:t>
+              <a:t>2. Odd parity</a:t>
             </a:r>
           </a:p>
         </p:txBody>
@@ -4452,7 +6894,7 @@
           <p:cNvPr id="3" name="Content Placeholder 2">
             <a:extLst>
               <a:ext uri="{FF2B5EF4-FFF2-40B4-BE49-F238E27FC236}">
-                <a16:creationId xmlns:a16="http://schemas.microsoft.com/office/drawing/2014/main" id="{C6D5F164-7634-91D2-6B8B-F35969380E55}"/>
+                <a16:creationId xmlns:a16="http://schemas.microsoft.com/office/drawing/2014/main" id="{FD4DE1F9-1FA9-36A4-58A2-C1F404F4934C}"/>
               </a:ext>
             </a:extLst>
           </p:cNvPr>
@@ -4468,14 +6910,20 @@
           <a:bodyPr/>
           <a:lstStyle/>
           <a:p>
-            <a:endParaRPr lang="en-US"/>
+            <a:pPr marL="0" indent="0">
+              <a:buNone/>
+            </a:pPr>
+            <a:r>
+              <a:rPr lang="en-US" dirty="0"/>
+              <a:t>In odd parity, the parity bit is chosen so that the total number of 1s (including the parity bit) becomes an odd number. For example, if the data word already contains two 1s, the parity bit is set to 1 to make the total number of 1s three — an odd count. Odd parity works the same way as even parity but follows the opposite rule. It is used in systems or communication standards that require an odd count of 1s for consistency. Like even parity, it can detect single-bit errors efficiently, ensuring the accuracy of transmitted or stored data.</a:t>
+            </a:r>
           </a:p>
         </p:txBody>
       </p:sp>
     </p:spTree>
     <p:extLst>
       <p:ext uri="{BB962C8B-B14F-4D97-AF65-F5344CB8AC3E}">
-        <p14:creationId xmlns:p14="http://schemas.microsoft.com/office/powerpoint/2010/main" val="3287050234"/>
+        <p14:creationId xmlns:p14="http://schemas.microsoft.com/office/powerpoint/2010/main" val="2302459665"/>
       </p:ext>
     </p:extLst>
   </p:cSld>
@@ -4507,7 +6955,7 @@
           <p:cNvPr id="2" name="Title 1">
             <a:extLst>
               <a:ext uri="{FF2B5EF4-FFF2-40B4-BE49-F238E27FC236}">
-                <a16:creationId xmlns:a16="http://schemas.microsoft.com/office/drawing/2014/main" id="{78DC9E82-2BD5-21FD-1231-CCD4481AFBC9}"/>
+                <a16:creationId xmlns:a16="http://schemas.microsoft.com/office/drawing/2014/main" id="{D6B39DA6-909A-264E-E563-4B56F6C32BAA}"/>
               </a:ext>
             </a:extLst>
           </p:cNvPr>
@@ -4525,17 +6973,17 @@
           <a:p>
             <a:r>
               <a:rPr lang="en-US" dirty="0"/>
-              <a:t>Truth table for four bit generator.</a:t>
+              <a:t>differences</a:t>
             </a:r>
           </a:p>
         </p:txBody>
       </p:sp>
       <p:graphicFrame>
         <p:nvGraphicFramePr>
-          <p:cNvPr id="5" name="Content Placeholder 4">
+          <p:cNvPr id="4" name="Content Placeholder 3">
             <a:extLst>
               <a:ext uri="{FF2B5EF4-FFF2-40B4-BE49-F238E27FC236}">
-                <a16:creationId xmlns:a16="http://schemas.microsoft.com/office/drawing/2014/main" id="{97B9B17F-60FF-C5C5-550C-22B87E79C316}"/>
+                <a16:creationId xmlns:a16="http://schemas.microsoft.com/office/drawing/2014/main" id="{7238DEA6-D862-1A4E-D07C-499DFEA09E8C}"/>
               </a:ext>
             </a:extLst>
           </p:cNvPr>
@@ -4546,847 +6994,397 @@
             <p:ph idx="1"/>
             <p:extLst>
               <p:ext uri="{D42A27DB-BD31-4B8C-83A1-F6EECF244321}">
-                <p14:modId xmlns:p14="http://schemas.microsoft.com/office/powerpoint/2010/main" val="1702207611"/>
+                <p14:modId xmlns:p14="http://schemas.microsoft.com/office/powerpoint/2010/main" val="3914160043"/>
               </p:ext>
             </p:extLst>
           </p:nvPr>
         </p:nvGraphicFramePr>
         <p:xfrm>
-          <a:off x="838200" y="1911984"/>
-          <a:ext cx="7252252" cy="6217920"/>
+          <a:off x="1450975" y="1853753"/>
+          <a:ext cx="9604374" cy="3889820"/>
         </p:xfrm>
         <a:graphic>
           <a:graphicData uri="http://schemas.openxmlformats.org/drawingml/2006/table">
             <a:tbl>
-              <a:tblPr firstRow="1" bandRow="1">
-                <a:tableStyleId>{5C22544A-7EE6-4342-B048-85BDC9FD1C3A}</a:tableStyleId>
-              </a:tblPr>
+              <a:tblPr/>
               <a:tblGrid>
-                <a:gridCol w="1813063">
+                <a:gridCol w="4802187">
                   <a:extLst>
                     <a:ext uri="{9D8B030D-6E8A-4147-A177-3AD203B41FA5}">
-                      <a16:colId xmlns:a16="http://schemas.microsoft.com/office/drawing/2014/main" val="3083521444"/>
+                      <a16:colId xmlns:a16="http://schemas.microsoft.com/office/drawing/2014/main" val="578359919"/>
                     </a:ext>
                   </a:extLst>
                 </a:gridCol>
-                <a:gridCol w="1776504">
+                <a:gridCol w="4802187">
                   <a:extLst>
                     <a:ext uri="{9D8B030D-6E8A-4147-A177-3AD203B41FA5}">
-                      <a16:colId xmlns:a16="http://schemas.microsoft.com/office/drawing/2014/main" val="2087871655"/>
-                    </a:ext>
-                  </a:extLst>
-                </a:gridCol>
-                <a:gridCol w="1849622">
-                  <a:extLst>
-                    <a:ext uri="{9D8B030D-6E8A-4147-A177-3AD203B41FA5}">
-                      <a16:colId xmlns:a16="http://schemas.microsoft.com/office/drawing/2014/main" val="3953715368"/>
-                    </a:ext>
-                  </a:extLst>
-                </a:gridCol>
-                <a:gridCol w="1813063">
-                  <a:extLst>
-                    <a:ext uri="{9D8B030D-6E8A-4147-A177-3AD203B41FA5}">
-                      <a16:colId xmlns:a16="http://schemas.microsoft.com/office/drawing/2014/main" val="1359146157"/>
+                      <a16:colId xmlns:a16="http://schemas.microsoft.com/office/drawing/2014/main" val="804769373"/>
                     </a:ext>
                   </a:extLst>
                 </a:gridCol>
               </a:tblGrid>
-              <a:tr h="325050">
+              <a:tr h="777964">
                 <a:tc>
                   <a:txBody>
                     <a:bodyPr/>
                     <a:lstStyle/>
                     <a:p>
-                      <a:endParaRPr lang="en-US" dirty="0"/>
+                      <a:pPr>
+                        <a:buNone/>
+                      </a:pPr>
+                      <a:r>
+                        <a:rPr lang="en-US" sz="2000" b="1">
+                          <a:latin typeface="Times New Roman" panose="02020603050405020304" pitchFamily="18" charset="0"/>
+                          <a:cs typeface="Times New Roman" panose="02020603050405020304" pitchFamily="18" charset="0"/>
+                        </a:rPr>
+                        <a:t>Even Parity</a:t>
+                      </a:r>
                     </a:p>
                   </a:txBody>
-                  <a:tcPr/>
+                  <a:tcPr anchor="ctr">
+                    <a:lnL>
+                      <a:noFill/>
+                    </a:lnL>
+                    <a:lnR>
+                      <a:noFill/>
+                    </a:lnR>
+                    <a:lnT>
+                      <a:noFill/>
+                    </a:lnT>
+                    <a:lnB>
+                      <a:noFill/>
+                    </a:lnB>
+                    <a:noFill/>
+                  </a:tcPr>
                 </a:tc>
                 <a:tc>
                   <a:txBody>
                     <a:bodyPr/>
                     <a:lstStyle/>
                     <a:p>
-                      <a:endParaRPr lang="en-US"/>
+                      <a:pPr>
+                        <a:buNone/>
+                      </a:pPr>
+                      <a:r>
+                        <a:rPr lang="en-US" sz="2000" b="1">
+                          <a:latin typeface="Times New Roman" panose="02020603050405020304" pitchFamily="18" charset="0"/>
+                          <a:cs typeface="Times New Roman" panose="02020603050405020304" pitchFamily="18" charset="0"/>
+                        </a:rPr>
+                        <a:t>Odd Parity</a:t>
+                      </a:r>
                     </a:p>
                   </a:txBody>
-                  <a:tcPr/>
+                  <a:tcPr anchor="ctr">
+                    <a:lnL>
+                      <a:noFill/>
+                    </a:lnL>
+                    <a:lnR>
+                      <a:noFill/>
+                    </a:lnR>
+                    <a:lnT>
+                      <a:noFill/>
+                    </a:lnT>
+                    <a:lnB>
+                      <a:noFill/>
+                    </a:lnB>
+                    <a:noFill/>
+                  </a:tcPr>
+                </a:tc>
+                <a:extLst>
+                  <a:ext uri="{0D108BD9-81ED-4DB2-BD59-A6C34878D82A}">
+                    <a16:rowId xmlns:a16="http://schemas.microsoft.com/office/drawing/2014/main" val="4172012504"/>
+                  </a:ext>
+                </a:extLst>
+              </a:tr>
+              <a:tr h="777964">
+                <a:tc>
+                  <a:txBody>
+                    <a:bodyPr/>
+                    <a:lstStyle/>
+                    <a:p>
+                      <a:pPr>
+                        <a:buNone/>
+                      </a:pPr>
+                      <a:r>
+                        <a:rPr lang="en-US" sz="2000" b="1">
+                          <a:latin typeface="Times New Roman" panose="02020603050405020304" pitchFamily="18" charset="0"/>
+                          <a:cs typeface="Times New Roman" panose="02020603050405020304" pitchFamily="18" charset="0"/>
+                        </a:rPr>
+                        <a:t>Total number of 1’s is even</a:t>
+                      </a:r>
+                    </a:p>
+                  </a:txBody>
+                  <a:tcPr anchor="ctr">
+                    <a:lnL>
+                      <a:noFill/>
+                    </a:lnL>
+                    <a:lnR>
+                      <a:noFill/>
+                    </a:lnR>
+                    <a:lnT>
+                      <a:noFill/>
+                    </a:lnT>
+                    <a:lnB>
+                      <a:noFill/>
+                    </a:lnB>
+                    <a:noFill/>
+                  </a:tcPr>
                 </a:tc>
                 <a:tc>
                   <a:txBody>
                     <a:bodyPr/>
                     <a:lstStyle/>
                     <a:p>
-                      <a:endParaRPr lang="en-US"/>
+                      <a:pPr>
+                        <a:buNone/>
+                      </a:pPr>
+                      <a:r>
+                        <a:rPr lang="en-US" sz="2000" b="1" dirty="0">
+                          <a:latin typeface="Times New Roman" panose="02020603050405020304" pitchFamily="18" charset="0"/>
+                          <a:cs typeface="Times New Roman" panose="02020603050405020304" pitchFamily="18" charset="0"/>
+                        </a:rPr>
+                        <a:t>Total number of 1’s is odd</a:t>
+                      </a:r>
                     </a:p>
                   </a:txBody>
-                  <a:tcPr/>
+                  <a:tcPr anchor="ctr">
+                    <a:lnL>
+                      <a:noFill/>
+                    </a:lnL>
+                    <a:lnR>
+                      <a:noFill/>
+                    </a:lnR>
+                    <a:lnT>
+                      <a:noFill/>
+                    </a:lnT>
+                    <a:lnB>
+                      <a:noFill/>
+                    </a:lnB>
+                    <a:noFill/>
+                  </a:tcPr>
+                </a:tc>
+                <a:extLst>
+                  <a:ext uri="{0D108BD9-81ED-4DB2-BD59-A6C34878D82A}">
+                    <a16:rowId xmlns:a16="http://schemas.microsoft.com/office/drawing/2014/main" val="126298764"/>
+                  </a:ext>
+                </a:extLst>
+              </a:tr>
+              <a:tr h="777964">
+                <a:tc>
+                  <a:txBody>
+                    <a:bodyPr/>
+                    <a:lstStyle/>
+                    <a:p>
+                      <a:pPr>
+                        <a:buNone/>
+                      </a:pPr>
+                      <a:r>
+                        <a:rPr lang="en-US" sz="2000" b="1">
+                          <a:latin typeface="Times New Roman" panose="02020603050405020304" pitchFamily="18" charset="0"/>
+                          <a:cs typeface="Times New Roman" panose="02020603050405020304" pitchFamily="18" charset="0"/>
+                        </a:rPr>
+                        <a:t>Parity bit = 1 if data has odd 1’s</a:t>
+                      </a:r>
+                    </a:p>
+                  </a:txBody>
+                  <a:tcPr anchor="ctr">
+                    <a:lnL>
+                      <a:noFill/>
+                    </a:lnL>
+                    <a:lnR>
+                      <a:noFill/>
+                    </a:lnR>
+                    <a:lnT>
+                      <a:noFill/>
+                    </a:lnT>
+                    <a:lnB>
+                      <a:noFill/>
+                    </a:lnB>
+                    <a:noFill/>
+                  </a:tcPr>
                 </a:tc>
                 <a:tc>
                   <a:txBody>
                     <a:bodyPr/>
                     <a:lstStyle/>
                     <a:p>
-                      <a:endParaRPr lang="en-US"/>
+                      <a:pPr>
+                        <a:buNone/>
+                      </a:pPr>
+                      <a:r>
+                        <a:rPr lang="en-US" sz="2000" b="1">
+                          <a:latin typeface="Times New Roman" panose="02020603050405020304" pitchFamily="18" charset="0"/>
+                          <a:cs typeface="Times New Roman" panose="02020603050405020304" pitchFamily="18" charset="0"/>
+                        </a:rPr>
+                        <a:t>Parity bit = 1 if data has even 1’s</a:t>
+                      </a:r>
                     </a:p>
                   </a:txBody>
-                  <a:tcPr/>
+                  <a:tcPr anchor="ctr">
+                    <a:lnL>
+                      <a:noFill/>
+                    </a:lnL>
+                    <a:lnR>
+                      <a:noFill/>
+                    </a:lnR>
+                    <a:lnT>
+                      <a:noFill/>
+                    </a:lnT>
+                    <a:lnB>
+                      <a:noFill/>
+                    </a:lnB>
+                    <a:noFill/>
+                  </a:tcPr>
                 </a:tc>
                 <a:extLst>
                   <a:ext uri="{0D108BD9-81ED-4DB2-BD59-A6C34878D82A}">
-                    <a16:rowId xmlns:a16="http://schemas.microsoft.com/office/drawing/2014/main" val="3951535965"/>
+                    <a16:rowId xmlns:a16="http://schemas.microsoft.com/office/drawing/2014/main" val="2191331241"/>
                   </a:ext>
                 </a:extLst>
               </a:tr>
-              <a:tr h="325050">
+              <a:tr h="777964">
                 <a:tc>
                   <a:txBody>
                     <a:bodyPr/>
                     <a:lstStyle/>
                     <a:p>
-                      <a:endParaRPr lang="en-US"/>
+                      <a:pPr>
+                        <a:buNone/>
+                      </a:pPr>
+                      <a:r>
+                        <a:rPr lang="en-US" sz="2000" b="1">
+                          <a:latin typeface="Times New Roman" panose="02020603050405020304" pitchFamily="18" charset="0"/>
+                          <a:cs typeface="Times New Roman" panose="02020603050405020304" pitchFamily="18" charset="0"/>
+                        </a:rPr>
+                        <a:t>Example (1011 → parity = 1)</a:t>
+                      </a:r>
                     </a:p>
                   </a:txBody>
-                  <a:tcPr/>
+                  <a:tcPr anchor="ctr">
+                    <a:lnL>
+                      <a:noFill/>
+                    </a:lnL>
+                    <a:lnR>
+                      <a:noFill/>
+                    </a:lnR>
+                    <a:lnT>
+                      <a:noFill/>
+                    </a:lnT>
+                    <a:lnB>
+                      <a:noFill/>
+                    </a:lnB>
+                    <a:noFill/>
+                  </a:tcPr>
                 </a:tc>
                 <a:tc>
                   <a:txBody>
                     <a:bodyPr/>
                     <a:lstStyle/>
                     <a:p>
-                      <a:endParaRPr lang="en-US"/>
+                      <a:pPr>
+                        <a:buNone/>
+                      </a:pPr>
+                      <a:r>
+                        <a:rPr lang="en-US" sz="2000" b="1" dirty="0">
+                          <a:latin typeface="Times New Roman" panose="02020603050405020304" pitchFamily="18" charset="0"/>
+                          <a:cs typeface="Times New Roman" panose="02020603050405020304" pitchFamily="18" charset="0"/>
+                        </a:rPr>
+                        <a:t>Example (1011 → parity = 0)</a:t>
+                      </a:r>
                     </a:p>
                   </a:txBody>
-                  <a:tcPr/>
+                  <a:tcPr anchor="ctr">
+                    <a:lnL>
+                      <a:noFill/>
+                    </a:lnL>
+                    <a:lnR>
+                      <a:noFill/>
+                    </a:lnR>
+                    <a:lnT>
+                      <a:noFill/>
+                    </a:lnT>
+                    <a:lnB>
+                      <a:noFill/>
+                    </a:lnB>
+                    <a:noFill/>
+                  </a:tcPr>
+                </a:tc>
+                <a:extLst>
+                  <a:ext uri="{0D108BD9-81ED-4DB2-BD59-A6C34878D82A}">
+                    <a16:rowId xmlns:a16="http://schemas.microsoft.com/office/drawing/2014/main" val="1996665381"/>
+                  </a:ext>
+                </a:extLst>
+              </a:tr>
+              <a:tr h="777964">
+                <a:tc>
+                  <a:txBody>
+                    <a:bodyPr/>
+                    <a:lstStyle/>
+                    <a:p>
+                      <a:pPr>
+                        <a:buNone/>
+                      </a:pPr>
+                      <a:r>
+                        <a:rPr lang="en-US" sz="2000" b="1">
+                          <a:latin typeface="Times New Roman" panose="02020603050405020304" pitchFamily="18" charset="0"/>
+                          <a:cs typeface="Times New Roman" panose="02020603050405020304" pitchFamily="18" charset="0"/>
+                        </a:rPr>
+                        <a:t>Common in memory systems</a:t>
+                      </a:r>
+                    </a:p>
+                  </a:txBody>
+                  <a:tcPr anchor="ctr">
+                    <a:lnL>
+                      <a:noFill/>
+                    </a:lnL>
+                    <a:lnR>
+                      <a:noFill/>
+                    </a:lnR>
+                    <a:lnT>
+                      <a:noFill/>
+                    </a:lnT>
+                    <a:lnB>
+                      <a:noFill/>
+                    </a:lnB>
+                    <a:noFill/>
+                  </a:tcPr>
                 </a:tc>
                 <a:tc>
                   <a:txBody>
                     <a:bodyPr/>
                     <a:lstStyle/>
                     <a:p>
-                      <a:endParaRPr lang="en-US"/>
+                      <a:pPr>
+                        <a:buNone/>
+                      </a:pPr>
+                      <a:r>
+                        <a:rPr lang="en-US" sz="2000" b="1" dirty="0">
+                          <a:latin typeface="Times New Roman" panose="02020603050405020304" pitchFamily="18" charset="0"/>
+                          <a:cs typeface="Times New Roman" panose="02020603050405020304" pitchFamily="18" charset="0"/>
+                        </a:rPr>
+                        <a:t>Used in some serial communications</a:t>
+                      </a:r>
                     </a:p>
                   </a:txBody>
-                  <a:tcPr/>
-                </a:tc>
-                <a:tc>
-                  <a:txBody>
-                    <a:bodyPr/>
-                    <a:lstStyle/>
-                    <a:p>
-                      <a:endParaRPr lang="en-US"/>
-                    </a:p>
-                  </a:txBody>
-                  <a:tcPr/>
+                  <a:tcPr anchor="ctr">
+                    <a:lnL>
+                      <a:noFill/>
+                    </a:lnL>
+                    <a:lnR>
+                      <a:noFill/>
+                    </a:lnR>
+                    <a:lnT>
+                      <a:noFill/>
+                    </a:lnT>
+                    <a:lnB>
+                      <a:noFill/>
+                    </a:lnB>
+                    <a:noFill/>
+                  </a:tcPr>
                 </a:tc>
                 <a:extLst>
                   <a:ext uri="{0D108BD9-81ED-4DB2-BD59-A6C34878D82A}">
-                    <a16:rowId xmlns:a16="http://schemas.microsoft.com/office/drawing/2014/main" val="1426365876"/>
-                  </a:ext>
-                </a:extLst>
-              </a:tr>
-              <a:tr h="325050">
-                <a:tc>
-                  <a:txBody>
-                    <a:bodyPr/>
-                    <a:lstStyle/>
-                    <a:p>
-                      <a:endParaRPr lang="en-US"/>
-                    </a:p>
-                  </a:txBody>
-                  <a:tcPr/>
-                </a:tc>
-                <a:tc>
-                  <a:txBody>
-                    <a:bodyPr/>
-                    <a:lstStyle/>
-                    <a:p>
-                      <a:endParaRPr lang="en-US"/>
-                    </a:p>
-                  </a:txBody>
-                  <a:tcPr/>
-                </a:tc>
-                <a:tc>
-                  <a:txBody>
-                    <a:bodyPr/>
-                    <a:lstStyle/>
-                    <a:p>
-                      <a:endParaRPr lang="en-US"/>
-                    </a:p>
-                  </a:txBody>
-                  <a:tcPr/>
-                </a:tc>
-                <a:tc>
-                  <a:txBody>
-                    <a:bodyPr/>
-                    <a:lstStyle/>
-                    <a:p>
-                      <a:endParaRPr lang="en-US"/>
-                    </a:p>
-                  </a:txBody>
-                  <a:tcPr/>
-                </a:tc>
-                <a:extLst>
-                  <a:ext uri="{0D108BD9-81ED-4DB2-BD59-A6C34878D82A}">
-                    <a16:rowId xmlns:a16="http://schemas.microsoft.com/office/drawing/2014/main" val="2647397043"/>
-                  </a:ext>
-                </a:extLst>
-              </a:tr>
-              <a:tr h="325050">
-                <a:tc>
-                  <a:txBody>
-                    <a:bodyPr/>
-                    <a:lstStyle/>
-                    <a:p>
-                      <a:endParaRPr lang="en-US"/>
-                    </a:p>
-                  </a:txBody>
-                  <a:tcPr/>
-                </a:tc>
-                <a:tc>
-                  <a:txBody>
-                    <a:bodyPr/>
-                    <a:lstStyle/>
-                    <a:p>
-                      <a:endParaRPr lang="en-US"/>
-                    </a:p>
-                  </a:txBody>
-                  <a:tcPr/>
-                </a:tc>
-                <a:tc>
-                  <a:txBody>
-                    <a:bodyPr/>
-                    <a:lstStyle/>
-                    <a:p>
-                      <a:endParaRPr lang="en-US"/>
-                    </a:p>
-                  </a:txBody>
-                  <a:tcPr/>
-                </a:tc>
-                <a:tc>
-                  <a:txBody>
-                    <a:bodyPr/>
-                    <a:lstStyle/>
-                    <a:p>
-                      <a:endParaRPr lang="en-US"/>
-                    </a:p>
-                  </a:txBody>
-                  <a:tcPr/>
-                </a:tc>
-                <a:extLst>
-                  <a:ext uri="{0D108BD9-81ED-4DB2-BD59-A6C34878D82A}">
-                    <a16:rowId xmlns:a16="http://schemas.microsoft.com/office/drawing/2014/main" val="692166809"/>
-                  </a:ext>
-                </a:extLst>
-              </a:tr>
-              <a:tr h="325050">
-                <a:tc>
-                  <a:txBody>
-                    <a:bodyPr/>
-                    <a:lstStyle/>
-                    <a:p>
-                      <a:endParaRPr lang="en-US"/>
-                    </a:p>
-                  </a:txBody>
-                  <a:tcPr/>
-                </a:tc>
-                <a:tc>
-                  <a:txBody>
-                    <a:bodyPr/>
-                    <a:lstStyle/>
-                    <a:p>
-                      <a:endParaRPr lang="en-US"/>
-                    </a:p>
-                  </a:txBody>
-                  <a:tcPr/>
-                </a:tc>
-                <a:tc>
-                  <a:txBody>
-                    <a:bodyPr/>
-                    <a:lstStyle/>
-                    <a:p>
-                      <a:endParaRPr lang="en-US"/>
-                    </a:p>
-                  </a:txBody>
-                  <a:tcPr/>
-                </a:tc>
-                <a:tc>
-                  <a:txBody>
-                    <a:bodyPr/>
-                    <a:lstStyle/>
-                    <a:p>
-                      <a:endParaRPr lang="en-US"/>
-                    </a:p>
-                  </a:txBody>
-                  <a:tcPr/>
-                </a:tc>
-                <a:extLst>
-                  <a:ext uri="{0D108BD9-81ED-4DB2-BD59-A6C34878D82A}">
-                    <a16:rowId xmlns:a16="http://schemas.microsoft.com/office/drawing/2014/main" val="1423709045"/>
-                  </a:ext>
-                </a:extLst>
-              </a:tr>
-              <a:tr h="325050">
-                <a:tc>
-                  <a:txBody>
-                    <a:bodyPr/>
-                    <a:lstStyle/>
-                    <a:p>
-                      <a:endParaRPr lang="en-US"/>
-                    </a:p>
-                  </a:txBody>
-                  <a:tcPr/>
-                </a:tc>
-                <a:tc>
-                  <a:txBody>
-                    <a:bodyPr/>
-                    <a:lstStyle/>
-                    <a:p>
-                      <a:endParaRPr lang="en-US"/>
-                    </a:p>
-                  </a:txBody>
-                  <a:tcPr/>
-                </a:tc>
-                <a:tc>
-                  <a:txBody>
-                    <a:bodyPr/>
-                    <a:lstStyle/>
-                    <a:p>
-                      <a:endParaRPr lang="en-US"/>
-                    </a:p>
-                  </a:txBody>
-                  <a:tcPr/>
-                </a:tc>
-                <a:tc>
-                  <a:txBody>
-                    <a:bodyPr/>
-                    <a:lstStyle/>
-                    <a:p>
-                      <a:endParaRPr lang="en-US"/>
-                    </a:p>
-                  </a:txBody>
-                  <a:tcPr/>
-                </a:tc>
-                <a:extLst>
-                  <a:ext uri="{0D108BD9-81ED-4DB2-BD59-A6C34878D82A}">
-                    <a16:rowId xmlns:a16="http://schemas.microsoft.com/office/drawing/2014/main" val="2336749952"/>
-                  </a:ext>
-                </a:extLst>
-              </a:tr>
-              <a:tr h="325050">
-                <a:tc>
-                  <a:txBody>
-                    <a:bodyPr/>
-                    <a:lstStyle/>
-                    <a:p>
-                      <a:endParaRPr lang="en-US"/>
-                    </a:p>
-                  </a:txBody>
-                  <a:tcPr/>
-                </a:tc>
-                <a:tc>
-                  <a:txBody>
-                    <a:bodyPr/>
-                    <a:lstStyle/>
-                    <a:p>
-                      <a:endParaRPr lang="en-US"/>
-                    </a:p>
-                  </a:txBody>
-                  <a:tcPr/>
-                </a:tc>
-                <a:tc>
-                  <a:txBody>
-                    <a:bodyPr/>
-                    <a:lstStyle/>
-                    <a:p>
-                      <a:endParaRPr lang="en-US"/>
-                    </a:p>
-                  </a:txBody>
-                  <a:tcPr/>
-                </a:tc>
-                <a:tc>
-                  <a:txBody>
-                    <a:bodyPr/>
-                    <a:lstStyle/>
-                    <a:p>
-                      <a:endParaRPr lang="en-US"/>
-                    </a:p>
-                  </a:txBody>
-                  <a:tcPr/>
-                </a:tc>
-                <a:extLst>
-                  <a:ext uri="{0D108BD9-81ED-4DB2-BD59-A6C34878D82A}">
-                    <a16:rowId xmlns:a16="http://schemas.microsoft.com/office/drawing/2014/main" val="2643557900"/>
-                  </a:ext>
-                </a:extLst>
-              </a:tr>
-              <a:tr h="325050">
-                <a:tc>
-                  <a:txBody>
-                    <a:bodyPr/>
-                    <a:lstStyle/>
-                    <a:p>
-                      <a:endParaRPr lang="en-US"/>
-                    </a:p>
-                  </a:txBody>
-                  <a:tcPr/>
-                </a:tc>
-                <a:tc>
-                  <a:txBody>
-                    <a:bodyPr/>
-                    <a:lstStyle/>
-                    <a:p>
-                      <a:endParaRPr lang="en-US"/>
-                    </a:p>
-                  </a:txBody>
-                  <a:tcPr/>
-                </a:tc>
-                <a:tc>
-                  <a:txBody>
-                    <a:bodyPr/>
-                    <a:lstStyle/>
-                    <a:p>
-                      <a:endParaRPr lang="en-US"/>
-                    </a:p>
-                  </a:txBody>
-                  <a:tcPr/>
-                </a:tc>
-                <a:tc>
-                  <a:txBody>
-                    <a:bodyPr/>
-                    <a:lstStyle/>
-                    <a:p>
-                      <a:endParaRPr lang="en-US"/>
-                    </a:p>
-                  </a:txBody>
-                  <a:tcPr/>
-                </a:tc>
-                <a:extLst>
-                  <a:ext uri="{0D108BD9-81ED-4DB2-BD59-A6C34878D82A}">
-                    <a16:rowId xmlns:a16="http://schemas.microsoft.com/office/drawing/2014/main" val="4220314130"/>
-                  </a:ext>
-                </a:extLst>
-              </a:tr>
-              <a:tr h="325050">
-                <a:tc>
-                  <a:txBody>
-                    <a:bodyPr/>
-                    <a:lstStyle/>
-                    <a:p>
-                      <a:endParaRPr lang="en-US"/>
-                    </a:p>
-                  </a:txBody>
-                  <a:tcPr/>
-                </a:tc>
-                <a:tc>
-                  <a:txBody>
-                    <a:bodyPr/>
-                    <a:lstStyle/>
-                    <a:p>
-                      <a:endParaRPr lang="en-US"/>
-                    </a:p>
-                  </a:txBody>
-                  <a:tcPr/>
-                </a:tc>
-                <a:tc>
-                  <a:txBody>
-                    <a:bodyPr/>
-                    <a:lstStyle/>
-                    <a:p>
-                      <a:endParaRPr lang="en-US"/>
-                    </a:p>
-                  </a:txBody>
-                  <a:tcPr/>
-                </a:tc>
-                <a:tc>
-                  <a:txBody>
-                    <a:bodyPr/>
-                    <a:lstStyle/>
-                    <a:p>
-                      <a:endParaRPr lang="en-US"/>
-                    </a:p>
-                  </a:txBody>
-                  <a:tcPr/>
-                </a:tc>
-                <a:extLst>
-                  <a:ext uri="{0D108BD9-81ED-4DB2-BD59-A6C34878D82A}">
-                    <a16:rowId xmlns:a16="http://schemas.microsoft.com/office/drawing/2014/main" val="503404263"/>
-                  </a:ext>
-                </a:extLst>
-              </a:tr>
-              <a:tr h="325050">
-                <a:tc>
-                  <a:txBody>
-                    <a:bodyPr/>
-                    <a:lstStyle/>
-                    <a:p>
-                      <a:endParaRPr lang="en-US"/>
-                    </a:p>
-                  </a:txBody>
-                  <a:tcPr/>
-                </a:tc>
-                <a:tc>
-                  <a:txBody>
-                    <a:bodyPr/>
-                    <a:lstStyle/>
-                    <a:p>
-                      <a:endParaRPr lang="en-US"/>
-                    </a:p>
-                  </a:txBody>
-                  <a:tcPr/>
-                </a:tc>
-                <a:tc>
-                  <a:txBody>
-                    <a:bodyPr/>
-                    <a:lstStyle/>
-                    <a:p>
-                      <a:endParaRPr lang="en-US"/>
-                    </a:p>
-                  </a:txBody>
-                  <a:tcPr/>
-                </a:tc>
-                <a:tc>
-                  <a:txBody>
-                    <a:bodyPr/>
-                    <a:lstStyle/>
-                    <a:p>
-                      <a:endParaRPr lang="en-US"/>
-                    </a:p>
-                  </a:txBody>
-                  <a:tcPr/>
-                </a:tc>
-                <a:extLst>
-                  <a:ext uri="{0D108BD9-81ED-4DB2-BD59-A6C34878D82A}">
-                    <a16:rowId xmlns:a16="http://schemas.microsoft.com/office/drawing/2014/main" val="1258462555"/>
-                  </a:ext>
-                </a:extLst>
-              </a:tr>
-              <a:tr h="325050">
-                <a:tc>
-                  <a:txBody>
-                    <a:bodyPr/>
-                    <a:lstStyle/>
-                    <a:p>
-                      <a:endParaRPr lang="en-US"/>
-                    </a:p>
-                  </a:txBody>
-                  <a:tcPr/>
-                </a:tc>
-                <a:tc>
-                  <a:txBody>
-                    <a:bodyPr/>
-                    <a:lstStyle/>
-                    <a:p>
-                      <a:endParaRPr lang="en-US"/>
-                    </a:p>
-                  </a:txBody>
-                  <a:tcPr/>
-                </a:tc>
-                <a:tc>
-                  <a:txBody>
-                    <a:bodyPr/>
-                    <a:lstStyle/>
-                    <a:p>
-                      <a:endParaRPr lang="en-US"/>
-                    </a:p>
-                  </a:txBody>
-                  <a:tcPr/>
-                </a:tc>
-                <a:tc>
-                  <a:txBody>
-                    <a:bodyPr/>
-                    <a:lstStyle/>
-                    <a:p>
-                      <a:endParaRPr lang="en-US"/>
-                    </a:p>
-                  </a:txBody>
-                  <a:tcPr/>
-                </a:tc>
-                <a:extLst>
-                  <a:ext uri="{0D108BD9-81ED-4DB2-BD59-A6C34878D82A}">
-                    <a16:rowId xmlns:a16="http://schemas.microsoft.com/office/drawing/2014/main" val="2974623324"/>
-                  </a:ext>
-                </a:extLst>
-              </a:tr>
-              <a:tr h="325050">
-                <a:tc>
-                  <a:txBody>
-                    <a:bodyPr/>
-                    <a:lstStyle/>
-                    <a:p>
-                      <a:endParaRPr lang="en-US"/>
-                    </a:p>
-                  </a:txBody>
-                  <a:tcPr/>
-                </a:tc>
-                <a:tc>
-                  <a:txBody>
-                    <a:bodyPr/>
-                    <a:lstStyle/>
-                    <a:p>
-                      <a:endParaRPr lang="en-US"/>
-                    </a:p>
-                  </a:txBody>
-                  <a:tcPr/>
-                </a:tc>
-                <a:tc>
-                  <a:txBody>
-                    <a:bodyPr/>
-                    <a:lstStyle/>
-                    <a:p>
-                      <a:endParaRPr lang="en-US"/>
-                    </a:p>
-                  </a:txBody>
-                  <a:tcPr/>
-                </a:tc>
-                <a:tc>
-                  <a:txBody>
-                    <a:bodyPr/>
-                    <a:lstStyle/>
-                    <a:p>
-                      <a:endParaRPr lang="en-US"/>
-                    </a:p>
-                  </a:txBody>
-                  <a:tcPr/>
-                </a:tc>
-                <a:extLst>
-                  <a:ext uri="{0D108BD9-81ED-4DB2-BD59-A6C34878D82A}">
-                    <a16:rowId xmlns:a16="http://schemas.microsoft.com/office/drawing/2014/main" val="3271260981"/>
-                  </a:ext>
-                </a:extLst>
-              </a:tr>
-              <a:tr h="325050">
-                <a:tc>
-                  <a:txBody>
-                    <a:bodyPr/>
-                    <a:lstStyle/>
-                    <a:p>
-                      <a:endParaRPr lang="en-US"/>
-                    </a:p>
-                  </a:txBody>
-                  <a:tcPr/>
-                </a:tc>
-                <a:tc>
-                  <a:txBody>
-                    <a:bodyPr/>
-                    <a:lstStyle/>
-                    <a:p>
-                      <a:endParaRPr lang="en-US"/>
-                    </a:p>
-                  </a:txBody>
-                  <a:tcPr/>
-                </a:tc>
-                <a:tc>
-                  <a:txBody>
-                    <a:bodyPr/>
-                    <a:lstStyle/>
-                    <a:p>
-                      <a:endParaRPr lang="en-US"/>
-                    </a:p>
-                  </a:txBody>
-                  <a:tcPr/>
-                </a:tc>
-                <a:tc>
-                  <a:txBody>
-                    <a:bodyPr/>
-                    <a:lstStyle/>
-                    <a:p>
-                      <a:endParaRPr lang="en-US"/>
-                    </a:p>
-                  </a:txBody>
-                  <a:tcPr/>
-                </a:tc>
-                <a:extLst>
-                  <a:ext uri="{0D108BD9-81ED-4DB2-BD59-A6C34878D82A}">
-                    <a16:rowId xmlns:a16="http://schemas.microsoft.com/office/drawing/2014/main" val="2476168223"/>
-                  </a:ext>
-                </a:extLst>
-              </a:tr>
-              <a:tr h="325050">
-                <a:tc>
-                  <a:txBody>
-                    <a:bodyPr/>
-                    <a:lstStyle/>
-                    <a:p>
-                      <a:endParaRPr lang="en-US"/>
-                    </a:p>
-                  </a:txBody>
-                  <a:tcPr/>
-                </a:tc>
-                <a:tc>
-                  <a:txBody>
-                    <a:bodyPr/>
-                    <a:lstStyle/>
-                    <a:p>
-                      <a:endParaRPr lang="en-US"/>
-                    </a:p>
-                  </a:txBody>
-                  <a:tcPr/>
-                </a:tc>
-                <a:tc>
-                  <a:txBody>
-                    <a:bodyPr/>
-                    <a:lstStyle/>
-                    <a:p>
-                      <a:endParaRPr lang="en-US"/>
-                    </a:p>
-                  </a:txBody>
-                  <a:tcPr/>
-                </a:tc>
-                <a:tc>
-                  <a:txBody>
-                    <a:bodyPr/>
-                    <a:lstStyle/>
-                    <a:p>
-                      <a:endParaRPr lang="en-US"/>
-                    </a:p>
-                  </a:txBody>
-                  <a:tcPr/>
-                </a:tc>
-                <a:extLst>
-                  <a:ext uri="{0D108BD9-81ED-4DB2-BD59-A6C34878D82A}">
-                    <a16:rowId xmlns:a16="http://schemas.microsoft.com/office/drawing/2014/main" val="3109010257"/>
-                  </a:ext>
-                </a:extLst>
-              </a:tr>
-              <a:tr h="325050">
-                <a:tc>
-                  <a:txBody>
-                    <a:bodyPr/>
-                    <a:lstStyle/>
-                    <a:p>
-                      <a:endParaRPr lang="en-US"/>
-                    </a:p>
-                  </a:txBody>
-                  <a:tcPr/>
-                </a:tc>
-                <a:tc>
-                  <a:txBody>
-                    <a:bodyPr/>
-                    <a:lstStyle/>
-                    <a:p>
-                      <a:endParaRPr lang="en-US"/>
-                    </a:p>
-                  </a:txBody>
-                  <a:tcPr/>
-                </a:tc>
-                <a:tc>
-                  <a:txBody>
-                    <a:bodyPr/>
-                    <a:lstStyle/>
-                    <a:p>
-                      <a:endParaRPr lang="en-US"/>
-                    </a:p>
-                  </a:txBody>
-                  <a:tcPr/>
-                </a:tc>
-                <a:tc>
-                  <a:txBody>
-                    <a:bodyPr/>
-                    <a:lstStyle/>
-                    <a:p>
-                      <a:endParaRPr lang="en-US"/>
-                    </a:p>
-                  </a:txBody>
-                  <a:tcPr/>
-                </a:tc>
-                <a:extLst>
-                  <a:ext uri="{0D108BD9-81ED-4DB2-BD59-A6C34878D82A}">
-                    <a16:rowId xmlns:a16="http://schemas.microsoft.com/office/drawing/2014/main" val="3378346983"/>
-                  </a:ext>
-                </a:extLst>
-              </a:tr>
-              <a:tr h="325050">
-                <a:tc>
-                  <a:txBody>
-                    <a:bodyPr/>
-                    <a:lstStyle/>
-                    <a:p>
-                      <a:endParaRPr lang="en-US"/>
-                    </a:p>
-                  </a:txBody>
-                  <a:tcPr/>
-                </a:tc>
-                <a:tc>
-                  <a:txBody>
-                    <a:bodyPr/>
-                    <a:lstStyle/>
-                    <a:p>
-                      <a:endParaRPr lang="en-US"/>
-                    </a:p>
-                  </a:txBody>
-                  <a:tcPr/>
-                </a:tc>
-                <a:tc>
-                  <a:txBody>
-                    <a:bodyPr/>
-                    <a:lstStyle/>
-                    <a:p>
-                      <a:endParaRPr lang="en-US"/>
-                    </a:p>
-                  </a:txBody>
-                  <a:tcPr/>
-                </a:tc>
-                <a:tc>
-                  <a:txBody>
-                    <a:bodyPr/>
-                    <a:lstStyle/>
-                    <a:p>
-                      <a:endParaRPr lang="en-US"/>
-                    </a:p>
-                  </a:txBody>
-                  <a:tcPr/>
-                </a:tc>
-                <a:extLst>
-                  <a:ext uri="{0D108BD9-81ED-4DB2-BD59-A6C34878D82A}">
-                    <a16:rowId xmlns:a16="http://schemas.microsoft.com/office/drawing/2014/main" val="613588102"/>
-                  </a:ext>
-                </a:extLst>
-              </a:tr>
-              <a:tr h="325050">
-                <a:tc>
-                  <a:txBody>
-                    <a:bodyPr/>
-                    <a:lstStyle/>
-                    <a:p>
-                      <a:endParaRPr lang="en-US"/>
-                    </a:p>
-                  </a:txBody>
-                  <a:tcPr/>
-                </a:tc>
-                <a:tc>
-                  <a:txBody>
-                    <a:bodyPr/>
-                    <a:lstStyle/>
-                    <a:p>
-                      <a:endParaRPr lang="en-US"/>
-                    </a:p>
-                  </a:txBody>
-                  <a:tcPr/>
-                </a:tc>
-                <a:tc>
-                  <a:txBody>
-                    <a:bodyPr/>
-                    <a:lstStyle/>
-                    <a:p>
-                      <a:endParaRPr lang="en-US"/>
-                    </a:p>
-                  </a:txBody>
-                  <a:tcPr/>
-                </a:tc>
-                <a:tc>
-                  <a:txBody>
-                    <a:bodyPr/>
-                    <a:lstStyle/>
-                    <a:p>
-                      <a:endParaRPr lang="en-US" dirty="0"/>
-                    </a:p>
-                  </a:txBody>
-                  <a:tcPr/>
-                </a:tc>
-                <a:extLst>
-                  <a:ext uri="{0D108BD9-81ED-4DB2-BD59-A6C34878D82A}">
-                    <a16:rowId xmlns:a16="http://schemas.microsoft.com/office/drawing/2014/main" val="1572885278"/>
+                    <a16:rowId xmlns:a16="http://schemas.microsoft.com/office/drawing/2014/main" val="3402671548"/>
                   </a:ext>
                 </a:extLst>
               </a:tr>
@@ -5397,7 +7395,166 @@
     </p:spTree>
     <p:extLst>
       <p:ext uri="{BB962C8B-B14F-4D97-AF65-F5344CB8AC3E}">
-        <p14:creationId xmlns:p14="http://schemas.microsoft.com/office/powerpoint/2010/main" val="710705226"/>
+        <p14:creationId xmlns:p14="http://schemas.microsoft.com/office/powerpoint/2010/main" val="1999346332"/>
+      </p:ext>
+    </p:extLst>
+  </p:cSld>
+  <p:clrMapOvr>
+    <a:masterClrMapping/>
+  </p:clrMapOvr>
+</p:sld>
+</file>
+
+<file path=ppt/slides/slide8.xml><?xml version="1.0" encoding="utf-8"?>
+<p:sld xmlns:a="http://schemas.openxmlformats.org/drawingml/2006/main" xmlns:r="http://schemas.openxmlformats.org/officeDocument/2006/relationships" xmlns:p="http://schemas.openxmlformats.org/presentationml/2006/main">
+  <p:cSld>
+    <p:spTree>
+      <p:nvGrpSpPr>
+        <p:cNvPr id="1" name=""/>
+        <p:cNvGrpSpPr/>
+        <p:nvPr/>
+      </p:nvGrpSpPr>
+      <p:grpSpPr>
+        <a:xfrm>
+          <a:off x="0" y="0"/>
+          <a:ext cx="0" cy="0"/>
+          <a:chOff x="0" y="0"/>
+          <a:chExt cx="0" cy="0"/>
+        </a:xfrm>
+      </p:grpSpPr>
+      <p:pic>
+        <p:nvPicPr>
+          <p:cNvPr id="3" name="Picture 2">
+            <a:extLst>
+              <a:ext uri="{FF2B5EF4-FFF2-40B4-BE49-F238E27FC236}">
+                <a16:creationId xmlns:a16="http://schemas.microsoft.com/office/drawing/2014/main" id="{4B595F5A-DC7E-96F5-66D3-ADF0282EE3E0}"/>
+              </a:ext>
+            </a:extLst>
+          </p:cNvPr>
+          <p:cNvPicPr>
+            <a:picLocks noChangeAspect="1"/>
+          </p:cNvPicPr>
+          <p:nvPr/>
+        </p:nvPicPr>
+        <p:blipFill>
+          <a:blip r:embed="rId2">
+            <a:extLst>
+              <a:ext uri="{28A0092B-C50C-407E-A947-70E740481C1C}">
+                <a14:useLocalDpi xmlns:a14="http://schemas.microsoft.com/office/drawing/2010/main" val="0"/>
+              </a:ext>
+            </a:extLst>
+          </a:blip>
+          <a:stretch>
+            <a:fillRect/>
+          </a:stretch>
+        </p:blipFill>
+        <p:spPr>
+          <a:xfrm>
+            <a:off x="1758462" y="844061"/>
+            <a:ext cx="8370276" cy="4768947"/>
+          </a:xfrm>
+          <a:prstGeom prst="rect">
+            <a:avLst/>
+          </a:prstGeom>
+        </p:spPr>
+      </p:pic>
+    </p:spTree>
+    <p:extLst>
+      <p:ext uri="{BB962C8B-B14F-4D97-AF65-F5344CB8AC3E}">
+        <p14:creationId xmlns:p14="http://schemas.microsoft.com/office/powerpoint/2010/main" val="2653932460"/>
+      </p:ext>
+    </p:extLst>
+  </p:cSld>
+  <p:clrMapOvr>
+    <a:masterClrMapping/>
+  </p:clrMapOvr>
+</p:sld>
+</file>
+
+<file path=ppt/slides/slide9.xml><?xml version="1.0" encoding="utf-8"?>
+<p:sld xmlns:a="http://schemas.openxmlformats.org/drawingml/2006/main" xmlns:r="http://schemas.openxmlformats.org/officeDocument/2006/relationships" xmlns:p="http://schemas.openxmlformats.org/presentationml/2006/main">
+  <p:cSld>
+    <p:spTree>
+      <p:nvGrpSpPr>
+        <p:cNvPr id="1" name=""/>
+        <p:cNvGrpSpPr/>
+        <p:nvPr/>
+      </p:nvGrpSpPr>
+      <p:grpSpPr>
+        <a:xfrm>
+          <a:off x="0" y="0"/>
+          <a:ext cx="0" cy="0"/>
+          <a:chOff x="0" y="0"/>
+          <a:chExt cx="0" cy="0"/>
+        </a:xfrm>
+      </p:grpSpPr>
+      <p:sp>
+        <p:nvSpPr>
+          <p:cNvPr id="2" name="Title 1">
+            <a:extLst>
+              <a:ext uri="{FF2B5EF4-FFF2-40B4-BE49-F238E27FC236}">
+                <a16:creationId xmlns:a16="http://schemas.microsoft.com/office/drawing/2014/main" id="{5FF0B09A-FA74-29F0-D0B5-507805175005}"/>
+              </a:ext>
+            </a:extLst>
+          </p:cNvPr>
+          <p:cNvSpPr>
+            <a:spLocks noGrp="1"/>
+          </p:cNvSpPr>
+          <p:nvPr>
+            <p:ph type="title"/>
+          </p:nvPr>
+        </p:nvSpPr>
+        <p:spPr/>
+        <p:txBody>
+          <a:bodyPr/>
+          <a:lstStyle/>
+          <a:p>
+            <a:r>
+              <a:rPr lang="en-US" dirty="0"/>
+              <a:t>Circuit diagram – Even parity generator.</a:t>
+            </a:r>
+          </a:p>
+        </p:txBody>
+      </p:sp>
+      <p:pic>
+        <p:nvPicPr>
+          <p:cNvPr id="5" name="Content Placeholder 4">
+            <a:extLst>
+              <a:ext uri="{FF2B5EF4-FFF2-40B4-BE49-F238E27FC236}">
+                <a16:creationId xmlns:a16="http://schemas.microsoft.com/office/drawing/2014/main" id="{13CB6165-5C0B-8F2F-5A67-1D703FA0C83B}"/>
+              </a:ext>
+            </a:extLst>
+          </p:cNvPr>
+          <p:cNvPicPr>
+            <a:picLocks noGrp="1" noChangeAspect="1"/>
+          </p:cNvPicPr>
+          <p:nvPr>
+            <p:ph idx="1"/>
+          </p:nvPr>
+        </p:nvPicPr>
+        <p:blipFill>
+          <a:blip r:embed="rId2">
+            <a:extLst>
+              <a:ext uri="{28A0092B-C50C-407E-A947-70E740481C1C}">
+                <a14:useLocalDpi xmlns:a14="http://schemas.microsoft.com/office/drawing/2010/main" val="0"/>
+              </a:ext>
+            </a:extLst>
+          </a:blip>
+          <a:stretch>
+            <a:fillRect/>
+          </a:stretch>
+        </p:blipFill>
+        <p:spPr>
+          <a:xfrm>
+            <a:off x="998807" y="1350499"/>
+            <a:ext cx="9411286" cy="5311189"/>
+          </a:xfrm>
+        </p:spPr>
+      </p:pic>
+    </p:spTree>
+    <p:extLst>
+      <p:ext uri="{BB962C8B-B14F-4D97-AF65-F5344CB8AC3E}">
+        <p14:creationId xmlns:p14="http://schemas.microsoft.com/office/powerpoint/2010/main" val="630574667"/>
       </p:ext>
     </p:extLst>
   </p:cSld>
@@ -5408,9 +7565,9 @@
 </file>
 
 <file path=ppt/theme/theme1.xml><?xml version="1.0" encoding="utf-8"?>
-<a:theme xmlns:a="http://schemas.openxmlformats.org/drawingml/2006/main" name="Office Theme">
+<a:theme xmlns:a="http://schemas.openxmlformats.org/drawingml/2006/main" name="Gallery">
   <a:themeElements>
-    <a:clrScheme name="Office">
+    <a:clrScheme name="Gallery">
       <a:dk1>
         <a:sysClr val="windowText" lastClr="000000"/>
       </a:dk1>
@@ -5418,39 +7575,39 @@
         <a:sysClr val="window" lastClr="FFFFFF"/>
       </a:lt1>
       <a:dk2>
-        <a:srgbClr val="44546A"/>
+        <a:srgbClr val="454545"/>
       </a:dk2>
       <a:lt2>
-        <a:srgbClr val="E7E6E6"/>
+        <a:srgbClr val="DFDBD5"/>
       </a:lt2>
       <a:accent1>
-        <a:srgbClr val="4472C4"/>
+        <a:srgbClr val="B71E42"/>
       </a:accent1>
       <a:accent2>
-        <a:srgbClr val="ED7D31"/>
+        <a:srgbClr val="DE478E"/>
       </a:accent2>
       <a:accent3>
-        <a:srgbClr val="A5A5A5"/>
+        <a:srgbClr val="BC72F0"/>
       </a:accent3>
       <a:accent4>
-        <a:srgbClr val="FFC000"/>
+        <a:srgbClr val="795FAF"/>
       </a:accent4>
       <a:accent5>
-        <a:srgbClr val="5B9BD5"/>
+        <a:srgbClr val="586EA6"/>
       </a:accent5>
       <a:accent6>
-        <a:srgbClr val="70AD47"/>
+        <a:srgbClr val="6892A0"/>
       </a:accent6>
       <a:hlink>
-        <a:srgbClr val="0563C1"/>
+        <a:srgbClr val="FA2B5C"/>
       </a:hlink>
       <a:folHlink>
-        <a:srgbClr val="954F72"/>
+        <a:srgbClr val="BC658E"/>
       </a:folHlink>
     </a:clrScheme>
-    <a:fontScheme name="Office">
+    <a:fontScheme name="Gallery">
       <a:majorFont>
-        <a:latin typeface="Calibri Light" panose="020F0302020204030204"/>
+        <a:latin typeface="Gill Sans MT" panose="020B0502020104020203"/>
         <a:ea typeface=""/>
         <a:cs typeface=""/>
         <a:font script="Jpan" typeface="游ゴシック Light"/>
@@ -5483,26 +7640,9 @@
         <a:font script="Viet" typeface="Times New Roman"/>
         <a:font script="Uigh" typeface="Microsoft Uighur"/>
         <a:font script="Geor" typeface="Sylfaen"/>
-        <a:font script="Armn" typeface="Arial"/>
-        <a:font script="Bugi" typeface="Leelawadee UI"/>
-        <a:font script="Bopo" typeface="Microsoft JhengHei"/>
-        <a:font script="Java" typeface="Javanese Text"/>
-        <a:font script="Lisu" typeface="Segoe UI"/>
-        <a:font script="Mymr" typeface="Myanmar Text"/>
-        <a:font script="Nkoo" typeface="Ebrima"/>
-        <a:font script="Olck" typeface="Nirmala UI"/>
-        <a:font script="Osma" typeface="Ebrima"/>
-        <a:font script="Phag" typeface="Phagspa"/>
-        <a:font script="Syrn" typeface="Estrangelo Edessa"/>
-        <a:font script="Syrj" typeface="Estrangelo Edessa"/>
-        <a:font script="Syre" typeface="Estrangelo Edessa"/>
-        <a:font script="Sora" typeface="Nirmala UI"/>
-        <a:font script="Tale" typeface="Microsoft Tai Le"/>
-        <a:font script="Talu" typeface="Microsoft New Tai Lue"/>
-        <a:font script="Tfng" typeface="Ebrima"/>
       </a:majorFont>
       <a:minorFont>
-        <a:latin typeface="Calibri" panose="020F0502020204030204"/>
+        <a:latin typeface="Gill Sans MT" panose="020B0502020104020203"/>
         <a:ea typeface=""/>
         <a:cs typeface=""/>
         <a:font script="Jpan" typeface="游ゴシック"/>
@@ -5535,26 +7675,9 @@
         <a:font script="Viet" typeface="Arial"/>
         <a:font script="Uigh" typeface="Microsoft Uighur"/>
         <a:font script="Geor" typeface="Sylfaen"/>
-        <a:font script="Armn" typeface="Arial"/>
-        <a:font script="Bugi" typeface="Leelawadee UI"/>
-        <a:font script="Bopo" typeface="Microsoft JhengHei"/>
-        <a:font script="Java" typeface="Javanese Text"/>
-        <a:font script="Lisu" typeface="Segoe UI"/>
-        <a:font script="Mymr" typeface="Myanmar Text"/>
-        <a:font script="Nkoo" typeface="Ebrima"/>
-        <a:font script="Olck" typeface="Nirmala UI"/>
-        <a:font script="Osma" typeface="Ebrima"/>
-        <a:font script="Phag" typeface="Phagspa"/>
-        <a:font script="Syrn" typeface="Estrangelo Edessa"/>
-        <a:font script="Syrj" typeface="Estrangelo Edessa"/>
-        <a:font script="Syre" typeface="Estrangelo Edessa"/>
-        <a:font script="Sora" typeface="Nirmala UI"/>
-        <a:font script="Tale" typeface="Microsoft Tai Le"/>
-        <a:font script="Talu" typeface="Microsoft New Tai Lue"/>
-        <a:font script="Tfng" typeface="Ebrima"/>
       </a:minorFont>
     </a:fontScheme>
-    <a:fmtScheme name="Office">
+    <a:fmtScheme name="Gallery">
       <a:fillStyleLst>
         <a:solidFill>
           <a:schemeClr val="phClr"/>
@@ -5563,23 +7686,18 @@
           <a:gsLst>
             <a:gs pos="0">
               <a:schemeClr val="phClr">
+                <a:tint val="54000"/>
+                <a:alpha val="100000"/>
+                <a:satMod val="105000"/>
                 <a:lumMod val="110000"/>
-                <a:satMod val="105000"/>
-                <a:tint val="67000"/>
-              </a:schemeClr>
-            </a:gs>
-            <a:gs pos="50000">
-              <a:schemeClr val="phClr">
-                <a:lumMod val="105000"/>
-                <a:satMod val="103000"/>
-                <a:tint val="73000"/>
               </a:schemeClr>
             </a:gs>
             <a:gs pos="100000">
               <a:schemeClr val="phClr">
-                <a:lumMod val="105000"/>
+                <a:tint val="78000"/>
+                <a:alpha val="92000"/>
                 <a:satMod val="109000"/>
-                <a:tint val="81000"/>
+                <a:lumMod val="100000"/>
               </a:schemeClr>
             </a:gs>
           </a:gsLst>
@@ -5589,23 +7707,23 @@
           <a:gsLst>
             <a:gs pos="0">
               <a:schemeClr val="phClr">
-                <a:satMod val="103000"/>
-                <a:lumMod val="102000"/>
-                <a:tint val="94000"/>
+                <a:tint val="98000"/>
+                <a:satMod val="110000"/>
+                <a:lumMod val="104000"/>
               </a:schemeClr>
             </a:gs>
-            <a:gs pos="50000">
+            <a:gs pos="69000">
               <a:schemeClr val="phClr">
-                <a:satMod val="110000"/>
-                <a:lumMod val="100000"/>
-                <a:shade val="100000"/>
+                <a:shade val="88000"/>
+                <a:satMod val="130000"/>
+                <a:lumMod val="92000"/>
               </a:schemeClr>
             </a:gs>
             <a:gs pos="100000">
               <a:schemeClr val="phClr">
-                <a:lumMod val="99000"/>
-                <a:satMod val="120000"/>
                 <a:shade val="78000"/>
+                <a:satMod val="130000"/>
+                <a:lumMod val="92000"/>
               </a:schemeClr>
             </a:gs>
           </a:gsLst>
@@ -5613,26 +7731,23 @@
         </a:gradFill>
       </a:fillStyleLst>
       <a:lnStyleLst>
-        <a:ln w="6350" cap="flat" cmpd="sng" algn="ctr">
+        <a:ln w="9525" cap="flat" cmpd="sng" algn="ctr">
           <a:solidFill>
             <a:schemeClr val="phClr"/>
           </a:solidFill>
           <a:prstDash val="solid"/>
-          <a:miter lim="800000"/>
         </a:ln>
-        <a:ln w="12700" cap="flat" cmpd="sng" algn="ctr">
+        <a:ln w="15875" cap="flat" cmpd="sng" algn="ctr">
           <a:solidFill>
             <a:schemeClr val="phClr"/>
           </a:solidFill>
           <a:prstDash val="solid"/>
-          <a:miter lim="800000"/>
         </a:ln>
-        <a:ln w="19050" cap="flat" cmpd="sng" algn="ctr">
+        <a:ln w="22225" cap="flat" cmpd="sng" algn="ctr">
           <a:solidFill>
             <a:schemeClr val="phClr"/>
           </a:solidFill>
           <a:prstDash val="solid"/>
-          <a:miter lim="800000"/>
         </a:ln>
       </a:lnStyleLst>
       <a:effectStyleLst>
@@ -5644,12 +7759,23 @@
         </a:effectStyle>
         <a:effectStyle>
           <a:effectLst>
-            <a:outerShdw blurRad="57150" dist="19050" dir="5400000" algn="ctr" rotWithShape="0">
+            <a:outerShdw blurRad="50800" dist="50800" dir="5400000" sx="96000" sy="96000" rotWithShape="0">
               <a:srgbClr val="000000">
-                <a:alpha val="63000"/>
+                <a:alpha val="48000"/>
               </a:srgbClr>
             </a:outerShdw>
           </a:effectLst>
+          <a:scene3d>
+            <a:camera prst="orthographicFront">
+              <a:rot lat="0" lon="0" rev="0"/>
+            </a:camera>
+            <a:lightRig rig="balanced" dir="t">
+              <a:rot lat="0" lon="0" rev="1080000"/>
+            </a:lightRig>
+          </a:scene3d>
+          <a:sp3d>
+            <a:bevelT w="38100" h="12700" prst="softRound"/>
+          </a:sp3d>
         </a:effectStyle>
       </a:effectStyleLst>
       <a:bgFillStyleLst>
@@ -5657,37 +7783,26 @@
           <a:schemeClr val="phClr"/>
         </a:solidFill>
         <a:solidFill>
-          <a:schemeClr val="phClr">
-            <a:tint val="95000"/>
-            <a:satMod val="170000"/>
-          </a:schemeClr>
+          <a:schemeClr val="phClr"/>
         </a:solidFill>
         <a:gradFill rotWithShape="1">
           <a:gsLst>
             <a:gs pos="0">
               <a:schemeClr val="phClr">
-                <a:tint val="93000"/>
-                <a:satMod val="150000"/>
-                <a:shade val="98000"/>
-                <a:lumMod val="102000"/>
-              </a:schemeClr>
-            </a:gs>
-            <a:gs pos="50000">
-              <a:schemeClr val="phClr">
-                <a:tint val="98000"/>
-                <a:satMod val="130000"/>
-                <a:shade val="90000"/>
-                <a:lumMod val="103000"/>
+                <a:tint val="94000"/>
+                <a:satMod val="80000"/>
+                <a:lumMod val="106000"/>
               </a:schemeClr>
             </a:gs>
             <a:gs pos="100000">
               <a:schemeClr val="phClr">
-                <a:shade val="63000"/>
-                <a:satMod val="120000"/>
+                <a:shade val="80000"/>
               </a:schemeClr>
             </a:gs>
           </a:gsLst>
-          <a:lin ang="5400000" scaled="0"/>
+          <a:path path="circle">
+            <a:fillToRect l="43000" r="43000" b="100000"/>
+          </a:path>
         </a:gradFill>
       </a:bgFillStyleLst>
     </a:fmtScheme>
@@ -5696,7 +7811,7 @@
   <a:extraClrSchemeLst/>
   <a:extLst>
     <a:ext uri="{05A4C25C-085E-4340-85A3-A5531E510DB2}">
-      <thm15:themeFamily xmlns:thm15="http://schemas.microsoft.com/office/thememl/2012/main" name="Office Theme" id="{62F939B6-93AF-4DB8-9C6B-D6C7DFDC589F}" vid="{4A3C46E8-61CC-4603-A589-7422A47A8E4A}"/>
+      <thm15:themeFamily xmlns:thm15="http://schemas.microsoft.com/office/thememl/2012/main" name="Gallery" id="{BBFCD31E-59A1-489D-B089-A3EAD7CAE12E}" vid="{F5E91637-A7B6-4E27-B710-77DA7014EE1E}"/>
     </a:ext>
   </a:extLst>
 </a:theme>
